--- a/納豆企画書.田中ver.pptx
+++ b/納豆企画書.田中ver.pptx
@@ -7,7 +7,7 @@
   <p:sldIdLst>
     <p:sldId id="256" r:id="rId2"/>
     <p:sldId id="257" r:id="rId3"/>
-    <p:sldId id="258" r:id="rId4"/>
+    <p:sldId id="260" r:id="rId4"/>
     <p:sldId id="259" r:id="rId5"/>
   </p:sldIdLst>
   <p:sldSz cx="12192000" cy="6858000"/>
@@ -262,7 +262,7 @@
           <a:p>
             <a:fld id="{088C6636-DAE8-472C-AC2D-59080D2B5EFF}" type="datetimeFigureOut">
               <a:rPr kumimoji="1" lang="ja-JP" altLang="en-US" smtClean="0"/>
-              <a:t>2021/11/3</a:t>
+              <a:t>2021/11/5</a:t>
             </a:fld>
             <a:endParaRPr kumimoji="1" lang="ja-JP" altLang="en-US"/>
           </a:p>
@@ -492,7 +492,7 @@
           <a:p>
             <a:fld id="{088C6636-DAE8-472C-AC2D-59080D2B5EFF}" type="datetimeFigureOut">
               <a:rPr kumimoji="1" lang="ja-JP" altLang="en-US" smtClean="0"/>
-              <a:t>2021/11/3</a:t>
+              <a:t>2021/11/5</a:t>
             </a:fld>
             <a:endParaRPr kumimoji="1" lang="ja-JP" altLang="en-US"/>
           </a:p>
@@ -732,7 +732,7 @@
           <a:p>
             <a:fld id="{088C6636-DAE8-472C-AC2D-59080D2B5EFF}" type="datetimeFigureOut">
               <a:rPr kumimoji="1" lang="ja-JP" altLang="en-US" smtClean="0"/>
-              <a:t>2021/11/3</a:t>
+              <a:t>2021/11/5</a:t>
             </a:fld>
             <a:endParaRPr kumimoji="1" lang="ja-JP" altLang="en-US"/>
           </a:p>
@@ -962,7 +962,7 @@
           <a:p>
             <a:fld id="{088C6636-DAE8-472C-AC2D-59080D2B5EFF}" type="datetimeFigureOut">
               <a:rPr kumimoji="1" lang="ja-JP" altLang="en-US" smtClean="0"/>
-              <a:t>2021/11/3</a:t>
+              <a:t>2021/11/5</a:t>
             </a:fld>
             <a:endParaRPr kumimoji="1" lang="ja-JP" altLang="en-US"/>
           </a:p>
@@ -1237,7 +1237,7 @@
           <a:p>
             <a:fld id="{088C6636-DAE8-472C-AC2D-59080D2B5EFF}" type="datetimeFigureOut">
               <a:rPr kumimoji="1" lang="ja-JP" altLang="en-US" smtClean="0"/>
-              <a:t>2021/11/3</a:t>
+              <a:t>2021/11/5</a:t>
             </a:fld>
             <a:endParaRPr kumimoji="1" lang="ja-JP" altLang="en-US"/>
           </a:p>
@@ -1566,7 +1566,7 @@
           <a:p>
             <a:fld id="{088C6636-DAE8-472C-AC2D-59080D2B5EFF}" type="datetimeFigureOut">
               <a:rPr kumimoji="1" lang="ja-JP" altLang="en-US" smtClean="0"/>
-              <a:t>2021/11/3</a:t>
+              <a:t>2021/11/5</a:t>
             </a:fld>
             <a:endParaRPr kumimoji="1" lang="ja-JP" altLang="en-US"/>
           </a:p>
@@ -2042,7 +2042,7 @@
           <a:p>
             <a:fld id="{088C6636-DAE8-472C-AC2D-59080D2B5EFF}" type="datetimeFigureOut">
               <a:rPr kumimoji="1" lang="ja-JP" altLang="en-US" smtClean="0"/>
-              <a:t>2021/11/3</a:t>
+              <a:t>2021/11/5</a:t>
             </a:fld>
             <a:endParaRPr kumimoji="1" lang="ja-JP" altLang="en-US"/>
           </a:p>
@@ -2183,7 +2183,7 @@
           <a:p>
             <a:fld id="{088C6636-DAE8-472C-AC2D-59080D2B5EFF}" type="datetimeFigureOut">
               <a:rPr kumimoji="1" lang="ja-JP" altLang="en-US" smtClean="0"/>
-              <a:t>2021/11/3</a:t>
+              <a:t>2021/11/5</a:t>
             </a:fld>
             <a:endParaRPr kumimoji="1" lang="ja-JP" altLang="en-US"/>
           </a:p>
@@ -2296,7 +2296,7 @@
           <a:p>
             <a:fld id="{088C6636-DAE8-472C-AC2D-59080D2B5EFF}" type="datetimeFigureOut">
               <a:rPr kumimoji="1" lang="ja-JP" altLang="en-US" smtClean="0"/>
-              <a:t>2021/11/3</a:t>
+              <a:t>2021/11/5</a:t>
             </a:fld>
             <a:endParaRPr kumimoji="1" lang="ja-JP" altLang="en-US"/>
           </a:p>
@@ -2639,7 +2639,7 @@
           <a:p>
             <a:fld id="{088C6636-DAE8-472C-AC2D-59080D2B5EFF}" type="datetimeFigureOut">
               <a:rPr kumimoji="1" lang="ja-JP" altLang="en-US" smtClean="0"/>
-              <a:t>2021/11/3</a:t>
+              <a:t>2021/11/5</a:t>
             </a:fld>
             <a:endParaRPr kumimoji="1" lang="ja-JP" altLang="en-US"/>
           </a:p>
@@ -2927,7 +2927,7 @@
           <a:p>
             <a:fld id="{088C6636-DAE8-472C-AC2D-59080D2B5EFF}" type="datetimeFigureOut">
               <a:rPr kumimoji="1" lang="ja-JP" altLang="en-US" smtClean="0"/>
-              <a:t>2021/11/3</a:t>
+              <a:t>2021/11/5</a:t>
             </a:fld>
             <a:endParaRPr kumimoji="1" lang="ja-JP" altLang="en-US"/>
           </a:p>
@@ -3200,7 +3200,7 @@
           <a:p>
             <a:fld id="{088C6636-DAE8-472C-AC2D-59080D2B5EFF}" type="datetimeFigureOut">
               <a:rPr kumimoji="1" lang="ja-JP" altLang="en-US" smtClean="0"/>
-              <a:t>2021/11/3</a:t>
+              <a:t>2021/11/5</a:t>
             </a:fld>
             <a:endParaRPr kumimoji="1" lang="ja-JP" altLang="en-US"/>
           </a:p>
@@ -7819,6 +7819,14 @@
               <a:schemeClr val="tx1"/>
             </a:solidFill>
           </a:ln>
+          <a:effectLst>
+            <a:glow rad="139700">
+              <a:schemeClr val="accent4">
+                <a:satMod val="175000"/>
+                <a:alpha val="40000"/>
+              </a:schemeClr>
+            </a:glow>
+          </a:effectLst>
         </p:spPr>
         <p:style>
           <a:lnRef idx="2">
@@ -9324,10 +9332,10 @@
       </p:grpSpPr>
       <p:sp>
         <p:nvSpPr>
-          <p:cNvPr id="61" name="正方形/長方形 60">
+          <p:cNvPr id="69" name="正方形/長方形 68">
             <a:extLst>
               <a:ext uri="{FF2B5EF4-FFF2-40B4-BE49-F238E27FC236}">
-                <a16:creationId xmlns:a16="http://schemas.microsoft.com/office/drawing/2014/main" id="{51065FF6-5291-4D4A-9D64-0E89148C0F22}"/>
+                <a16:creationId xmlns:a16="http://schemas.microsoft.com/office/drawing/2014/main" id="{3ED5C03A-DB73-46C8-8C97-39DEED9BCC6C}"/>
               </a:ext>
             </a:extLst>
           </p:cNvPr>
@@ -9336,21 +9344,20 @@
         </p:nvSpPr>
         <p:spPr>
           <a:xfrm>
-            <a:off x="-9463" y="0"/>
-            <a:ext cx="12192000" cy="6858000"/>
+            <a:off x="0" y="8384"/>
+            <a:ext cx="12192000" cy="6849615"/>
           </a:xfrm>
           <a:prstGeom prst="rect">
             <a:avLst/>
           </a:prstGeom>
           <a:solidFill>
-            <a:schemeClr val="accent2">
-              <a:lumMod val="20000"/>
-              <a:lumOff val="80000"/>
+            <a:schemeClr val="accent5">
+              <a:lumMod val="40000"/>
+              <a:lumOff val="60000"/>
+              <a:alpha val="80000"/>
             </a:schemeClr>
           </a:solidFill>
-          <a:ln>
-            <a:noFill/>
-          </a:ln>
+          <a:ln w="6350"/>
         </p:spPr>
         <p:style>
           <a:lnRef idx="2">
@@ -9373,189 +9380,10 @@
           <a:lstStyle/>
           <a:p>
             <a:pPr algn="ctr"/>
-            <a:endParaRPr kumimoji="1" lang="ja-JP" altLang="en-US"/>
+            <a:endParaRPr lang="ja-JP" altLang="en-US" dirty="0"/>
           </a:p>
         </p:txBody>
       </p:sp>
-      <p:grpSp>
-        <p:nvGrpSpPr>
-          <p:cNvPr id="15" name="グループ化 14">
-            <a:extLst>
-              <a:ext uri="{FF2B5EF4-FFF2-40B4-BE49-F238E27FC236}">
-                <a16:creationId xmlns:a16="http://schemas.microsoft.com/office/drawing/2014/main" id="{5813119A-34A7-4B0D-AADC-AD284A6E17D3}"/>
-              </a:ext>
-            </a:extLst>
-          </p:cNvPr>
-          <p:cNvGrpSpPr/>
-          <p:nvPr/>
-        </p:nvGrpSpPr>
-        <p:grpSpPr>
-          <a:xfrm>
-            <a:off x="-89827" y="15520"/>
-            <a:ext cx="12281828" cy="6842480"/>
-            <a:chOff x="-89827" y="15520"/>
-            <a:chExt cx="12281828" cy="6842480"/>
-          </a:xfrm>
-        </p:grpSpPr>
-        <p:pic>
-          <p:nvPicPr>
-            <p:cNvPr id="18" name="図 17">
-              <a:extLst>
-                <a:ext uri="{FF2B5EF4-FFF2-40B4-BE49-F238E27FC236}">
-                  <a16:creationId xmlns:a16="http://schemas.microsoft.com/office/drawing/2014/main" id="{229A4F5D-8B31-4B41-B273-58622BFFF0A1}"/>
-                </a:ext>
-              </a:extLst>
-            </p:cNvPr>
-            <p:cNvPicPr>
-              <a:picLocks noChangeAspect="1"/>
-            </p:cNvPicPr>
-            <p:nvPr/>
-          </p:nvPicPr>
-          <p:blipFill rotWithShape="1">
-            <a:blip r:embed="rId2"/>
-            <a:srcRect l="32814"/>
-            <a:stretch/>
-          </p:blipFill>
-          <p:spPr>
-            <a:xfrm>
-              <a:off x="-89825" y="896732"/>
-              <a:ext cx="3020982" cy="3600953"/>
-            </a:xfrm>
-            <a:prstGeom prst="rect">
-              <a:avLst/>
-            </a:prstGeom>
-          </p:spPr>
-        </p:pic>
-        <p:pic>
-          <p:nvPicPr>
-            <p:cNvPr id="16" name="図 15">
-              <a:extLst>
-                <a:ext uri="{FF2B5EF4-FFF2-40B4-BE49-F238E27FC236}">
-                  <a16:creationId xmlns:a16="http://schemas.microsoft.com/office/drawing/2014/main" id="{6584C6D5-AF5F-4A0E-9A97-747DBF05F8F8}"/>
-                </a:ext>
-              </a:extLst>
-            </p:cNvPr>
-            <p:cNvPicPr>
-              <a:picLocks noChangeAspect="1"/>
-            </p:cNvPicPr>
-            <p:nvPr/>
-          </p:nvPicPr>
-          <p:blipFill rotWithShape="1">
-            <a:blip r:embed="rId2"/>
-            <a:srcRect b="30141"/>
-            <a:stretch/>
-          </p:blipFill>
-          <p:spPr>
-            <a:xfrm>
-              <a:off x="3557118" y="4342425"/>
-              <a:ext cx="4496427" cy="2515575"/>
-            </a:xfrm>
-            <a:prstGeom prst="rect">
-              <a:avLst/>
-            </a:prstGeom>
-          </p:spPr>
-        </p:pic>
-        <p:pic>
-          <p:nvPicPr>
-            <p:cNvPr id="67" name="図 66">
-              <a:extLst>
-                <a:ext uri="{FF2B5EF4-FFF2-40B4-BE49-F238E27FC236}">
-                  <a16:creationId xmlns:a16="http://schemas.microsoft.com/office/drawing/2014/main" id="{35CD3075-8038-41A7-BEF1-C7A4959CF899}"/>
-                </a:ext>
-              </a:extLst>
-            </p:cNvPr>
-            <p:cNvPicPr>
-              <a:picLocks/>
-            </p:cNvPicPr>
-            <p:nvPr/>
-          </p:nvPicPr>
-          <p:blipFill rotWithShape="1">
-            <a:blip r:embed="rId3">
-              <a:biLevel thresh="75000"/>
-              <a:alphaModFix amt="34000"/>
-              <a:extLst>
-                <a:ext uri="{BEBA8EAE-BF5A-486C-A8C5-ECC9F3942E4B}">
-                  <a14:imgProps xmlns:a14="http://schemas.microsoft.com/office/drawing/2010/main">
-                    <a14:imgLayer r:embed="rId4">
-                      <a14:imgEffect>
-                        <a14:backgroundRemoval t="1343" b="99552" l="9896" r="89063">
-                          <a14:foregroundMark x1="37500" y1="5307" x2="37500" y2="5307"/>
-                          <a14:foregroundMark x1="58333" y1="5307" x2="58333" y2="5307"/>
-                          <a14:foregroundMark x1="67188" y1="5627" x2="67188" y2="5627"/>
-                          <a14:foregroundMark x1="67188" y1="5627" x2="67188" y2="6074"/>
-                          <a14:foregroundMark x1="67188" y1="6394" x2="61979" y2="33951"/>
-                          <a14:foregroundMark x1="35938" y1="1215" x2="20313" y2="21292"/>
-                          <a14:foregroundMark x1="20313" y1="21292" x2="17188" y2="97698"/>
-                          <a14:foregroundMark x1="63542" y1="1343" x2="63542" y2="1343"/>
-                          <a14:foregroundMark x1="75521" y1="96036" x2="75521" y2="96036"/>
-                          <a14:foregroundMark x1="78125" y1="87788" x2="78125" y2="87788"/>
-                          <a14:foregroundMark x1="79167" y1="82353" x2="79167" y2="82353"/>
-                          <a14:foregroundMark x1="73438" y1="91624" x2="73438" y2="91624"/>
-                          <a14:foregroundMark x1="78125" y1="65153" x2="77083" y2="87212"/>
-                          <a14:foregroundMark x1="88021" y1="86765" x2="78125" y2="99552"/>
-                          <a14:foregroundMark x1="73438" y1="56138" x2="81771" y2="70332"/>
-                          <a14:foregroundMark x1="73438" y1="36381" x2="81771" y2="61765"/>
-                          <a14:backgroundMark x1="51042" y1="895" x2="51042" y2="895"/>
-                          <a14:backgroundMark x1="51042" y1="3325" x2="51042" y2="3325"/>
-                          <a14:backgroundMark x1="48438" y1="5754" x2="48438" y2="5754"/>
-                          <a14:backgroundMark x1="49479" y1="99105" x2="49479" y2="99105"/>
-                          <a14:backgroundMark x1="51042" y1="92199" x2="51042" y2="92199"/>
-                          <a14:backgroundMark x1="49479" y1="66688" x2="49479" y2="66688"/>
-                          <a14:backgroundMark x1="48438" y1="72442" x2="48438" y2="72442"/>
-                          <a14:backgroundMark x1="49479" y1="49297" x2="49479" y2="49297"/>
-                          <a14:backgroundMark x1="49479" y1="41113" x2="49479" y2="41113"/>
-                          <a14:backgroundMark x1="51042" y1="29987" x2="51042" y2="29987"/>
-                          <a14:backgroundMark x1="49479" y1="21292" x2="49479" y2="21292"/>
-                        </a14:backgroundRemoval>
-                      </a14:imgEffect>
-                    </a14:imgLayer>
-                  </a14:imgProps>
-                </a:ext>
-              </a:extLst>
-            </a:blip>
-            <a:srcRect l="-604" t="150" b="2888"/>
-            <a:stretch/>
-          </p:blipFill>
-          <p:spPr>
-            <a:xfrm rot="5400000">
-              <a:off x="4654526" y="-2345425"/>
-              <a:ext cx="2793119" cy="12281826"/>
-            </a:xfrm>
-            <a:prstGeom prst="rect">
-              <a:avLst/>
-            </a:prstGeom>
-          </p:spPr>
-        </p:pic>
-        <p:pic>
-          <p:nvPicPr>
-            <p:cNvPr id="14" name="図 13">
-              <a:extLst>
-                <a:ext uri="{FF2B5EF4-FFF2-40B4-BE49-F238E27FC236}">
-                  <a16:creationId xmlns:a16="http://schemas.microsoft.com/office/drawing/2014/main" id="{0A625CC8-D5FB-4676-AC8A-1D4FE7512514}"/>
-                </a:ext>
-              </a:extLst>
-            </p:cNvPr>
-            <p:cNvPicPr>
-              <a:picLocks noChangeAspect="1"/>
-            </p:cNvPicPr>
-            <p:nvPr/>
-          </p:nvPicPr>
-          <p:blipFill rotWithShape="1">
-            <a:blip r:embed="rId2"/>
-            <a:srcRect t="4330" r="23487"/>
-            <a:stretch/>
-          </p:blipFill>
-          <p:spPr>
-            <a:xfrm>
-              <a:off x="8751639" y="15520"/>
-              <a:ext cx="3440362" cy="3445001"/>
-            </a:xfrm>
-            <a:prstGeom prst="rect">
-              <a:avLst/>
-            </a:prstGeom>
-          </p:spPr>
-        </p:pic>
-      </p:grpSp>
       <p:grpSp>
         <p:nvGrpSpPr>
           <p:cNvPr id="55" name="グループ化 54">
@@ -9570,10 +9398,10 @@
         </p:nvGrpSpPr>
         <p:grpSpPr>
           <a:xfrm>
-            <a:off x="1951594" y="524105"/>
-            <a:ext cx="8490706" cy="5207252"/>
-            <a:chOff x="1991048" y="471059"/>
-            <a:chExt cx="8490706" cy="5207252"/>
+            <a:off x="-221008" y="0"/>
+            <a:ext cx="12413006" cy="6884723"/>
+            <a:chOff x="2194503" y="680505"/>
+            <a:chExt cx="8134395" cy="4631290"/>
           </a:xfrm>
         </p:grpSpPr>
         <p:grpSp>
@@ -9592,64 +9420,12 @@
           </p:nvGrpSpPr>
           <p:grpSpPr>
             <a:xfrm>
-              <a:off x="1991048" y="471059"/>
-              <a:ext cx="8490706" cy="5207252"/>
-              <a:chOff x="2051958" y="3507374"/>
-              <a:chExt cx="2404800" cy="1474836"/>
+              <a:off x="2194503" y="680505"/>
+              <a:ext cx="8134395" cy="4631290"/>
+              <a:chOff x="2109582" y="3566695"/>
+              <a:chExt cx="2303883" cy="1311708"/>
             </a:xfrm>
           </p:grpSpPr>
-          <p:sp>
-            <p:nvSpPr>
-              <p:cNvPr id="3" name="正方形/長方形 2">
-                <a:extLst>
-                  <a:ext uri="{FF2B5EF4-FFF2-40B4-BE49-F238E27FC236}">
-                    <a16:creationId xmlns:a16="http://schemas.microsoft.com/office/drawing/2014/main" id="{5373E4A3-3374-4342-8683-19110CDE5F2A}"/>
-                  </a:ext>
-                </a:extLst>
-              </p:cNvPr>
-              <p:cNvSpPr/>
-              <p:nvPr/>
-            </p:nvSpPr>
-            <p:spPr>
-              <a:xfrm>
-                <a:off x="2106847" y="3568416"/>
-                <a:ext cx="2306618" cy="1309987"/>
-              </a:xfrm>
-              <a:prstGeom prst="rect">
-                <a:avLst/>
-              </a:prstGeom>
-              <a:solidFill>
-                <a:schemeClr val="accent5">
-                  <a:lumMod val="40000"/>
-                  <a:lumOff val="60000"/>
-                </a:schemeClr>
-              </a:solidFill>
-            </p:spPr>
-            <p:style>
-              <a:lnRef idx="2">
-                <a:schemeClr val="accent1">
-                  <a:shade val="50000"/>
-                </a:schemeClr>
-              </a:lnRef>
-              <a:fillRef idx="1">
-                <a:schemeClr val="accent1"/>
-              </a:fillRef>
-              <a:effectRef idx="0">
-                <a:schemeClr val="accent1"/>
-              </a:effectRef>
-              <a:fontRef idx="minor">
-                <a:schemeClr val="lt1"/>
-              </a:fontRef>
-            </p:style>
-            <p:txBody>
-              <a:bodyPr rtlCol="0" anchor="ctr"/>
-              <a:lstStyle/>
-              <a:p>
-                <a:pPr algn="ctr"/>
-                <a:endParaRPr kumimoji="1" lang="ja-JP" altLang="en-US" dirty="0"/>
-              </a:p>
-            </p:txBody>
-          </p:sp>
           <p:sp>
             <p:nvSpPr>
               <p:cNvPr id="4" name="正方形/長方形 3">
@@ -9664,8 +9440,8 @@
             </p:nvSpPr>
             <p:spPr>
               <a:xfrm>
-                <a:off x="2821820" y="3577994"/>
-                <a:ext cx="1053080" cy="209099"/>
+                <a:off x="2821820" y="3566695"/>
+                <a:ext cx="1591645" cy="220398"/>
               </a:xfrm>
               <a:prstGeom prst="rect">
                 <a:avLst/>
@@ -9709,7 +9485,7 @@
               <a:lstStyle/>
               <a:p>
                 <a:pPr algn="ctr"/>
-                <a:endParaRPr kumimoji="1" lang="ja-JP" altLang="en-US"/>
+                <a:endParaRPr lang="ja-JP" altLang="en-US"/>
               </a:p>
             </p:txBody>
           </p:sp>
@@ -9728,7 +9504,7 @@
               <p:nvPr/>
             </p:nvPicPr>
             <p:blipFill>
-              <a:blip r:embed="rId5">
+              <a:blip r:embed="rId2">
                 <a:extLst>
                   <a:ext uri="{28A0092B-C50C-407E-A947-70E740481C1C}">
                     <a14:useLocalDpi xmlns:a14="http://schemas.microsoft.com/office/drawing/2010/main" val="0"/>
@@ -9742,13 +9518,20 @@
             </p:blipFill>
             <p:spPr bwMode="auto">
               <a:xfrm flipH="1">
-                <a:off x="2311235" y="3995091"/>
+                <a:off x="2609453" y="4097402"/>
                 <a:ext cx="716701" cy="716701"/>
               </a:xfrm>
               <a:prstGeom prst="rect">
                 <a:avLst/>
               </a:prstGeom>
               <a:noFill/>
+              <a:effectLst>
+                <a:glow rad="76200">
+                  <a:srgbClr val="FF0000">
+                    <a:alpha val="46000"/>
+                  </a:srgbClr>
+                </a:glow>
+              </a:effectLst>
               <a:extLst>
                 <a:ext uri="{909E8E84-426E-40DD-AFC4-6F175D3DCCD1}">
                   <a14:hiddenFill xmlns:a14="http://schemas.microsoft.com/office/drawing/2010/main">
@@ -9774,8 +9557,8 @@
             </p:nvSpPr>
             <p:spPr>
               <a:xfrm>
-                <a:off x="2103329" y="4607622"/>
-                <a:ext cx="430437" cy="290561"/>
+                <a:off x="2150601" y="4607622"/>
+                <a:ext cx="383165" cy="270781"/>
               </a:xfrm>
               <a:prstGeom prst="rect">
                 <a:avLst/>
@@ -9814,253 +9597,41 @@
               </a:p>
             </p:txBody>
           </p:sp>
-          <p:grpSp>
-            <p:nvGrpSpPr>
-              <p:cNvPr id="7" name="グループ化 6">
+          <p:sp>
+            <p:nvSpPr>
+              <p:cNvPr id="30" name="テキスト ボックス 29">
                 <a:extLst>
                   <a:ext uri="{FF2B5EF4-FFF2-40B4-BE49-F238E27FC236}">
-                    <a16:creationId xmlns:a16="http://schemas.microsoft.com/office/drawing/2014/main" id="{94C980E6-D345-4136-83F9-922609CD2A34}"/>
+                    <a16:creationId xmlns:a16="http://schemas.microsoft.com/office/drawing/2014/main" id="{AC51C31B-28CC-4CC0-84E5-22865E813F7F}"/>
                   </a:ext>
                 </a:extLst>
               </p:cNvPr>
-              <p:cNvGrpSpPr>
-                <a:grpSpLocks noChangeAspect="1"/>
-              </p:cNvGrpSpPr>
+              <p:cNvSpPr txBox="1"/>
               <p:nvPr/>
-            </p:nvGrpSpPr>
-            <p:grpSpPr>
+            </p:nvSpPr>
+            <p:spPr>
               <a:xfrm>
-                <a:off x="2051958" y="3507374"/>
-                <a:ext cx="2404800" cy="1474836"/>
-                <a:chOff x="2197364" y="3858340"/>
-                <a:chExt cx="3318083" cy="2076803"/>
+                <a:off x="2109582" y="3645540"/>
+                <a:ext cx="133885" cy="142068"/>
               </a:xfrm>
-            </p:grpSpPr>
-            <p:sp>
-              <p:nvSpPr>
-                <p:cNvPr id="30" name="テキスト ボックス 29">
-                  <a:extLst>
-                    <a:ext uri="{FF2B5EF4-FFF2-40B4-BE49-F238E27FC236}">
-                      <a16:creationId xmlns:a16="http://schemas.microsoft.com/office/drawing/2014/main" id="{AC51C31B-28CC-4CC0-84E5-22865E813F7F}"/>
-                    </a:ext>
-                  </a:extLst>
-                </p:cNvPr>
-                <p:cNvSpPr txBox="1"/>
-                <p:nvPr/>
-              </p:nvSpPr>
-              <p:spPr>
-                <a:xfrm>
-                  <a:off x="2276872" y="4052900"/>
-                  <a:ext cx="184731" cy="200055"/>
-                </a:xfrm>
-                <a:prstGeom prst="rect">
-                  <a:avLst/>
-                </a:prstGeom>
-                <a:noFill/>
-              </p:spPr>
-              <p:txBody>
-                <a:bodyPr wrap="none" rtlCol="0">
-                  <a:spAutoFit/>
-                </a:bodyPr>
-                <a:lstStyle/>
-                <a:p>
-                  <a:endParaRPr kumimoji="1" lang="ja-JP" altLang="en-US" sz="700" dirty="0">
-                    <a:latin typeface="メイリオ" panose="020B0604030504040204" pitchFamily="50" charset="-128"/>
-                    <a:ea typeface="メイリオ" panose="020B0604030504040204" pitchFamily="50" charset="-128"/>
-                  </a:endParaRPr>
-                </a:p>
-              </p:txBody>
-            </p:sp>
-            <p:sp>
-              <p:nvSpPr>
-                <p:cNvPr id="29" name="フリーフォーム: 図形 28">
-                  <a:extLst>
-                    <a:ext uri="{FF2B5EF4-FFF2-40B4-BE49-F238E27FC236}">
-                      <a16:creationId xmlns:a16="http://schemas.microsoft.com/office/drawing/2014/main" id="{12A97688-699E-42A4-B8E1-AC59E5405AA7}"/>
-                    </a:ext>
-                  </a:extLst>
-                </p:cNvPr>
-                <p:cNvSpPr>
-                  <a:spLocks noChangeAspect="1"/>
-                </p:cNvSpPr>
-                <p:nvPr/>
-              </p:nvSpPr>
-              <p:spPr>
-                <a:xfrm>
-                  <a:off x="2197364" y="3858340"/>
-                  <a:ext cx="3318083" cy="2076803"/>
-                </a:xfrm>
-                <a:custGeom>
-                  <a:avLst/>
-                  <a:gdLst>
-                    <a:gd name="connsiteX0" fmla="*/ 109938 w 3985260"/>
-                    <a:gd name="connsiteY0" fmla="*/ 102302 h 2415540"/>
-                    <a:gd name="connsiteX1" fmla="*/ 109938 w 3985260"/>
-                    <a:gd name="connsiteY1" fmla="*/ 2217420 h 2415540"/>
-                    <a:gd name="connsiteX2" fmla="*/ 3891273 w 3985260"/>
-                    <a:gd name="connsiteY2" fmla="*/ 2217420 h 2415540"/>
-                    <a:gd name="connsiteX3" fmla="*/ 3891273 w 3985260"/>
-                    <a:gd name="connsiteY3" fmla="*/ 102302 h 2415540"/>
-                    <a:gd name="connsiteX4" fmla="*/ 124449 w 3985260"/>
-                    <a:gd name="connsiteY4" fmla="*/ 0 h 2415540"/>
-                    <a:gd name="connsiteX5" fmla="*/ 3860811 w 3985260"/>
-                    <a:gd name="connsiteY5" fmla="*/ 0 h 2415540"/>
-                    <a:gd name="connsiteX6" fmla="*/ 3985260 w 3985260"/>
-                    <a:gd name="connsiteY6" fmla="*/ 124449 h 2415540"/>
-                    <a:gd name="connsiteX7" fmla="*/ 3985260 w 3985260"/>
-                    <a:gd name="connsiteY7" fmla="*/ 2291091 h 2415540"/>
-                    <a:gd name="connsiteX8" fmla="*/ 3860811 w 3985260"/>
-                    <a:gd name="connsiteY8" fmla="*/ 2415540 h 2415540"/>
-                    <a:gd name="connsiteX9" fmla="*/ 124449 w 3985260"/>
-                    <a:gd name="connsiteY9" fmla="*/ 2415540 h 2415540"/>
-                    <a:gd name="connsiteX10" fmla="*/ 0 w 3985260"/>
-                    <a:gd name="connsiteY10" fmla="*/ 2291091 h 2415540"/>
-                    <a:gd name="connsiteX11" fmla="*/ 0 w 3985260"/>
-                    <a:gd name="connsiteY11" fmla="*/ 124449 h 2415540"/>
-                    <a:gd name="connsiteX12" fmla="*/ 124449 w 3985260"/>
-                    <a:gd name="connsiteY12" fmla="*/ 0 h 2415540"/>
-                  </a:gdLst>
-                  <a:ahLst/>
-                  <a:cxnLst>
-                    <a:cxn ang="0">
-                      <a:pos x="connsiteX0" y="connsiteY0"/>
-                    </a:cxn>
-                    <a:cxn ang="0">
-                      <a:pos x="connsiteX1" y="connsiteY1"/>
-                    </a:cxn>
-                    <a:cxn ang="0">
-                      <a:pos x="connsiteX2" y="connsiteY2"/>
-                    </a:cxn>
-                    <a:cxn ang="0">
-                      <a:pos x="connsiteX3" y="connsiteY3"/>
-                    </a:cxn>
-                    <a:cxn ang="0">
-                      <a:pos x="connsiteX4" y="connsiteY4"/>
-                    </a:cxn>
-                    <a:cxn ang="0">
-                      <a:pos x="connsiteX5" y="connsiteY5"/>
-                    </a:cxn>
-                    <a:cxn ang="0">
-                      <a:pos x="connsiteX6" y="connsiteY6"/>
-                    </a:cxn>
-                    <a:cxn ang="0">
-                      <a:pos x="connsiteX7" y="connsiteY7"/>
-                    </a:cxn>
-                    <a:cxn ang="0">
-                      <a:pos x="connsiteX8" y="connsiteY8"/>
-                    </a:cxn>
-                    <a:cxn ang="0">
-                      <a:pos x="connsiteX9" y="connsiteY9"/>
-                    </a:cxn>
-                    <a:cxn ang="0">
-                      <a:pos x="connsiteX10" y="connsiteY10"/>
-                    </a:cxn>
-                    <a:cxn ang="0">
-                      <a:pos x="connsiteX11" y="connsiteY11"/>
-                    </a:cxn>
-                    <a:cxn ang="0">
-                      <a:pos x="connsiteX12" y="connsiteY12"/>
-                    </a:cxn>
-                  </a:cxnLst>
-                  <a:rect l="l" t="t" r="r" b="b"/>
-                  <a:pathLst>
-                    <a:path w="3985260" h="2415540">
-                      <a:moveTo>
-                        <a:pt x="109938" y="102302"/>
-                      </a:moveTo>
-                      <a:lnTo>
-                        <a:pt x="109938" y="2217420"/>
-                      </a:lnTo>
-                      <a:lnTo>
-                        <a:pt x="3891273" y="2217420"/>
-                      </a:lnTo>
-                      <a:lnTo>
-                        <a:pt x="3891273" y="102302"/>
-                      </a:lnTo>
-                      <a:close/>
-                      <a:moveTo>
-                        <a:pt x="124449" y="0"/>
-                      </a:moveTo>
-                      <a:lnTo>
-                        <a:pt x="3860811" y="0"/>
-                      </a:lnTo>
-                      <a:cubicBezTo>
-                        <a:pt x="3929542" y="0"/>
-                        <a:pt x="3985260" y="55718"/>
-                        <a:pt x="3985260" y="124449"/>
-                      </a:cubicBezTo>
-                      <a:lnTo>
-                        <a:pt x="3985260" y="2291091"/>
-                      </a:lnTo>
-                      <a:cubicBezTo>
-                        <a:pt x="3985260" y="2359822"/>
-                        <a:pt x="3929542" y="2415540"/>
-                        <a:pt x="3860811" y="2415540"/>
-                      </a:cubicBezTo>
-                      <a:lnTo>
-                        <a:pt x="124449" y="2415540"/>
-                      </a:lnTo>
-                      <a:cubicBezTo>
-                        <a:pt x="55718" y="2415540"/>
-                        <a:pt x="0" y="2359822"/>
-                        <a:pt x="0" y="2291091"/>
-                      </a:cubicBezTo>
-                      <a:lnTo>
-                        <a:pt x="0" y="124449"/>
-                      </a:lnTo>
-                      <a:cubicBezTo>
-                        <a:pt x="0" y="55718"/>
-                        <a:pt x="55718" y="0"/>
-                        <a:pt x="124449" y="0"/>
-                      </a:cubicBezTo>
-                      <a:close/>
-                    </a:path>
-                  </a:pathLst>
-                </a:custGeom>
-                <a:solidFill>
-                  <a:schemeClr val="tx1">
-                    <a:lumMod val="50000"/>
-                    <a:lumOff val="50000"/>
-                  </a:schemeClr>
-                </a:solidFill>
-                <a:ln>
-                  <a:solidFill>
-                    <a:schemeClr val="tx1">
-                      <a:lumMod val="75000"/>
-                      <a:lumOff val="25000"/>
-                    </a:schemeClr>
-                  </a:solidFill>
-                </a:ln>
-                <a:effectLst/>
-              </p:spPr>
-              <p:style>
-                <a:lnRef idx="2">
-                  <a:schemeClr val="accent1">
-                    <a:shade val="50000"/>
-                  </a:schemeClr>
-                </a:lnRef>
-                <a:fillRef idx="1">
-                  <a:schemeClr val="accent1"/>
-                </a:fillRef>
-                <a:effectRef idx="0">
-                  <a:schemeClr val="accent1"/>
-                </a:effectRef>
-                <a:fontRef idx="minor">
-                  <a:schemeClr val="lt1"/>
-                </a:fontRef>
-              </p:style>
-              <p:txBody>
-                <a:bodyPr wrap="square" rtlCol="0" anchor="ctr">
-                  <a:noAutofit/>
-                </a:bodyPr>
-                <a:lstStyle/>
-                <a:p>
-                  <a:pPr algn="ctr"/>
-                  <a:endParaRPr kumimoji="1" lang="ja-JP" altLang="en-US" dirty="0"/>
-                </a:p>
-              </p:txBody>
-            </p:sp>
-          </p:grpSp>
+              <a:prstGeom prst="rect">
+                <a:avLst/>
+              </a:prstGeom>
+              <a:noFill/>
+            </p:spPr>
+            <p:txBody>
+              <a:bodyPr wrap="none" rtlCol="0">
+                <a:spAutoFit/>
+              </a:bodyPr>
+              <a:lstStyle/>
+              <a:p>
+                <a:endParaRPr kumimoji="1" lang="ja-JP" altLang="en-US" sz="700" dirty="0">
+                  <a:latin typeface="メイリオ" panose="020B0604030504040204" pitchFamily="50" charset="-128"/>
+                  <a:ea typeface="メイリオ" panose="020B0604030504040204" pitchFamily="50" charset="-128"/>
+                </a:endParaRPr>
+              </a:p>
+            </p:txBody>
+          </p:sp>
           <p:grpSp>
             <p:nvGrpSpPr>
               <p:cNvPr id="8" name="グループ化 7">
@@ -10077,10 +9648,10 @@
             </p:nvGrpSpPr>
             <p:grpSpPr>
               <a:xfrm>
-                <a:off x="2121479" y="4223729"/>
-                <a:ext cx="231161" cy="382955"/>
-                <a:chOff x="2083938" y="5162420"/>
-                <a:chExt cx="441017" cy="730615"/>
+                <a:off x="2150600" y="4256125"/>
+                <a:ext cx="205543" cy="350557"/>
+                <a:chOff x="2139502" y="5224226"/>
+                <a:chExt cx="392143" cy="668805"/>
               </a:xfrm>
             </p:grpSpPr>
             <p:sp>
@@ -10097,8 +9668,8 @@
               </p:nvSpPr>
               <p:spPr>
                 <a:xfrm>
-                  <a:off x="2083938" y="5349620"/>
-                  <a:ext cx="441017" cy="82578"/>
+                  <a:off x="2139502" y="5399222"/>
+                  <a:ext cx="392143" cy="65491"/>
                 </a:xfrm>
                 <a:prstGeom prst="rect">
                   <a:avLst/>
@@ -10133,7 +9704,7 @@
                 <a:lstStyle/>
                 <a:p>
                   <a:pPr algn="ctr"/>
-                  <a:endParaRPr kumimoji="1" lang="ja-JP" altLang="en-US"/>
+                  <a:endParaRPr kumimoji="1" lang="ja-JP" altLang="en-US" dirty="0"/>
                 </a:p>
               </p:txBody>
             </p:sp>
@@ -10151,7 +9722,7 @@
               </p:nvSpPr>
               <p:spPr>
                 <a:xfrm>
-                  <a:off x="2414753" y="5466237"/>
+                  <a:off x="2378777" y="5466233"/>
                   <a:ext cx="88228" cy="426798"/>
                 </a:xfrm>
                 <a:prstGeom prst="rect">
@@ -10187,7 +9758,7 @@
                 <a:lstStyle/>
                 <a:p>
                   <a:pPr algn="ctr"/>
-                  <a:endParaRPr kumimoji="1" lang="ja-JP" altLang="en-US"/>
+                  <a:endParaRPr kumimoji="1" lang="ja-JP" altLang="en-US" dirty="0"/>
                 </a:p>
               </p:txBody>
             </p:sp>
@@ -10206,11 +9777,11 @@
                 <p:nvPr/>
               </p:nvPicPr>
               <p:blipFill>
-                <a:blip r:embed="rId6">
+                <a:blip r:embed="rId3">
                   <a:extLst>
                     <a:ext uri="{BEBA8EAE-BF5A-486C-A8C5-ECC9F3942E4B}">
                       <a14:imgProps xmlns:a14="http://schemas.microsoft.com/office/drawing/2010/main">
-                        <a14:imgLayer r:embed="rId7">
+                        <a14:imgLayer r:embed="rId4">
                           <a14:imgEffect>
                             <a14:backgroundRemoval t="6641" b="92188" l="1563" r="99219">
                               <a14:foregroundMark x1="46875" y1="7031" x2="46875" y2="7031"/>
@@ -10241,12 +9812,20 @@
               </p:blipFill>
               <p:spPr>
                 <a:xfrm>
-                  <a:off x="2259590" y="5162420"/>
+                  <a:off x="2280320" y="5224226"/>
                   <a:ext cx="181672" cy="181672"/>
                 </a:xfrm>
                 <a:prstGeom prst="rect">
                   <a:avLst/>
                 </a:prstGeom>
+                <a:effectLst>
+                  <a:glow rad="228600">
+                    <a:schemeClr val="accent4">
+                      <a:satMod val="175000"/>
+                      <a:alpha val="40000"/>
+                    </a:schemeClr>
+                  </a:glow>
+                </a:effectLst>
               </p:spPr>
             </p:pic>
           </p:grpSp>
@@ -10265,7 +9844,7 @@
               <p:nvPr/>
             </p:nvPicPr>
             <p:blipFill>
-              <a:blip r:embed="rId8">
+              <a:blip r:embed="rId5">
                 <a:duotone>
                   <a:prstClr val="black"/>
                   <a:schemeClr val="tx2">
@@ -10280,12 +9859,20 @@
             </p:blipFill>
             <p:spPr>
               <a:xfrm>
-                <a:off x="3348360" y="4703730"/>
+                <a:off x="2486031" y="3785779"/>
                 <a:ext cx="135767" cy="147248"/>
               </a:xfrm>
               <a:prstGeom prst="rect">
                 <a:avLst/>
               </a:prstGeom>
+              <a:effectLst>
+                <a:glow rad="228600">
+                  <a:schemeClr val="accent4">
+                    <a:satMod val="175000"/>
+                    <a:alpha val="40000"/>
+                  </a:schemeClr>
+                </a:glow>
+              </a:effectLst>
             </p:spPr>
           </p:pic>
           <p:pic>
@@ -10303,19 +9890,27 @@
               <p:nvPr/>
             </p:nvPicPr>
             <p:blipFill>
-              <a:blip r:embed="rId8"/>
+              <a:blip r:embed="rId5"/>
               <a:stretch>
                 <a:fillRect/>
               </a:stretch>
             </p:blipFill>
             <p:spPr>
               <a:xfrm>
-                <a:off x="3230515" y="4700624"/>
+                <a:off x="2368187" y="3782673"/>
                 <a:ext cx="135767" cy="147248"/>
               </a:xfrm>
               <a:prstGeom prst="rect">
                 <a:avLst/>
               </a:prstGeom>
+              <a:effectLst>
+                <a:glow rad="228600">
+                  <a:schemeClr val="accent4">
+                    <a:satMod val="175000"/>
+                    <a:alpha val="40000"/>
+                  </a:schemeClr>
+                </a:glow>
+              </a:effectLst>
             </p:spPr>
           </p:pic>
           <p:pic>
@@ -10333,19 +9928,27 @@
               <p:nvPr/>
             </p:nvPicPr>
             <p:blipFill>
-              <a:blip r:embed="rId8"/>
+              <a:blip r:embed="rId5"/>
               <a:stretch>
                 <a:fillRect/>
               </a:stretch>
             </p:blipFill>
             <p:spPr>
               <a:xfrm>
-                <a:off x="3112670" y="4695924"/>
+                <a:off x="2250341" y="3777973"/>
                 <a:ext cx="135767" cy="147248"/>
               </a:xfrm>
               <a:prstGeom prst="rect">
                 <a:avLst/>
               </a:prstGeom>
+              <a:effectLst>
+                <a:glow rad="228600">
+                  <a:schemeClr val="accent4">
+                    <a:satMod val="175000"/>
+                    <a:alpha val="40000"/>
+                  </a:schemeClr>
+                </a:glow>
+              </a:effectLst>
             </p:spPr>
           </p:pic>
           <p:grpSp>
@@ -10362,10 +9965,10 @@
             </p:nvGrpSpPr>
             <p:grpSpPr>
               <a:xfrm>
-                <a:off x="3071134" y="4603957"/>
-                <a:ext cx="461627" cy="67296"/>
-                <a:chOff x="1537451" y="4825034"/>
-                <a:chExt cx="461627" cy="67296"/>
+                <a:off x="2243467" y="3686738"/>
+                <a:ext cx="461626" cy="63424"/>
+                <a:chOff x="709784" y="3907815"/>
+                <a:chExt cx="461626" cy="63424"/>
               </a:xfrm>
             </p:grpSpPr>
             <p:sp>
@@ -10382,7 +9985,7 @@
               </p:nvSpPr>
               <p:spPr>
                 <a:xfrm>
-                  <a:off x="1700099" y="4828907"/>
+                  <a:off x="872431" y="3907815"/>
                   <a:ext cx="298979" cy="63281"/>
                 </a:xfrm>
                 <a:prstGeom prst="rect">
@@ -10396,6 +9999,14 @@
                 <a:ln w="6350">
                   <a:noFill/>
                 </a:ln>
+                <a:effectLst>
+                  <a:glow rad="228600">
+                    <a:schemeClr val="accent4">
+                      <a:satMod val="175000"/>
+                      <a:alpha val="40000"/>
+                    </a:schemeClr>
+                  </a:glow>
+                </a:effectLst>
               </p:spPr>
               <p:style>
                 <a:lnRef idx="2">
@@ -10441,7 +10052,7 @@
               </p:nvSpPr>
               <p:spPr>
                 <a:xfrm>
-                  <a:off x="1537451" y="4829049"/>
+                  <a:off x="709784" y="3907958"/>
                   <a:ext cx="298979" cy="63281"/>
                 </a:xfrm>
                 <a:prstGeom prst="rect">
@@ -10455,6 +10066,14 @@
                 <a:ln w="6350">
                   <a:noFill/>
                 </a:ln>
+                <a:effectLst>
+                  <a:glow rad="228600">
+                    <a:schemeClr val="accent4">
+                      <a:satMod val="175000"/>
+                      <a:alpha val="40000"/>
+                    </a:schemeClr>
+                  </a:glow>
+                </a:effectLst>
               </p:spPr>
               <p:style>
                 <a:lnRef idx="2">
@@ -10486,63 +10105,6 @@
                 </a:p>
               </p:txBody>
             </p:sp>
-            <p:sp>
-              <p:nvSpPr>
-                <p:cNvPr id="25" name="正方形/長方形 24">
-                  <a:extLst>
-                    <a:ext uri="{FF2B5EF4-FFF2-40B4-BE49-F238E27FC236}">
-                      <a16:creationId xmlns:a16="http://schemas.microsoft.com/office/drawing/2014/main" id="{9419E78F-C261-44F6-A694-09AADE03A944}"/>
-                    </a:ext>
-                  </a:extLst>
-                </p:cNvPr>
-                <p:cNvSpPr/>
-                <p:nvPr/>
-              </p:nvSpPr>
-              <p:spPr>
-                <a:xfrm>
-                  <a:off x="1542435" y="4825034"/>
-                  <a:ext cx="456081" cy="66901"/>
-                </a:xfrm>
-                <a:prstGeom prst="rect">
-                  <a:avLst/>
-                </a:prstGeom>
-                <a:noFill/>
-                <a:ln w="9525">
-                  <a:solidFill>
-                    <a:schemeClr val="tx1"/>
-                  </a:solidFill>
-                </a:ln>
-              </p:spPr>
-              <p:style>
-                <a:lnRef idx="2">
-                  <a:schemeClr val="accent1">
-                    <a:shade val="50000"/>
-                  </a:schemeClr>
-                </a:lnRef>
-                <a:fillRef idx="1">
-                  <a:schemeClr val="accent1"/>
-                </a:fillRef>
-                <a:effectRef idx="0">
-                  <a:schemeClr val="accent1"/>
-                </a:effectRef>
-                <a:fontRef idx="minor">
-                  <a:schemeClr val="lt1"/>
-                </a:fontRef>
-              </p:style>
-              <p:txBody>
-                <a:bodyPr rot="0" spcFirstLastPara="0" vertOverflow="overflow" horzOverflow="overflow" vert="horz" wrap="square" lIns="91440" tIns="45720" rIns="91440" bIns="45720" numCol="1" spcCol="0" rtlCol="0" fromWordArt="0" anchor="ctr" anchorCtr="0" forceAA="0" compatLnSpc="1">
-                  <a:prstTxWarp prst="textNoShape">
-                    <a:avLst/>
-                  </a:prstTxWarp>
-                  <a:noAutofit/>
-                </a:bodyPr>
-                <a:lstStyle/>
-                <a:p>
-                  <a:pPr algn="ctr"/>
-                  <a:endParaRPr kumimoji="1" lang="ja-JP" altLang="en-US"/>
-                </a:p>
-              </p:txBody>
-            </p:sp>
           </p:grpSp>
           <p:cxnSp>
             <p:nvCxnSpPr>
@@ -10560,8 +10122,8 @@
             </p:nvCxnSpPr>
             <p:spPr>
               <a:xfrm flipV="1">
-                <a:off x="2804422" y="3921659"/>
-                <a:ext cx="558100" cy="274699"/>
+                <a:off x="3090715" y="3921659"/>
+                <a:ext cx="271807" cy="387483"/>
               </a:xfrm>
               <a:prstGeom prst="line">
                 <a:avLst/>
@@ -10605,8 +10167,8 @@
             </p:nvCxnSpPr>
             <p:spPr>
               <a:xfrm flipV="1">
-                <a:off x="2821820" y="3918337"/>
-                <a:ext cx="526540" cy="287095"/>
+                <a:off x="3101159" y="3918337"/>
+                <a:ext cx="247201" cy="385144"/>
               </a:xfrm>
               <a:prstGeom prst="line">
                 <a:avLst/>
@@ -10650,8 +10212,8 @@
             </p:nvCxnSpPr>
             <p:spPr>
               <a:xfrm flipV="1">
-                <a:off x="2776911" y="3927627"/>
-                <a:ext cx="564188" cy="261656"/>
+                <a:off x="3101159" y="3927627"/>
+                <a:ext cx="248768" cy="389851"/>
               </a:xfrm>
               <a:prstGeom prst="line">
                 <a:avLst/>
@@ -10693,8 +10255,8 @@
             </p:nvSpPr>
             <p:spPr>
               <a:xfrm>
-                <a:off x="3642124" y="3626303"/>
-                <a:ext cx="707012" cy="201250"/>
+                <a:off x="3904439" y="3597958"/>
+                <a:ext cx="440548" cy="144777"/>
               </a:xfrm>
               <a:prstGeom prst="rect">
                 <a:avLst/>
@@ -10728,6 +10290,7 @@
               <a:bodyPr rtlCol="0" anchor="ctr"/>
               <a:lstStyle/>
               <a:p>
+                <a:pPr algn="ctr"/>
                 <a:r>
                   <a:rPr kumimoji="1" lang="ja-JP" altLang="en-US" sz="2400" b="1" dirty="0">
                     <a:solidFill>
@@ -10765,60 +10328,6 @@
             </p:txBody>
           </p:sp>
         </p:grpSp>
-        <p:sp>
-          <p:nvSpPr>
-            <p:cNvPr id="47" name="正方形/長方形 46">
-              <a:extLst>
-                <a:ext uri="{FF2B5EF4-FFF2-40B4-BE49-F238E27FC236}">
-                  <a16:creationId xmlns:a16="http://schemas.microsoft.com/office/drawing/2014/main" id="{648832C5-60E6-4764-9402-D23B1AED7443}"/>
-                </a:ext>
-              </a:extLst>
-            </p:cNvPr>
-            <p:cNvSpPr/>
-            <p:nvPr/>
-          </p:nvSpPr>
-          <p:spPr>
-            <a:xfrm>
-              <a:off x="8757267" y="4320307"/>
-              <a:ext cx="1519758" cy="929064"/>
-            </a:xfrm>
-            <a:prstGeom prst="rect">
-              <a:avLst/>
-            </a:prstGeom>
-            <a:solidFill>
-              <a:schemeClr val="bg1">
-                <a:lumMod val="75000"/>
-              </a:schemeClr>
-            </a:solidFill>
-            <a:ln>
-              <a:noFill/>
-            </a:ln>
-          </p:spPr>
-          <p:style>
-            <a:lnRef idx="2">
-              <a:schemeClr val="accent1">
-                <a:shade val="50000"/>
-              </a:schemeClr>
-            </a:lnRef>
-            <a:fillRef idx="1">
-              <a:schemeClr val="accent1"/>
-            </a:fillRef>
-            <a:effectRef idx="0">
-              <a:schemeClr val="accent1"/>
-            </a:effectRef>
-            <a:fontRef idx="minor">
-              <a:schemeClr val="lt1"/>
-            </a:fontRef>
-          </p:style>
-          <p:txBody>
-            <a:bodyPr rtlCol="0" anchor="ctr"/>
-            <a:lstStyle/>
-            <a:p>
-              <a:pPr algn="ctr"/>
-              <a:endParaRPr kumimoji="1" lang="ja-JP" altLang="en-US" dirty="0"/>
-            </a:p>
-          </p:txBody>
-        </p:sp>
         <p:pic>
           <p:nvPicPr>
             <p:cNvPr id="33" name="図 32">
@@ -10834,7 +10343,7 @@
             <p:nvPr/>
           </p:nvPicPr>
           <p:blipFill>
-            <a:blip r:embed="rId9">
+            <a:blip r:embed="rId6">
               <a:duotone>
                 <a:schemeClr val="accent4">
                   <a:shade val="45000"/>
@@ -10873,8 +10382,8 @@
           </p:nvCxnSpPr>
           <p:spPr>
             <a:xfrm flipV="1">
-              <a:off x="4709225" y="2023938"/>
-              <a:ext cx="1661409" cy="854760"/>
+              <a:off x="5695496" y="2023939"/>
+              <a:ext cx="675138" cy="1245148"/>
             </a:xfrm>
             <a:prstGeom prst="line">
               <a:avLst/>
@@ -10905,61 +10414,6 @@
       </p:grpSp>
       <p:sp>
         <p:nvSpPr>
-          <p:cNvPr id="63" name="正方形/長方形 62">
-            <a:extLst>
-              <a:ext uri="{FF2B5EF4-FFF2-40B4-BE49-F238E27FC236}">
-                <a16:creationId xmlns:a16="http://schemas.microsoft.com/office/drawing/2014/main" id="{F0FC20ED-1E49-479C-8779-942D9F8EAF6E}"/>
-              </a:ext>
-            </a:extLst>
-          </p:cNvPr>
-          <p:cNvSpPr/>
-          <p:nvPr/>
-        </p:nvSpPr>
-        <p:spPr>
-          <a:xfrm>
-            <a:off x="10569165" y="2131424"/>
-            <a:ext cx="1501369" cy="563067"/>
-          </a:xfrm>
-          <a:prstGeom prst="rect">
-            <a:avLst/>
-          </a:prstGeom>
-          <a:solidFill>
-            <a:schemeClr val="bg2">
-              <a:lumMod val="25000"/>
-              <a:alpha val="85000"/>
-            </a:schemeClr>
-          </a:solidFill>
-          <a:ln w="28575">
-            <a:noFill/>
-          </a:ln>
-        </p:spPr>
-        <p:style>
-          <a:lnRef idx="2">
-            <a:schemeClr val="accent1">
-              <a:shade val="50000"/>
-            </a:schemeClr>
-          </a:lnRef>
-          <a:fillRef idx="1">
-            <a:schemeClr val="accent1"/>
-          </a:fillRef>
-          <a:effectRef idx="0">
-            <a:schemeClr val="accent1"/>
-          </a:effectRef>
-          <a:fontRef idx="minor">
-            <a:schemeClr val="lt1"/>
-          </a:fontRef>
-        </p:style>
-        <p:txBody>
-          <a:bodyPr rtlCol="0" anchor="ctr"/>
-          <a:lstStyle/>
-          <a:p>
-            <a:pPr algn="ctr"/>
-            <a:endParaRPr kumimoji="1" lang="ja-JP" altLang="en-US" dirty="0"/>
-          </a:p>
-        </p:txBody>
-      </p:sp>
-      <p:sp>
-        <p:nvSpPr>
           <p:cNvPr id="60" name="テキスト ボックス 59">
             <a:extLst>
               <a:ext uri="{FF2B5EF4-FFF2-40B4-BE49-F238E27FC236}">
@@ -10972,8 +10426,8 @@
         </p:nvSpPr>
         <p:spPr>
           <a:xfrm>
-            <a:off x="10578888" y="2220485"/>
-            <a:ext cx="1728072" cy="461665"/>
+            <a:off x="10187457" y="714980"/>
+            <a:ext cx="2075442" cy="646331"/>
           </a:xfrm>
           <a:prstGeom prst="rect">
             <a:avLst/>
@@ -10987,160 +10441,20 @@
           <a:lstStyle/>
           <a:p>
             <a:r>
-              <a:rPr kumimoji="1" lang="ja-JP" altLang="en-US" sz="2400" b="1" dirty="0">
+              <a:rPr kumimoji="1" lang="ja-JP" altLang="en-US" sz="3600" b="1" dirty="0">
                 <a:solidFill>
-                  <a:schemeClr val="bg1"/>
+                  <a:srgbClr val="BF9000"/>
                 </a:solidFill>
-                <a:effectLst/>
+                <a:effectLst>
+                  <a:glow rad="254000">
+                    <a:schemeClr val="bg1">
+                      <a:alpha val="98000"/>
+                    </a:schemeClr>
+                  </a:glow>
+                </a:effectLst>
               </a:rPr>
               <a:t>残り時間</a:t>
             </a:r>
-          </a:p>
-        </p:txBody>
-      </p:sp>
-      <p:cxnSp>
-        <p:nvCxnSpPr>
-          <p:cNvPr id="57" name="直線コネクタ 56">
-            <a:extLst>
-              <a:ext uri="{FF2B5EF4-FFF2-40B4-BE49-F238E27FC236}">
-                <a16:creationId xmlns:a16="http://schemas.microsoft.com/office/drawing/2014/main" id="{19239362-748F-41C4-AA55-8931119058F0}"/>
-              </a:ext>
-            </a:extLst>
-          </p:cNvPr>
-          <p:cNvCxnSpPr>
-            <a:cxnSpLocks/>
-            <a:stCxn id="22" idx="2"/>
-          </p:cNvCxnSpPr>
-          <p:nvPr/>
-        </p:nvCxnSpPr>
-        <p:spPr>
-          <a:xfrm>
-            <a:off x="8814180" y="1654572"/>
-            <a:ext cx="1836137" cy="563067"/>
-          </a:xfrm>
-          <a:prstGeom prst="line">
-            <a:avLst/>
-          </a:prstGeom>
-          <a:ln w="28575">
-            <a:solidFill>
-              <a:srgbClr val="FF0000">
-                <a:alpha val="70000"/>
-              </a:srgbClr>
-            </a:solidFill>
-          </a:ln>
-        </p:spPr>
-        <p:style>
-          <a:lnRef idx="1">
-            <a:schemeClr val="accent1"/>
-          </a:lnRef>
-          <a:fillRef idx="0">
-            <a:schemeClr val="accent1"/>
-          </a:fillRef>
-          <a:effectRef idx="0">
-            <a:schemeClr val="accent1"/>
-          </a:effectRef>
-          <a:fontRef idx="minor">
-            <a:schemeClr val="tx1"/>
-          </a:fontRef>
-        </p:style>
-      </p:cxnSp>
-      <p:cxnSp>
-        <p:nvCxnSpPr>
-          <p:cNvPr id="68" name="直線コネクタ 67">
-            <a:extLst>
-              <a:ext uri="{FF2B5EF4-FFF2-40B4-BE49-F238E27FC236}">
-                <a16:creationId xmlns:a16="http://schemas.microsoft.com/office/drawing/2014/main" id="{587149ED-D87A-4ED9-8670-B838945C7F09}"/>
-              </a:ext>
-            </a:extLst>
-          </p:cNvPr>
-          <p:cNvCxnSpPr>
-            <a:cxnSpLocks/>
-          </p:cNvCxnSpPr>
-          <p:nvPr/>
-        </p:nvCxnSpPr>
-        <p:spPr>
-          <a:xfrm flipH="1">
-            <a:off x="5594385" y="5203999"/>
-            <a:ext cx="501615" cy="775641"/>
-          </a:xfrm>
-          <a:prstGeom prst="line">
-            <a:avLst/>
-          </a:prstGeom>
-          <a:ln w="28575">
-            <a:solidFill>
-              <a:srgbClr val="FF0000">
-                <a:alpha val="70000"/>
-              </a:srgbClr>
-            </a:solidFill>
-          </a:ln>
-        </p:spPr>
-        <p:style>
-          <a:lnRef idx="1">
-            <a:schemeClr val="accent1"/>
-          </a:lnRef>
-          <a:fillRef idx="0">
-            <a:schemeClr val="accent1"/>
-          </a:fillRef>
-          <a:effectRef idx="0">
-            <a:schemeClr val="accent1"/>
-          </a:effectRef>
-          <a:fontRef idx="minor">
-            <a:schemeClr val="tx1"/>
-          </a:fontRef>
-        </p:style>
-      </p:cxnSp>
-      <p:sp>
-        <p:nvSpPr>
-          <p:cNvPr id="70" name="正方形/長方形 69">
-            <a:extLst>
-              <a:ext uri="{FF2B5EF4-FFF2-40B4-BE49-F238E27FC236}">
-                <a16:creationId xmlns:a16="http://schemas.microsoft.com/office/drawing/2014/main" id="{3BF8BE92-4608-4C70-91A5-6A0AEF8754FC}"/>
-              </a:ext>
-            </a:extLst>
-          </p:cNvPr>
-          <p:cNvSpPr/>
-          <p:nvPr/>
-        </p:nvSpPr>
-        <p:spPr>
-          <a:xfrm>
-            <a:off x="4474118" y="5955457"/>
-            <a:ext cx="1737795" cy="563067"/>
-          </a:xfrm>
-          <a:prstGeom prst="rect">
-            <a:avLst/>
-          </a:prstGeom>
-          <a:solidFill>
-            <a:schemeClr val="bg2">
-              <a:lumMod val="25000"/>
-              <a:alpha val="85000"/>
-            </a:schemeClr>
-          </a:solidFill>
-          <a:ln w="28575">
-            <a:noFill/>
-          </a:ln>
-        </p:spPr>
-        <p:style>
-          <a:lnRef idx="2">
-            <a:schemeClr val="accent1">
-              <a:shade val="50000"/>
-            </a:schemeClr>
-          </a:lnRef>
-          <a:fillRef idx="1">
-            <a:schemeClr val="accent1"/>
-          </a:fillRef>
-          <a:effectRef idx="0">
-            <a:schemeClr val="accent1"/>
-          </a:effectRef>
-          <a:fontRef idx="minor">
-            <a:schemeClr val="lt1"/>
-          </a:fontRef>
-        </p:style>
-        <p:txBody>
-          <a:bodyPr rtlCol="0" anchor="ctr"/>
-          <a:lstStyle/>
-          <a:p>
-            <a:pPr algn="ctr"/>
-            <a:endParaRPr kumimoji="1" lang="ja-JP" altLang="en-US" dirty="0"/>
           </a:p>
         </p:txBody>
       </p:sp>
@@ -11158,8 +10472,8 @@
         </p:nvSpPr>
         <p:spPr>
           <a:xfrm>
-            <a:off x="4483841" y="6044518"/>
-            <a:ext cx="1728072" cy="461665"/>
+            <a:off x="1022671" y="134039"/>
+            <a:ext cx="3434886" cy="646331"/>
           </a:xfrm>
           <a:prstGeom prst="rect">
             <a:avLst/>
@@ -11173,114 +10487,20 @@
           <a:lstStyle/>
           <a:p>
             <a:r>
-              <a:rPr kumimoji="1" lang="ja-JP" altLang="en-US" sz="2400" b="1" dirty="0">
+              <a:rPr kumimoji="1" lang="ja-JP" altLang="en-US" sz="3600" b="1" dirty="0">
                 <a:solidFill>
-                  <a:schemeClr val="bg1"/>
+                  <a:srgbClr val="BF9000"/>
                 </a:solidFill>
-                <a:effectLst/>
+                <a:effectLst>
+                  <a:glow rad="254000">
+                    <a:schemeClr val="bg1">
+                      <a:alpha val="98000"/>
+                    </a:schemeClr>
+                  </a:glow>
+                </a:effectLst>
               </a:rPr>
               <a:t>納豆ゲージ</a:t>
             </a:r>
-          </a:p>
-        </p:txBody>
-      </p:sp>
-      <p:cxnSp>
-        <p:nvCxnSpPr>
-          <p:cNvPr id="74" name="直線コネクタ 73">
-            <a:extLst>
-              <a:ext uri="{FF2B5EF4-FFF2-40B4-BE49-F238E27FC236}">
-                <a16:creationId xmlns:a16="http://schemas.microsoft.com/office/drawing/2014/main" id="{DC5D6650-1AC3-4087-A4D1-5793A58AA6FB}"/>
-              </a:ext>
-            </a:extLst>
-          </p:cNvPr>
-          <p:cNvCxnSpPr>
-            <a:cxnSpLocks/>
-          </p:cNvCxnSpPr>
-          <p:nvPr/>
-        </p:nvCxnSpPr>
-        <p:spPr>
-          <a:xfrm flipH="1" flipV="1">
-            <a:off x="1373190" y="1947174"/>
-            <a:ext cx="1097380" cy="988542"/>
-          </a:xfrm>
-          <a:prstGeom prst="line">
-            <a:avLst/>
-          </a:prstGeom>
-          <a:ln w="28575">
-            <a:solidFill>
-              <a:srgbClr val="FF0000">
-                <a:alpha val="70000"/>
-              </a:srgbClr>
-            </a:solidFill>
-          </a:ln>
-        </p:spPr>
-        <p:style>
-          <a:lnRef idx="1">
-            <a:schemeClr val="accent1"/>
-          </a:lnRef>
-          <a:fillRef idx="0">
-            <a:schemeClr val="accent1"/>
-          </a:fillRef>
-          <a:effectRef idx="0">
-            <a:schemeClr val="accent1"/>
-          </a:effectRef>
-          <a:fontRef idx="minor">
-            <a:schemeClr val="tx1"/>
-          </a:fontRef>
-        </p:style>
-      </p:cxnSp>
-      <p:sp>
-        <p:nvSpPr>
-          <p:cNvPr id="75" name="正方形/長方形 74">
-            <a:extLst>
-              <a:ext uri="{FF2B5EF4-FFF2-40B4-BE49-F238E27FC236}">
-                <a16:creationId xmlns:a16="http://schemas.microsoft.com/office/drawing/2014/main" id="{95E1DB68-1C9A-4411-AF45-9BD013B3BC75}"/>
-              </a:ext>
-            </a:extLst>
-          </p:cNvPr>
-          <p:cNvSpPr/>
-          <p:nvPr/>
-        </p:nvSpPr>
-        <p:spPr>
-          <a:xfrm>
-            <a:off x="-18000" y="1364177"/>
-            <a:ext cx="1938323" cy="563067"/>
-          </a:xfrm>
-          <a:prstGeom prst="rect">
-            <a:avLst/>
-          </a:prstGeom>
-          <a:solidFill>
-            <a:schemeClr val="bg2">
-              <a:lumMod val="25000"/>
-              <a:alpha val="85000"/>
-            </a:schemeClr>
-          </a:solidFill>
-          <a:ln w="28575">
-            <a:noFill/>
-          </a:ln>
-        </p:spPr>
-        <p:style>
-          <a:lnRef idx="2">
-            <a:schemeClr val="accent1">
-              <a:shade val="50000"/>
-            </a:schemeClr>
-          </a:lnRef>
-          <a:fillRef idx="1">
-            <a:schemeClr val="accent1"/>
-          </a:fillRef>
-          <a:effectRef idx="0">
-            <a:schemeClr val="accent1"/>
-          </a:effectRef>
-          <a:fontRef idx="minor">
-            <a:schemeClr val="lt1"/>
-          </a:fontRef>
-        </p:style>
-        <p:txBody>
-          <a:bodyPr rtlCol="0" anchor="ctr"/>
-          <a:lstStyle/>
-          <a:p>
-            <a:pPr algn="ctr"/>
-            <a:endParaRPr kumimoji="1" lang="ja-JP" altLang="en-US" dirty="0"/>
           </a:p>
         </p:txBody>
       </p:sp>
@@ -11298,8 +10518,8 @@
         </p:nvSpPr>
         <p:spPr>
           <a:xfrm>
-            <a:off x="-53367" y="1493158"/>
-            <a:ext cx="2811801" cy="369332"/>
+            <a:off x="362921" y="2642108"/>
+            <a:ext cx="2350291" cy="1200329"/>
           </a:xfrm>
           <a:prstGeom prst="rect">
             <a:avLst/>
@@ -11313,193 +10533,58 @@
           <a:lstStyle/>
           <a:p>
             <a:r>
-              <a:rPr lang="ja-JP" altLang="en-US" b="1" dirty="0">
+              <a:rPr kumimoji="1" lang="ja-JP" altLang="en-US" sz="3600" b="1" dirty="0">
                 <a:solidFill>
-                  <a:schemeClr val="bg1"/>
+                  <a:srgbClr val="BF9000"/>
                 </a:solidFill>
+                <a:effectLst>
+                  <a:glow rad="254000">
+                    <a:schemeClr val="bg1">
+                      <a:alpha val="98000"/>
+                    </a:schemeClr>
+                  </a:glow>
+                </a:effectLst>
               </a:rPr>
-              <a:t>チェックポイント</a:t>
-            </a:r>
-            <a:endParaRPr kumimoji="1" lang="ja-JP" altLang="en-US" b="1" dirty="0">
+              <a:t>チェック</a:t>
+            </a:r>
+            <a:endParaRPr kumimoji="1" lang="en-US" altLang="ja-JP" sz="3600" b="1" dirty="0">
               <a:solidFill>
-                <a:schemeClr val="bg1"/>
+                <a:srgbClr val="BF9000"/>
               </a:solidFill>
-              <a:effectLst/>
+              <a:effectLst>
+                <a:glow rad="254000">
+                  <a:schemeClr val="bg1">
+                    <a:alpha val="98000"/>
+                  </a:schemeClr>
+                </a:glow>
+              </a:effectLst>
             </a:endParaRPr>
           </a:p>
-        </p:txBody>
-      </p:sp>
-      <p:sp>
-        <p:nvSpPr>
-          <p:cNvPr id="79" name="正方形/長方形 78">
-            <a:extLst>
-              <a:ext uri="{FF2B5EF4-FFF2-40B4-BE49-F238E27FC236}">
-                <a16:creationId xmlns:a16="http://schemas.microsoft.com/office/drawing/2014/main" id="{92C0BDD3-7931-4E09-BE72-D879B3A273C9}"/>
-              </a:ext>
-            </a:extLst>
-          </p:cNvPr>
-          <p:cNvSpPr/>
-          <p:nvPr/>
-        </p:nvSpPr>
-        <p:spPr>
-          <a:xfrm>
-            <a:off x="8073022" y="6295616"/>
-            <a:ext cx="1939488" cy="525223"/>
-          </a:xfrm>
-          <a:prstGeom prst="rect">
-            <a:avLst/>
-          </a:prstGeom>
-          <a:solidFill>
-            <a:schemeClr val="bg1"/>
-          </a:solidFill>
-          <a:ln>
-            <a:solidFill>
-              <a:schemeClr val="tx1"/>
-            </a:solidFill>
-          </a:ln>
-        </p:spPr>
-        <p:style>
-          <a:lnRef idx="2">
-            <a:schemeClr val="accent1">
-              <a:shade val="50000"/>
-            </a:schemeClr>
-          </a:lnRef>
-          <a:fillRef idx="1">
-            <a:schemeClr val="accent1"/>
-          </a:fillRef>
-          <a:effectRef idx="0">
-            <a:schemeClr val="accent1"/>
-          </a:effectRef>
-          <a:fontRef idx="minor">
-            <a:schemeClr val="lt1"/>
-          </a:fontRef>
-        </p:style>
-        <p:txBody>
-          <a:bodyPr rtlCol="0" anchor="ctr"/>
-          <a:lstStyle/>
           <a:p>
-            <a:pPr algn="ctr"/>
-            <a:r>
-              <a:rPr kumimoji="1" lang="en-US" altLang="ja-JP" sz="2400" dirty="0">
+            <a:r>
+              <a:rPr kumimoji="1" lang="ja-JP" altLang="en-US" sz="3600" b="1" dirty="0">
                 <a:solidFill>
-                  <a:schemeClr val="tx1"/>
+                  <a:srgbClr val="BF9000"/>
                 </a:solidFill>
-                <a:latin typeface="Meiryo UI" panose="020B0604030504040204" pitchFamily="50" charset="-128"/>
-                <a:ea typeface="Meiryo UI" panose="020B0604030504040204" pitchFamily="50" charset="-128"/>
+                <a:effectLst>
+                  <a:glow rad="254000">
+                    <a:schemeClr val="bg1">
+                      <a:alpha val="98000"/>
+                    </a:schemeClr>
+                  </a:glow>
+                </a:effectLst>
               </a:rPr>
-              <a:t>SPACE</a:t>
-            </a:r>
-            <a:endParaRPr kumimoji="1" lang="ja-JP" altLang="en-US" sz="2400" dirty="0">
-              <a:solidFill>
-                <a:schemeClr val="tx1"/>
-              </a:solidFill>
-              <a:latin typeface="Meiryo UI" panose="020B0604030504040204" pitchFamily="50" charset="-128"/>
-              <a:ea typeface="Meiryo UI" panose="020B0604030504040204" pitchFamily="50" charset="-128"/>
-            </a:endParaRPr>
-          </a:p>
-        </p:txBody>
-      </p:sp>
-      <p:sp>
-        <p:nvSpPr>
-          <p:cNvPr id="81" name="正方形/長方形 80">
-            <a:extLst>
-              <a:ext uri="{FF2B5EF4-FFF2-40B4-BE49-F238E27FC236}">
-                <a16:creationId xmlns:a16="http://schemas.microsoft.com/office/drawing/2014/main" id="{4B2CE0A1-D3FA-46C8-ABCE-572E19BDC433}"/>
-              </a:ext>
-            </a:extLst>
-          </p:cNvPr>
-          <p:cNvSpPr/>
-          <p:nvPr/>
-        </p:nvSpPr>
-        <p:spPr>
-          <a:xfrm>
-            <a:off x="8253321" y="5699813"/>
-            <a:ext cx="1490340" cy="563067"/>
-          </a:xfrm>
-          <a:prstGeom prst="rect">
-            <a:avLst/>
-          </a:prstGeom>
-          <a:solidFill>
-            <a:schemeClr val="bg2">
-              <a:lumMod val="25000"/>
-              <a:alpha val="85000"/>
-            </a:schemeClr>
-          </a:solidFill>
-          <a:ln w="28575">
-            <a:noFill/>
-          </a:ln>
-        </p:spPr>
-        <p:style>
-          <a:lnRef idx="2">
-            <a:schemeClr val="accent1">
-              <a:shade val="50000"/>
-            </a:schemeClr>
-          </a:lnRef>
-          <a:fillRef idx="1">
-            <a:schemeClr val="accent1"/>
-          </a:fillRef>
-          <a:effectRef idx="0">
-            <a:schemeClr val="accent1"/>
-          </a:effectRef>
-          <a:fontRef idx="minor">
-            <a:schemeClr val="lt1"/>
-          </a:fontRef>
-        </p:style>
-        <p:txBody>
-          <a:bodyPr rtlCol="0" anchor="ctr"/>
-          <a:lstStyle/>
-          <a:p>
-            <a:pPr algn="ctr"/>
-            <a:endParaRPr kumimoji="1" lang="ja-JP" altLang="en-US" dirty="0"/>
-          </a:p>
-        </p:txBody>
-      </p:sp>
-      <p:sp>
-        <p:nvSpPr>
-          <p:cNvPr id="82" name="テキスト ボックス 81">
-            <a:extLst>
-              <a:ext uri="{FF2B5EF4-FFF2-40B4-BE49-F238E27FC236}">
-                <a16:creationId xmlns:a16="http://schemas.microsoft.com/office/drawing/2014/main" id="{F4FADCE6-EFA4-4BC3-8B0A-0EAA818F0DD9}"/>
-              </a:ext>
-            </a:extLst>
-          </p:cNvPr>
-          <p:cNvSpPr txBox="1"/>
-          <p:nvPr/>
-        </p:nvSpPr>
-        <p:spPr>
-          <a:xfrm>
-            <a:off x="8242353" y="5805639"/>
-            <a:ext cx="1480617" cy="461665"/>
-          </a:xfrm>
-          <a:prstGeom prst="rect">
-            <a:avLst/>
-          </a:prstGeom>
-          <a:noFill/>
-        </p:spPr>
-        <p:txBody>
-          <a:bodyPr wrap="square" rtlCol="0">
-            <a:spAutoFit/>
-          </a:bodyPr>
-          <a:lstStyle/>
-          <a:p>
-            <a:r>
-              <a:rPr kumimoji="1" lang="ja-JP" altLang="en-US" sz="2400" b="1" dirty="0">
-                <a:solidFill>
-                  <a:schemeClr val="bg1"/>
-                </a:solidFill>
-                <a:effectLst/>
-              </a:rPr>
-              <a:t>ジャンプ</a:t>
+              <a:t>ポイント</a:t>
             </a:r>
           </a:p>
         </p:txBody>
       </p:sp>
       <p:grpSp>
         <p:nvGrpSpPr>
-          <p:cNvPr id="17" name="グループ化 16">
+          <p:cNvPr id="43" name="グループ化 42">
             <a:extLst>
               <a:ext uri="{FF2B5EF4-FFF2-40B4-BE49-F238E27FC236}">
-                <a16:creationId xmlns:a16="http://schemas.microsoft.com/office/drawing/2014/main" id="{54E8789A-9C41-4AD3-89EE-4936EB996186}"/>
+                <a16:creationId xmlns:a16="http://schemas.microsoft.com/office/drawing/2014/main" id="{6F49C1AC-44FF-4C5A-8AD1-E79C2A732089}"/>
               </a:ext>
             </a:extLst>
           </p:cNvPr>
@@ -11508,104 +10593,52 @@
         </p:nvGrpSpPr>
         <p:grpSpPr>
           <a:xfrm>
-            <a:off x="10803104" y="5373337"/>
-            <a:ext cx="1080000" cy="1466264"/>
-            <a:chOff x="10738542" y="5342124"/>
-            <a:chExt cx="1080000" cy="1466264"/>
+            <a:off x="7265484" y="3947151"/>
+            <a:ext cx="6013040" cy="2706664"/>
+            <a:chOff x="7347489" y="3781011"/>
+            <a:chExt cx="6013040" cy="2597860"/>
           </a:xfrm>
         </p:grpSpPr>
-        <p:pic>
-          <p:nvPicPr>
-            <p:cNvPr id="83" name="Picture 14" descr="マウスのアイコン素材 | 無料のアイコンイラスト集 icon-pit">
+        <p:sp>
+          <p:nvSpPr>
+            <p:cNvPr id="41" name="四角形: 角を丸くする 40">
               <a:extLst>
                 <a:ext uri="{FF2B5EF4-FFF2-40B4-BE49-F238E27FC236}">
-                  <a16:creationId xmlns:a16="http://schemas.microsoft.com/office/drawing/2014/main" id="{0A5A346A-FD5B-4A5B-B1AC-5CC674F5252E}"/>
+                  <a16:creationId xmlns:a16="http://schemas.microsoft.com/office/drawing/2014/main" id="{BC776650-D7D4-4B21-8107-F156FD4DE3AF}"/>
                 </a:ext>
               </a:extLst>
             </p:cNvPr>
-            <p:cNvPicPr>
-              <a:picLocks noChangeAspect="1" noChangeArrowheads="1"/>
-            </p:cNvPicPr>
-            <p:nvPr/>
-          </p:nvPicPr>
-          <p:blipFill rotWithShape="1">
-            <a:blip r:embed="rId10">
-              <a:extLst>
-                <a:ext uri="{28A0092B-C50C-407E-A947-70E740481C1C}">
-                  <a14:useLocalDpi xmlns:a14="http://schemas.microsoft.com/office/drawing/2010/main" val="0"/>
-                </a:ext>
-              </a:extLst>
-            </a:blip>
-            <a:srcRect l="21850" t="8746" r="18792" b="7547"/>
-            <a:stretch/>
-          </p:blipFill>
-          <p:spPr bwMode="auto">
-            <a:xfrm>
-              <a:off x="11006563" y="5943133"/>
-              <a:ext cx="613563" cy="865255"/>
-            </a:xfrm>
-            <a:prstGeom prst="rect">
-              <a:avLst/>
-            </a:prstGeom>
-            <a:noFill/>
-            <a:extLst>
-              <a:ext uri="{909E8E84-426E-40DD-AFC4-6F175D3DCCD1}">
-                <a14:hiddenFill xmlns:a14="http://schemas.microsoft.com/office/drawing/2010/main">
-                  <a:solidFill>
-                    <a:srgbClr val="FFFFFF"/>
-                  </a:solidFill>
-                </a14:hiddenFill>
-              </a:ext>
-            </a:extLst>
-          </p:spPr>
-        </p:pic>
-        <p:sp>
-          <p:nvSpPr>
-            <p:cNvPr id="84" name="円弧 83">
-              <a:extLst>
-                <a:ext uri="{FF2B5EF4-FFF2-40B4-BE49-F238E27FC236}">
-                  <a16:creationId xmlns:a16="http://schemas.microsoft.com/office/drawing/2014/main" id="{766B0A10-8EBE-4B93-8D22-9B128B6D31FC}"/>
-                </a:ext>
-              </a:extLst>
-            </p:cNvPr>
-            <p:cNvSpPr>
-              <a:spLocks/>
-            </p:cNvSpPr>
+            <p:cNvSpPr/>
             <p:nvPr/>
           </p:nvSpPr>
           <p:spPr>
             <a:xfrm>
-              <a:off x="10738542" y="5342124"/>
-              <a:ext cx="1080000" cy="1080000"/>
+              <a:off x="7347489" y="4201700"/>
+              <a:ext cx="4781151" cy="2177171"/>
             </a:xfrm>
-            <a:prstGeom prst="arc">
-              <a:avLst>
-                <a:gd name="adj1" fmla="val 8058978"/>
-                <a:gd name="adj2" fmla="val 2822624"/>
-              </a:avLst>
+            <a:prstGeom prst="roundRect">
+              <a:avLst/>
             </a:prstGeom>
-            <a:ln w="28575" cap="flat" cmpd="sng" algn="ctr">
-              <a:solidFill>
-                <a:schemeClr val="dk1"/>
-              </a:solidFill>
-              <a:prstDash val="solid"/>
-              <a:round/>
-              <a:headEnd type="none" w="med" len="med"/>
-              <a:tailEnd type="arrow" w="med" len="med"/>
-            </a:ln>
+            <a:solidFill>
+              <a:schemeClr val="tx1">
+                <a:alpha val="52000"/>
+              </a:schemeClr>
+            </a:solidFill>
           </p:spPr>
           <p:style>
-            <a:lnRef idx="0">
-              <a:scrgbClr r="0" g="0" b="0"/>
+            <a:lnRef idx="2">
+              <a:schemeClr val="accent1">
+                <a:shade val="50000"/>
+              </a:schemeClr>
             </a:lnRef>
-            <a:fillRef idx="0">
-              <a:scrgbClr r="0" g="0" b="0"/>
+            <a:fillRef idx="1">
+              <a:schemeClr val="accent1"/>
             </a:fillRef>
             <a:effectRef idx="0">
-              <a:scrgbClr r="0" g="0" b="0"/>
+              <a:schemeClr val="accent1"/>
             </a:effectRef>
             <a:fontRef idx="minor">
-              <a:schemeClr val="tx1"/>
+              <a:schemeClr val="lt1"/>
             </a:fontRef>
           </p:style>
           <p:txBody>
@@ -11613,66 +10646,381 @@
             <a:lstStyle/>
             <a:p>
               <a:pPr algn="ctr"/>
-              <a:endParaRPr lang="ja-JP" altLang="en-US"/>
+              <a:endParaRPr kumimoji="1" lang="ja-JP" altLang="en-US" dirty="0"/>
             </a:p>
           </p:txBody>
         </p:sp>
+        <p:grpSp>
+          <p:nvGrpSpPr>
+            <p:cNvPr id="42" name="グループ化 41">
+              <a:extLst>
+                <a:ext uri="{FF2B5EF4-FFF2-40B4-BE49-F238E27FC236}">
+                  <a16:creationId xmlns:a16="http://schemas.microsoft.com/office/drawing/2014/main" id="{3068B4CB-1674-480E-BB0F-0C8C768C1FF2}"/>
+                </a:ext>
+              </a:extLst>
+            </p:cNvPr>
+            <p:cNvGrpSpPr/>
+            <p:nvPr/>
+          </p:nvGrpSpPr>
+          <p:grpSpPr>
+            <a:xfrm>
+              <a:off x="7556511" y="3781011"/>
+              <a:ext cx="5804018" cy="2426035"/>
+              <a:chOff x="7556511" y="3781011"/>
+              <a:chExt cx="5804018" cy="2426035"/>
+            </a:xfrm>
+          </p:grpSpPr>
+          <p:sp>
+            <p:nvSpPr>
+              <p:cNvPr id="79" name="正方形/長方形 78">
+                <a:extLst>
+                  <a:ext uri="{FF2B5EF4-FFF2-40B4-BE49-F238E27FC236}">
+                    <a16:creationId xmlns:a16="http://schemas.microsoft.com/office/drawing/2014/main" id="{92C0BDD3-7931-4E09-BE72-D879B3A273C9}"/>
+                  </a:ext>
+                </a:extLst>
+              </p:cNvPr>
+              <p:cNvSpPr/>
+              <p:nvPr/>
+            </p:nvSpPr>
+            <p:spPr>
+              <a:xfrm>
+                <a:off x="7843359" y="5295256"/>
+                <a:ext cx="1516287" cy="388021"/>
+              </a:xfrm>
+              <a:prstGeom prst="rect">
+                <a:avLst/>
+              </a:prstGeom>
+              <a:solidFill>
+                <a:schemeClr val="bg1"/>
+              </a:solidFill>
+              <a:ln>
+                <a:solidFill>
+                  <a:schemeClr val="tx1"/>
+                </a:solidFill>
+              </a:ln>
+              <a:effectLst>
+                <a:glow rad="203200">
+                  <a:schemeClr val="bg1">
+                    <a:alpha val="74000"/>
+                  </a:schemeClr>
+                </a:glow>
+              </a:effectLst>
+            </p:spPr>
+            <p:style>
+              <a:lnRef idx="2">
+                <a:schemeClr val="accent1">
+                  <a:shade val="50000"/>
+                </a:schemeClr>
+              </a:lnRef>
+              <a:fillRef idx="1">
+                <a:schemeClr val="accent1"/>
+              </a:fillRef>
+              <a:effectRef idx="0">
+                <a:schemeClr val="accent1"/>
+              </a:effectRef>
+              <a:fontRef idx="minor">
+                <a:schemeClr val="lt1"/>
+              </a:fontRef>
+            </p:style>
+            <p:txBody>
+              <a:bodyPr rtlCol="0" anchor="ctr"/>
+              <a:lstStyle/>
+              <a:p>
+                <a:pPr algn="ctr"/>
+                <a:r>
+                  <a:rPr kumimoji="1" lang="en-US" altLang="ja-JP" sz="2400" dirty="0">
+                    <a:solidFill>
+                      <a:schemeClr val="tx1"/>
+                    </a:solidFill>
+                    <a:effectLst/>
+                    <a:latin typeface="Meiryo UI" panose="020B0604030504040204" pitchFamily="50" charset="-128"/>
+                    <a:ea typeface="Meiryo UI" panose="020B0604030504040204" pitchFamily="50" charset="-128"/>
+                  </a:rPr>
+                  <a:t>SPACE</a:t>
+                </a:r>
+                <a:endParaRPr kumimoji="1" lang="ja-JP" altLang="en-US" sz="2400" dirty="0">
+                  <a:solidFill>
+                    <a:schemeClr val="tx1"/>
+                  </a:solidFill>
+                  <a:effectLst/>
+                  <a:latin typeface="Meiryo UI" panose="020B0604030504040204" pitchFamily="50" charset="-128"/>
+                  <a:ea typeface="Meiryo UI" panose="020B0604030504040204" pitchFamily="50" charset="-128"/>
+                </a:endParaRPr>
+              </a:p>
+            </p:txBody>
+          </p:sp>
+          <p:grpSp>
+            <p:nvGrpSpPr>
+              <p:cNvPr id="40" name="グループ化 39">
+                <a:extLst>
+                  <a:ext uri="{FF2B5EF4-FFF2-40B4-BE49-F238E27FC236}">
+                    <a16:creationId xmlns:a16="http://schemas.microsoft.com/office/drawing/2014/main" id="{FC5A90F8-64C4-4105-B376-27D7E9E89960}"/>
+                  </a:ext>
+                </a:extLst>
+              </p:cNvPr>
+              <p:cNvGrpSpPr/>
+              <p:nvPr/>
+            </p:nvGrpSpPr>
+            <p:grpSpPr>
+              <a:xfrm>
+                <a:off x="10279727" y="4779287"/>
+                <a:ext cx="1080000" cy="1427759"/>
+                <a:chOff x="10738542" y="5342124"/>
+                <a:chExt cx="1080000" cy="1427759"/>
+              </a:xfrm>
+              <a:effectLst>
+                <a:glow rad="152400">
+                  <a:schemeClr val="bg1">
+                    <a:alpha val="91000"/>
+                  </a:schemeClr>
+                </a:glow>
+              </a:effectLst>
+            </p:grpSpPr>
+            <p:pic>
+              <p:nvPicPr>
+                <p:cNvPr id="83" name="Picture 14" descr="マウスのアイコン素材 | 無料のアイコンイラスト集 icon-pit">
+                  <a:extLst>
+                    <a:ext uri="{FF2B5EF4-FFF2-40B4-BE49-F238E27FC236}">
+                      <a16:creationId xmlns:a16="http://schemas.microsoft.com/office/drawing/2014/main" id="{0A5A346A-FD5B-4A5B-B1AC-5CC674F5252E}"/>
+                    </a:ext>
+                  </a:extLst>
+                </p:cNvPr>
+                <p:cNvPicPr>
+                  <a:picLocks noChangeAspect="1" noChangeArrowheads="1"/>
+                </p:cNvPicPr>
+                <p:nvPr/>
+              </p:nvPicPr>
+              <p:blipFill rotWithShape="1">
+                <a:blip r:embed="rId7">
+                  <a:extLst>
+                    <a:ext uri="{28A0092B-C50C-407E-A947-70E740481C1C}">
+                      <a14:useLocalDpi xmlns:a14="http://schemas.microsoft.com/office/drawing/2010/main" val="0"/>
+                    </a:ext>
+                  </a:extLst>
+                </a:blip>
+                <a:srcRect l="21850" t="8746" r="18792" b="7547"/>
+                <a:stretch/>
+              </p:blipFill>
+              <p:spPr bwMode="auto">
+                <a:xfrm>
+                  <a:off x="10984293" y="5904628"/>
+                  <a:ext cx="613563" cy="865255"/>
+                </a:xfrm>
+                <a:prstGeom prst="rect">
+                  <a:avLst/>
+                </a:prstGeom>
+                <a:noFill/>
+                <a:extLst>
+                  <a:ext uri="{909E8E84-426E-40DD-AFC4-6F175D3DCCD1}">
+                    <a14:hiddenFill xmlns:a14="http://schemas.microsoft.com/office/drawing/2010/main">
+                      <a:solidFill>
+                        <a:srgbClr val="FFFFFF"/>
+                      </a:solidFill>
+                    </a14:hiddenFill>
+                  </a:ext>
+                </a:extLst>
+              </p:spPr>
+            </p:pic>
+            <p:sp>
+              <p:nvSpPr>
+                <p:cNvPr id="84" name="円弧 83">
+                  <a:extLst>
+                    <a:ext uri="{FF2B5EF4-FFF2-40B4-BE49-F238E27FC236}">
+                      <a16:creationId xmlns:a16="http://schemas.microsoft.com/office/drawing/2014/main" id="{766B0A10-8EBE-4B93-8D22-9B128B6D31FC}"/>
+                    </a:ext>
+                  </a:extLst>
+                </p:cNvPr>
+                <p:cNvSpPr>
+                  <a:spLocks/>
+                </p:cNvSpPr>
+                <p:nvPr/>
+              </p:nvSpPr>
+              <p:spPr>
+                <a:xfrm>
+                  <a:off x="10738542" y="5342124"/>
+                  <a:ext cx="1080000" cy="1080000"/>
+                </a:xfrm>
+                <a:prstGeom prst="arc">
+                  <a:avLst>
+                    <a:gd name="adj1" fmla="val 8058978"/>
+                    <a:gd name="adj2" fmla="val 2822624"/>
+                  </a:avLst>
+                </a:prstGeom>
+                <a:ln w="28575" cap="flat" cmpd="sng" algn="ctr">
+                  <a:solidFill>
+                    <a:schemeClr val="dk1"/>
+                  </a:solidFill>
+                  <a:prstDash val="solid"/>
+                  <a:round/>
+                  <a:headEnd type="none" w="med" len="med"/>
+                  <a:tailEnd type="arrow" w="med" len="med"/>
+                </a:ln>
+              </p:spPr>
+              <p:style>
+                <a:lnRef idx="0">
+                  <a:scrgbClr r="0" g="0" b="0"/>
+                </a:lnRef>
+                <a:fillRef idx="0">
+                  <a:scrgbClr r="0" g="0" b="0"/>
+                </a:fillRef>
+                <a:effectRef idx="0">
+                  <a:scrgbClr r="0" g="0" b="0"/>
+                </a:effectRef>
+                <a:fontRef idx="minor">
+                  <a:schemeClr val="tx1"/>
+                </a:fontRef>
+              </p:style>
+              <p:txBody>
+                <a:bodyPr rtlCol="0" anchor="ctr"/>
+                <a:lstStyle/>
+                <a:p>
+                  <a:pPr algn="ctr"/>
+                  <a:endParaRPr lang="ja-JP" altLang="en-US"/>
+                </a:p>
+              </p:txBody>
+            </p:sp>
+          </p:grpSp>
+          <p:sp>
+            <p:nvSpPr>
+              <p:cNvPr id="82" name="テキスト ボックス 81">
+                <a:extLst>
+                  <a:ext uri="{FF2B5EF4-FFF2-40B4-BE49-F238E27FC236}">
+                    <a16:creationId xmlns:a16="http://schemas.microsoft.com/office/drawing/2014/main" id="{F4FADCE6-EFA4-4BC3-8B0A-0EAA818F0DD9}"/>
+                  </a:ext>
+                </a:extLst>
+              </p:cNvPr>
+              <p:cNvSpPr txBox="1"/>
+              <p:nvPr/>
+            </p:nvSpPr>
+            <p:spPr>
+              <a:xfrm>
+                <a:off x="7770017" y="4521797"/>
+                <a:ext cx="1913484" cy="523220"/>
+              </a:xfrm>
+              <a:prstGeom prst="rect">
+                <a:avLst/>
+              </a:prstGeom>
+              <a:noFill/>
+            </p:spPr>
+            <p:txBody>
+              <a:bodyPr wrap="square" rtlCol="0">
+                <a:spAutoFit/>
+              </a:bodyPr>
+              <a:lstStyle/>
+              <a:p>
+                <a:r>
+                  <a:rPr kumimoji="1" lang="ja-JP" altLang="en-US" sz="2800" b="1" dirty="0">
+                    <a:solidFill>
+                      <a:srgbClr val="BF9000"/>
+                    </a:solidFill>
+                    <a:effectLst>
+                      <a:glow rad="254000">
+                        <a:schemeClr val="bg1">
+                          <a:alpha val="98000"/>
+                        </a:schemeClr>
+                      </a:glow>
+                    </a:effectLst>
+                  </a:rPr>
+                  <a:t>ジャンプ</a:t>
+                </a:r>
+              </a:p>
+            </p:txBody>
+          </p:sp>
+          <p:sp>
+            <p:nvSpPr>
+              <p:cNvPr id="88" name="テキスト ボックス 87">
+                <a:extLst>
+                  <a:ext uri="{FF2B5EF4-FFF2-40B4-BE49-F238E27FC236}">
+                    <a16:creationId xmlns:a16="http://schemas.microsoft.com/office/drawing/2014/main" id="{0A925D63-E4C4-4D21-A0F4-07DA2168DD13}"/>
+                  </a:ext>
+                </a:extLst>
+              </p:cNvPr>
+              <p:cNvSpPr txBox="1"/>
+              <p:nvPr/>
+            </p:nvSpPr>
+            <p:spPr>
+              <a:xfrm>
+                <a:off x="9937934" y="4503951"/>
+                <a:ext cx="3422595" cy="523220"/>
+              </a:xfrm>
+              <a:prstGeom prst="rect">
+                <a:avLst/>
+              </a:prstGeom>
+              <a:noFill/>
+            </p:spPr>
+            <p:txBody>
+              <a:bodyPr wrap="square" rtlCol="0">
+                <a:spAutoFit/>
+              </a:bodyPr>
+              <a:lstStyle/>
+              <a:p>
+                <a:r>
+                  <a:rPr kumimoji="1" lang="ja-JP" altLang="en-US" sz="2800" b="1" dirty="0">
+                    <a:solidFill>
+                      <a:srgbClr val="BF9000"/>
+                    </a:solidFill>
+                    <a:effectLst>
+                      <a:glow rad="254000">
+                        <a:schemeClr val="bg1">
+                          <a:alpha val="98000"/>
+                        </a:schemeClr>
+                      </a:glow>
+                    </a:effectLst>
+                  </a:rPr>
+                  <a:t>納豆を練る</a:t>
+                </a:r>
+              </a:p>
+            </p:txBody>
+          </p:sp>
+          <p:sp>
+            <p:nvSpPr>
+              <p:cNvPr id="64" name="テキスト ボックス 63">
+                <a:extLst>
+                  <a:ext uri="{FF2B5EF4-FFF2-40B4-BE49-F238E27FC236}">
+                    <a16:creationId xmlns:a16="http://schemas.microsoft.com/office/drawing/2014/main" id="{3433A4B0-007D-41AD-9A5C-998B47A4A61C}"/>
+                  </a:ext>
+                </a:extLst>
+              </p:cNvPr>
+              <p:cNvSpPr txBox="1"/>
+              <p:nvPr/>
+            </p:nvSpPr>
+            <p:spPr>
+              <a:xfrm>
+                <a:off x="7556511" y="3781011"/>
+                <a:ext cx="2075442" cy="646331"/>
+              </a:xfrm>
+              <a:prstGeom prst="rect">
+                <a:avLst/>
+              </a:prstGeom>
+              <a:noFill/>
+            </p:spPr>
+            <p:txBody>
+              <a:bodyPr wrap="square" rtlCol="0">
+                <a:spAutoFit/>
+              </a:bodyPr>
+              <a:lstStyle/>
+              <a:p>
+                <a:r>
+                  <a:rPr kumimoji="1" lang="ja-JP" altLang="en-US" sz="3600" b="1" dirty="0">
+                    <a:solidFill>
+                      <a:srgbClr val="FF0000"/>
+                    </a:solidFill>
+                    <a:effectLst>
+                      <a:glow rad="177800">
+                        <a:schemeClr val="accent4">
+                          <a:satMod val="175000"/>
+                          <a:alpha val="92000"/>
+                        </a:schemeClr>
+                      </a:glow>
+                    </a:effectLst>
+                  </a:rPr>
+                  <a:t>▽操作</a:t>
+                </a:r>
+              </a:p>
+            </p:txBody>
+          </p:sp>
+        </p:grpSp>
       </p:grpSp>
-      <p:sp>
-        <p:nvSpPr>
-          <p:cNvPr id="85" name="正方形/長方形 84">
-            <a:extLst>
-              <a:ext uri="{FF2B5EF4-FFF2-40B4-BE49-F238E27FC236}">
-                <a16:creationId xmlns:a16="http://schemas.microsoft.com/office/drawing/2014/main" id="{08180E28-6F3B-4B7A-AA65-E6B28D71B7A7}"/>
-              </a:ext>
-            </a:extLst>
-          </p:cNvPr>
-          <p:cNvSpPr/>
-          <p:nvPr/>
-        </p:nvSpPr>
-        <p:spPr>
-          <a:xfrm>
-            <a:off x="6421758" y="2023645"/>
-            <a:ext cx="2978656" cy="621241"/>
-          </a:xfrm>
-          <a:prstGeom prst="rect">
-            <a:avLst/>
-          </a:prstGeom>
-          <a:solidFill>
-            <a:schemeClr val="bg2">
-              <a:lumMod val="25000"/>
-              <a:alpha val="85000"/>
-            </a:schemeClr>
-          </a:solidFill>
-          <a:ln w="28575">
-            <a:noFill/>
-          </a:ln>
-        </p:spPr>
-        <p:style>
-          <a:lnRef idx="2">
-            <a:schemeClr val="accent1">
-              <a:shade val="50000"/>
-            </a:schemeClr>
-          </a:lnRef>
-          <a:fillRef idx="1">
-            <a:schemeClr val="accent1"/>
-          </a:fillRef>
-          <a:effectRef idx="0">
-            <a:schemeClr val="accent1"/>
-          </a:effectRef>
-          <a:fontRef idx="minor">
-            <a:schemeClr val="lt1"/>
-          </a:fontRef>
-        </p:style>
-        <p:txBody>
-          <a:bodyPr rtlCol="0" anchor="ctr"/>
-          <a:lstStyle/>
-          <a:p>
-            <a:pPr algn="ctr"/>
-            <a:endParaRPr kumimoji="1" lang="ja-JP" altLang="en-US" dirty="0"/>
-          </a:p>
-        </p:txBody>
-      </p:sp>
       <p:sp>
         <p:nvSpPr>
           <p:cNvPr id="86" name="テキスト ボックス 85">
@@ -11687,8 +11035,8 @@
         </p:nvSpPr>
         <p:spPr>
           <a:xfrm>
-            <a:off x="6391896" y="2112844"/>
-            <a:ext cx="3043465" cy="461665"/>
+            <a:off x="5658181" y="2472541"/>
+            <a:ext cx="4781151" cy="646331"/>
           </a:xfrm>
           <a:prstGeom prst="rect">
             <a:avLst/>
@@ -11702,108 +11050,34 @@
           <a:lstStyle/>
           <a:p>
             <a:r>
-              <a:rPr kumimoji="1" lang="ja-JP" altLang="en-US" sz="2400" b="1" dirty="0">
+              <a:rPr lang="ja-JP" altLang="en-US" sz="3600" b="1" dirty="0">
                 <a:solidFill>
-                  <a:schemeClr val="bg1"/>
+                  <a:schemeClr val="accent4">
+                    <a:lumMod val="75000"/>
+                  </a:schemeClr>
                 </a:solidFill>
-                <a:effectLst/>
+                <a:effectLst>
+                  <a:glow rad="368300">
+                    <a:schemeClr val="bg1"/>
+                  </a:glow>
+                </a:effectLst>
               </a:rPr>
-              <a:t>右クリックで糸発射</a:t>
-            </a:r>
-          </a:p>
-        </p:txBody>
-      </p:sp>
-      <p:sp>
-        <p:nvSpPr>
-          <p:cNvPr id="87" name="正方形/長方形 86">
-            <a:extLst>
-              <a:ext uri="{FF2B5EF4-FFF2-40B4-BE49-F238E27FC236}">
-                <a16:creationId xmlns:a16="http://schemas.microsoft.com/office/drawing/2014/main" id="{1A77F3B3-C551-4D76-89AE-383423757791}"/>
-              </a:ext>
-            </a:extLst>
-          </p:cNvPr>
-          <p:cNvSpPr/>
-          <p:nvPr/>
-        </p:nvSpPr>
-        <p:spPr>
-          <a:xfrm>
-            <a:off x="10466070" y="4697485"/>
-            <a:ext cx="1662372" cy="621241"/>
-          </a:xfrm>
-          <a:prstGeom prst="rect">
-            <a:avLst/>
-          </a:prstGeom>
-          <a:solidFill>
-            <a:schemeClr val="bg2">
-              <a:lumMod val="25000"/>
-              <a:alpha val="85000"/>
-            </a:schemeClr>
-          </a:solidFill>
-          <a:ln w="28575">
-            <a:noFill/>
-          </a:ln>
-        </p:spPr>
-        <p:style>
-          <a:lnRef idx="2">
-            <a:schemeClr val="accent1">
-              <a:shade val="50000"/>
-            </a:schemeClr>
-          </a:lnRef>
-          <a:fillRef idx="1">
-            <a:schemeClr val="accent1"/>
-          </a:fillRef>
-          <a:effectRef idx="0">
-            <a:schemeClr val="accent1"/>
-          </a:effectRef>
-          <a:fontRef idx="minor">
-            <a:schemeClr val="lt1"/>
-          </a:fontRef>
-        </p:style>
-        <p:txBody>
-          <a:bodyPr rtlCol="0" anchor="ctr"/>
-          <a:lstStyle/>
-          <a:p>
-            <a:pPr algn="ctr"/>
-            <a:endParaRPr kumimoji="1" lang="ja-JP" altLang="en-US" dirty="0"/>
-          </a:p>
-        </p:txBody>
-      </p:sp>
-      <p:sp>
-        <p:nvSpPr>
-          <p:cNvPr id="88" name="テキスト ボックス 87">
-            <a:extLst>
-              <a:ext uri="{FF2B5EF4-FFF2-40B4-BE49-F238E27FC236}">
-                <a16:creationId xmlns:a16="http://schemas.microsoft.com/office/drawing/2014/main" id="{0A925D63-E4C4-4D21-A0F4-07DA2168DD13}"/>
-              </a:ext>
-            </a:extLst>
-          </p:cNvPr>
-          <p:cNvSpPr txBox="1"/>
-          <p:nvPr/>
-        </p:nvSpPr>
-        <p:spPr>
-          <a:xfrm>
-            <a:off x="10436209" y="4809985"/>
-            <a:ext cx="1721888" cy="461665"/>
-          </a:xfrm>
-          <a:prstGeom prst="rect">
-            <a:avLst/>
-          </a:prstGeom>
-          <a:noFill/>
-        </p:spPr>
-        <p:txBody>
-          <a:bodyPr wrap="square" rtlCol="0">
-            <a:spAutoFit/>
-          </a:bodyPr>
-          <a:lstStyle/>
-          <a:p>
-            <a:r>
-              <a:rPr kumimoji="1" lang="ja-JP" altLang="en-US" sz="2400" b="1" dirty="0">
+              <a:t>左</a:t>
+            </a:r>
+            <a:r>
+              <a:rPr kumimoji="1" lang="ja-JP" altLang="en-US" sz="3600" b="1" dirty="0">
                 <a:solidFill>
-                  <a:schemeClr val="bg1"/>
+                  <a:schemeClr val="accent4">
+                    <a:lumMod val="75000"/>
+                  </a:schemeClr>
                 </a:solidFill>
-                <a:effectLst/>
+                <a:effectLst>
+                  <a:glow rad="368300">
+                    <a:schemeClr val="bg1"/>
+                  </a:glow>
+                </a:effectLst>
               </a:rPr>
-              <a:t>納豆を練る</a:t>
+              <a:t>クリックで糸発射</a:t>
             </a:r>
           </a:p>
         </p:txBody>
@@ -11811,7 +11085,7 @@
     </p:spTree>
     <p:extLst>
       <p:ext uri="{BB962C8B-B14F-4D97-AF65-F5344CB8AC3E}">
-        <p14:creationId xmlns:p14="http://schemas.microsoft.com/office/powerpoint/2010/main" val="3986997235"/>
+        <p14:creationId xmlns:p14="http://schemas.microsoft.com/office/powerpoint/2010/main" val="1284272602"/>
       </p:ext>
     </p:extLst>
   </p:cSld>
@@ -12102,12 +11376,26 @@
           <a:p>
             <a:r>
               <a:rPr kumimoji="1" lang="en-US" altLang="ja-JP" sz="4400" b="1" dirty="0">
+                <a:effectLst>
+                  <a:glow rad="101600">
+                    <a:schemeClr val="bg1">
+                      <a:alpha val="60000"/>
+                    </a:schemeClr>
+                  </a:glow>
+                </a:effectLst>
                 <a:latin typeface="Agency FB" panose="020B0503020202020204" pitchFamily="34" charset="0"/>
                 <a:ea typeface="Meiryo UI" panose="020B0604030504040204" pitchFamily="50" charset="-128"/>
               </a:rPr>
               <a:t>GAME CYCLE</a:t>
             </a:r>
             <a:endParaRPr kumimoji="1" lang="ja-JP" altLang="en-US" sz="4400" b="1" dirty="0">
+              <a:effectLst>
+                <a:glow rad="101600">
+                  <a:schemeClr val="bg1">
+                    <a:alpha val="60000"/>
+                  </a:schemeClr>
+                </a:glow>
+              </a:effectLst>
               <a:latin typeface="Agency FB" panose="020B0503020202020204" pitchFamily="34" charset="0"/>
               <a:ea typeface="Meiryo UI" panose="020B0604030504040204" pitchFamily="50" charset="-128"/>
             </a:endParaRPr>
@@ -12140,10 +11428,15 @@
             </a:schemeClr>
           </a:solidFill>
           <a:ln w="28575">
-            <a:solidFill>
-              <a:schemeClr val="tx1"/>
-            </a:solidFill>
+            <a:noFill/>
           </a:ln>
+          <a:effectLst>
+            <a:glow rad="127000">
+              <a:schemeClr val="tx1">
+                <a:alpha val="50000"/>
+              </a:schemeClr>
+            </a:glow>
+          </a:effectLst>
         </p:spPr>
         <p:style>
           <a:lnRef idx="2">
@@ -12196,10 +11489,15 @@
             </a:schemeClr>
           </a:solidFill>
           <a:ln w="28575">
-            <a:solidFill>
-              <a:schemeClr val="tx1"/>
-            </a:solidFill>
+            <a:noFill/>
           </a:ln>
+          <a:effectLst>
+            <a:glow rad="127000">
+              <a:schemeClr val="tx1">
+                <a:alpha val="50000"/>
+              </a:schemeClr>
+            </a:glow>
+          </a:effectLst>
         </p:spPr>
         <p:style>
           <a:lnRef idx="2">
@@ -12252,10 +11550,15 @@
             </a:schemeClr>
           </a:solidFill>
           <a:ln w="28575">
-            <a:solidFill>
-              <a:schemeClr val="tx1"/>
-            </a:solidFill>
+            <a:noFill/>
           </a:ln>
+          <a:effectLst>
+            <a:glow rad="127000">
+              <a:schemeClr val="tx1">
+                <a:alpha val="50000"/>
+              </a:schemeClr>
+            </a:glow>
+          </a:effectLst>
         </p:spPr>
         <p:style>
           <a:lnRef idx="2">
@@ -12308,10 +11611,15 @@
             </a:schemeClr>
           </a:solidFill>
           <a:ln w="28575">
-            <a:solidFill>
-              <a:schemeClr val="tx1"/>
-            </a:solidFill>
+            <a:noFill/>
           </a:ln>
+          <a:effectLst>
+            <a:glow rad="127000">
+              <a:schemeClr val="tx1">
+                <a:alpha val="50000"/>
+              </a:schemeClr>
+            </a:glow>
+          </a:effectLst>
         </p:spPr>
         <p:style>
           <a:lnRef idx="2">
@@ -12514,7 +11822,7 @@
         </p:nvSpPr>
         <p:spPr>
           <a:xfrm>
-            <a:off x="3526711" y="915912"/>
+            <a:off x="3669321" y="933394"/>
             <a:ext cx="2086747" cy="369332"/>
           </a:xfrm>
           <a:prstGeom prst="rect">
@@ -12533,7 +11841,14 @@
                 <a:latin typeface="Meiryo UI" panose="020B0604030504040204" pitchFamily="50" charset="-128"/>
                 <a:ea typeface="Meiryo UI" panose="020B0604030504040204" pitchFamily="50" charset="-128"/>
               </a:rPr>
-              <a:t>糸を伸ばして進め！</a:t>
+              <a:t>糸を伸ばして</a:t>
+            </a:r>
+            <a:r>
+              <a:rPr lang="en-US" altLang="ja-JP" dirty="0">
+                <a:latin typeface="Meiryo UI" panose="020B0604030504040204" pitchFamily="50" charset="-128"/>
+                <a:ea typeface="Meiryo UI" panose="020B0604030504040204" pitchFamily="50" charset="-128"/>
+              </a:rPr>
+              <a:t>…</a:t>
             </a:r>
             <a:endParaRPr kumimoji="1" lang="ja-JP" altLang="en-US" dirty="0">
               <a:latin typeface="Meiryo UI" panose="020B0604030504040204" pitchFamily="50" charset="-128"/>
@@ -12570,20 +11885,6 @@
           </a:bodyPr>
           <a:lstStyle/>
           <a:p>
-            <a:r>
-              <a:rPr kumimoji="1" lang="ja-JP" altLang="en-US" dirty="0">
-                <a:latin typeface="Meiryo UI" panose="020B0604030504040204" pitchFamily="50" charset="-128"/>
-                <a:ea typeface="Meiryo UI" panose="020B0604030504040204" pitchFamily="50" charset="-128"/>
-              </a:rPr>
-              <a:t>色んなルートを辿って</a:t>
-            </a:r>
-            <a:r>
-              <a:rPr kumimoji="1" lang="en-US" altLang="ja-JP" dirty="0">
-                <a:latin typeface="Meiryo UI" panose="020B0604030504040204" pitchFamily="50" charset="-128"/>
-                <a:ea typeface="Meiryo UI" panose="020B0604030504040204" pitchFamily="50" charset="-128"/>
-              </a:rPr>
-              <a:t>…</a:t>
-            </a:r>
             <a:endParaRPr kumimoji="1" lang="ja-JP" altLang="en-US" dirty="0">
               <a:latin typeface="Meiryo UI" panose="020B0604030504040204" pitchFamily="50" charset="-128"/>
               <a:ea typeface="Meiryo UI" panose="020B0604030504040204" pitchFamily="50" charset="-128"/>
@@ -12628,6 +11929,13 @@
             </a:r>
             <a:r>
               <a:rPr kumimoji="1" lang="ja-JP" altLang="en-US" sz="3200" b="1" dirty="0">
+                <a:effectLst>
+                  <a:glow rad="101600">
+                    <a:schemeClr val="bg1">
+                      <a:alpha val="60000"/>
+                    </a:schemeClr>
+                  </a:glow>
+                </a:effectLst>
                 <a:latin typeface="Meiryo UI" panose="020B0604030504040204" pitchFamily="50" charset="-128"/>
                 <a:ea typeface="Meiryo UI" panose="020B0604030504040204" pitchFamily="50" charset="-128"/>
               </a:rPr>
@@ -12662,10 +11970,15 @@
             </a:schemeClr>
           </a:solidFill>
           <a:ln w="28575">
-            <a:solidFill>
-              <a:schemeClr val="tx1"/>
-            </a:solidFill>
+            <a:noFill/>
           </a:ln>
+          <a:effectLst>
+            <a:glow rad="127000">
+              <a:schemeClr val="tx1">
+                <a:alpha val="50000"/>
+              </a:schemeClr>
+            </a:glow>
+          </a:effectLst>
         </p:spPr>
         <p:style>
           <a:lnRef idx="2">
@@ -12838,7 +12151,7 @@
         </p:nvGrpSpPr>
         <p:grpSpPr>
           <a:xfrm>
-            <a:off x="3452961" y="1293773"/>
+            <a:off x="3426139" y="1346277"/>
             <a:ext cx="2096697" cy="1285881"/>
             <a:chOff x="1991048" y="471059"/>
             <a:chExt cx="8490706" cy="5207252"/>
@@ -12981,53 +12294,6 @@
               </a:p>
             </p:txBody>
           </p:sp>
-          <p:pic>
-            <p:nvPicPr>
-              <p:cNvPr id="141" name="Picture 2" descr="ハイジャンプ">
-                <a:extLst>
-                  <a:ext uri="{FF2B5EF4-FFF2-40B4-BE49-F238E27FC236}">
-                    <a16:creationId xmlns:a16="http://schemas.microsoft.com/office/drawing/2014/main" id="{D2B8AE81-6D45-45B4-9C89-0AB9765940AE}"/>
-                  </a:ext>
-                </a:extLst>
-              </p:cNvPr>
-              <p:cNvPicPr>
-                <a:picLocks noChangeAspect="1" noChangeArrowheads="1"/>
-              </p:cNvPicPr>
-              <p:nvPr/>
-            </p:nvPicPr>
-            <p:blipFill>
-              <a:blip r:embed="rId5">
-                <a:extLst>
-                  <a:ext uri="{28A0092B-C50C-407E-A947-70E740481C1C}">
-                    <a14:useLocalDpi xmlns:a14="http://schemas.microsoft.com/office/drawing/2010/main" val="0"/>
-                  </a:ext>
-                </a:extLst>
-              </a:blip>
-              <a:srcRect/>
-              <a:stretch>
-                <a:fillRect/>
-              </a:stretch>
-            </p:blipFill>
-            <p:spPr bwMode="auto">
-              <a:xfrm flipH="1">
-                <a:off x="3180697" y="4024626"/>
-                <a:ext cx="716701" cy="716701"/>
-              </a:xfrm>
-              <a:prstGeom prst="rect">
-                <a:avLst/>
-              </a:prstGeom>
-              <a:noFill/>
-              <a:extLst>
-                <a:ext uri="{909E8E84-426E-40DD-AFC4-6F175D3DCCD1}">
-                  <a14:hiddenFill xmlns:a14="http://schemas.microsoft.com/office/drawing/2010/main">
-                    <a:solidFill>
-                      <a:srgbClr val="FFFFFF"/>
-                    </a:solidFill>
-                  </a14:hiddenFill>
-                </a:ext>
-              </a:extLst>
-            </p:spPr>
-          </p:pic>
           <p:sp>
             <p:nvSpPr>
               <p:cNvPr id="142" name="正方形/長方形 141">
@@ -13043,7 +12309,7 @@
             <p:spPr>
               <a:xfrm>
                 <a:off x="2103329" y="4607622"/>
-                <a:ext cx="430437" cy="290561"/>
+                <a:ext cx="528401" cy="290562"/>
               </a:xfrm>
               <a:prstGeom prst="rect">
                 <a:avLst/>
@@ -13474,11 +12740,11 @@
                 <p:nvPr/>
               </p:nvPicPr>
               <p:blipFill>
-                <a:blip r:embed="rId6">
+                <a:blip r:embed="rId5">
                   <a:extLst>
                     <a:ext uri="{BEBA8EAE-BF5A-486C-A8C5-ECC9F3942E4B}">
                       <a14:imgProps xmlns:a14="http://schemas.microsoft.com/office/drawing/2010/main">
-                        <a14:imgLayer r:embed="rId7">
+                        <a14:imgLayer r:embed="rId6">
                           <a14:imgEffect>
                             <a14:backgroundRemoval t="6641" b="92188" l="1563" r="99219">
                               <a14:foregroundMark x1="46875" y1="7031" x2="46875" y2="7031"/>
@@ -13533,7 +12799,7 @@
               <p:nvPr/>
             </p:nvPicPr>
             <p:blipFill>
-              <a:blip r:embed="rId8">
+              <a:blip r:embed="rId7">
                 <a:duotone>
                   <a:prstClr val="black"/>
                   <a:schemeClr val="tx2">
@@ -13548,8 +12814,8 @@
             </p:blipFill>
             <p:spPr>
               <a:xfrm>
-                <a:off x="3348360" y="4703730"/>
-                <a:ext cx="135767" cy="147248"/>
+                <a:off x="2495962" y="3741275"/>
+                <a:ext cx="135768" cy="147248"/>
               </a:xfrm>
               <a:prstGeom prst="rect">
                 <a:avLst/>
@@ -13571,15 +12837,15 @@
               <p:nvPr/>
             </p:nvPicPr>
             <p:blipFill>
-              <a:blip r:embed="rId8"/>
+              <a:blip r:embed="rId7"/>
               <a:stretch>
                 <a:fillRect/>
               </a:stretch>
             </p:blipFill>
             <p:spPr>
               <a:xfrm>
-                <a:off x="3230515" y="4700624"/>
-                <a:ext cx="135767" cy="147248"/>
+                <a:off x="2378116" y="3738169"/>
+                <a:ext cx="135768" cy="147248"/>
               </a:xfrm>
               <a:prstGeom prst="rect">
                 <a:avLst/>
@@ -13601,15 +12867,15 @@
               <p:nvPr/>
             </p:nvPicPr>
             <p:blipFill>
-              <a:blip r:embed="rId8"/>
+              <a:blip r:embed="rId7"/>
               <a:stretch>
                 <a:fillRect/>
               </a:stretch>
             </p:blipFill>
             <p:spPr>
               <a:xfrm>
-                <a:off x="3112670" y="4695924"/>
-                <a:ext cx="135767" cy="147248"/>
+                <a:off x="2260272" y="3733469"/>
+                <a:ext cx="135768" cy="147248"/>
               </a:xfrm>
               <a:prstGeom prst="rect">
                 <a:avLst/>
@@ -13630,9 +12896,9 @@
             </p:nvGrpSpPr>
             <p:grpSpPr>
               <a:xfrm>
-                <a:off x="3079598" y="4607622"/>
+                <a:off x="2218845" y="3622342"/>
                 <a:ext cx="456081" cy="66901"/>
-                <a:chOff x="1545915" y="4828699"/>
+                <a:chOff x="685162" y="3843419"/>
                 <a:chExt cx="456081" cy="66901"/>
               </a:xfrm>
             </p:grpSpPr>
@@ -13650,8 +12916,8 @@
               </p:nvSpPr>
               <p:spPr>
                 <a:xfrm>
-                  <a:off x="1700099" y="4828907"/>
-                  <a:ext cx="298979" cy="63281"/>
+                  <a:off x="839348" y="3843628"/>
+                  <a:ext cx="298979" cy="63280"/>
                 </a:xfrm>
                 <a:prstGeom prst="rect">
                   <a:avLst/>
@@ -13709,7 +12975,7 @@
               </p:nvSpPr>
               <p:spPr>
                 <a:xfrm>
-                  <a:off x="1550610" y="4830580"/>
+                  <a:off x="689859" y="3845305"/>
                   <a:ext cx="298979" cy="63281"/>
                 </a:xfrm>
                 <a:prstGeom prst="rect">
@@ -13768,7 +13034,7 @@
               </p:nvSpPr>
               <p:spPr>
                 <a:xfrm>
-                  <a:off x="1545915" y="4828699"/>
+                  <a:off x="685162" y="3843419"/>
                   <a:ext cx="456081" cy="66901"/>
                 </a:xfrm>
                 <a:prstGeom prst="rect">
@@ -13827,9 +13093,9 @@
               <p:nvPr/>
             </p:nvCxnSpPr>
             <p:spPr>
-              <a:xfrm flipH="1" flipV="1">
-                <a:off x="3362522" y="3921659"/>
-                <a:ext cx="229216" cy="322519"/>
+              <a:xfrm flipV="1">
+                <a:off x="2769923" y="3921659"/>
+                <a:ext cx="592601" cy="289909"/>
               </a:xfrm>
               <a:prstGeom prst="line">
                 <a:avLst/>
@@ -13872,9 +13138,9 @@
               <p:nvPr/>
             </p:nvCxnSpPr>
             <p:spPr>
-              <a:xfrm flipH="1" flipV="1">
-                <a:off x="3348360" y="3918338"/>
-                <a:ext cx="243378" cy="325841"/>
+              <a:xfrm flipV="1">
+                <a:off x="2762817" y="3918340"/>
+                <a:ext cx="585543" cy="296175"/>
               </a:xfrm>
               <a:prstGeom prst="line">
                 <a:avLst/>
@@ -13917,9 +13183,9 @@
               <p:nvPr/>
             </p:nvCxnSpPr>
             <p:spPr>
-              <a:xfrm flipH="1" flipV="1">
-                <a:off x="3341099" y="3927627"/>
-                <a:ext cx="250639" cy="316552"/>
+              <a:xfrm flipV="1">
+                <a:off x="2758023" y="3927626"/>
+                <a:ext cx="583077" cy="292842"/>
               </a:xfrm>
               <a:prstGeom prst="line">
                 <a:avLst/>
@@ -13961,7 +13227,7 @@
             </p:nvSpPr>
             <p:spPr>
               <a:xfrm>
-                <a:off x="3545910" y="3675808"/>
+                <a:off x="3514961" y="3628309"/>
                 <a:ext cx="836971" cy="148130"/>
               </a:xfrm>
               <a:prstGeom prst="rect">
@@ -14047,8 +13313,8 @@
           </p:nvSpPr>
           <p:spPr>
             <a:xfrm>
-              <a:off x="8769768" y="4327410"/>
-              <a:ext cx="1519758" cy="929064"/>
+              <a:off x="8753814" y="4294540"/>
+              <a:ext cx="1519756" cy="929062"/>
             </a:xfrm>
             <a:prstGeom prst="rect">
               <a:avLst/>
@@ -14102,7 +13368,7 @@
             <p:nvPr/>
           </p:nvPicPr>
           <p:blipFill>
-            <a:blip r:embed="rId9">
+            <a:blip r:embed="rId8">
               <a:duotone>
                 <a:schemeClr val="accent4">
                   <a:shade val="45000"/>
@@ -14141,9 +13407,9 @@
             <p:nvPr/>
           </p:nvCxnSpPr>
           <p:spPr>
-            <a:xfrm flipH="1" flipV="1">
-              <a:off x="6567662" y="2023939"/>
-              <a:ext cx="932600" cy="1070284"/>
+            <a:xfrm flipV="1">
+              <a:off x="4478042" y="2023940"/>
+              <a:ext cx="2089619" cy="1001140"/>
             </a:xfrm>
             <a:prstGeom prst="line">
               <a:avLst/>
@@ -14172,12 +13438,94 @@
           </p:style>
         </p:cxnSp>
       </p:grpSp>
+      <p:sp>
+        <p:nvSpPr>
+          <p:cNvPr id="162" name="正方形/長方形 161">
+            <a:extLst>
+              <a:ext uri="{FF2B5EF4-FFF2-40B4-BE49-F238E27FC236}">
+                <a16:creationId xmlns:a16="http://schemas.microsoft.com/office/drawing/2014/main" id="{5E6B6A07-635F-4937-BC4B-D9BF47920BE7}"/>
+              </a:ext>
+            </a:extLst>
+          </p:cNvPr>
+          <p:cNvSpPr/>
+          <p:nvPr/>
+        </p:nvSpPr>
+        <p:spPr>
+          <a:xfrm>
+            <a:off x="9384552" y="1451125"/>
+            <a:ext cx="2036416" cy="1156533"/>
+          </a:xfrm>
+          <a:prstGeom prst="rect">
+            <a:avLst/>
+          </a:prstGeom>
+          <a:solidFill>
+            <a:schemeClr val="accent5">
+              <a:lumMod val="40000"/>
+              <a:lumOff val="60000"/>
+            </a:schemeClr>
+          </a:solidFill>
+        </p:spPr>
+        <p:style>
+          <a:lnRef idx="2">
+            <a:schemeClr val="accent1">
+              <a:shade val="50000"/>
+            </a:schemeClr>
+          </a:lnRef>
+          <a:fillRef idx="1">
+            <a:schemeClr val="accent1"/>
+          </a:fillRef>
+          <a:effectRef idx="0">
+            <a:schemeClr val="accent1"/>
+          </a:effectRef>
+          <a:fontRef idx="minor">
+            <a:schemeClr val="lt1"/>
+          </a:fontRef>
+        </p:style>
+        <p:txBody>
+          <a:bodyPr rtlCol="0" anchor="ctr"/>
+          <a:lstStyle/>
+          <a:p>
+            <a:pPr algn="ctr"/>
+            <a:endParaRPr kumimoji="1" lang="ja-JP" altLang="en-US" dirty="0"/>
+          </a:p>
+        </p:txBody>
+      </p:sp>
+      <p:pic>
+        <p:nvPicPr>
+          <p:cNvPr id="163" name="図 162">
+            <a:extLst>
+              <a:ext uri="{FF2B5EF4-FFF2-40B4-BE49-F238E27FC236}">
+                <a16:creationId xmlns:a16="http://schemas.microsoft.com/office/drawing/2014/main" id="{EC7AECE3-1FF5-44F7-8786-DEE4B3988421}"/>
+              </a:ext>
+            </a:extLst>
+          </p:cNvPr>
+          <p:cNvPicPr>
+            <a:picLocks noChangeAspect="1"/>
+          </p:cNvPicPr>
+          <p:nvPr/>
+        </p:nvPicPr>
+        <p:blipFill>
+          <a:blip r:embed="rId9"/>
+          <a:stretch>
+            <a:fillRect/>
+          </a:stretch>
+        </p:blipFill>
+        <p:spPr>
+          <a:xfrm>
+            <a:off x="11106094" y="1555126"/>
+            <a:ext cx="303233" cy="920157"/>
+          </a:xfrm>
+          <a:prstGeom prst="rect">
+            <a:avLst/>
+          </a:prstGeom>
+        </p:spPr>
+      </p:pic>
       <p:grpSp>
         <p:nvGrpSpPr>
-          <p:cNvPr id="161" name="グループ化 160">
+          <p:cNvPr id="164" name="グループ化 163">
             <a:extLst>
               <a:ext uri="{FF2B5EF4-FFF2-40B4-BE49-F238E27FC236}">
-                <a16:creationId xmlns:a16="http://schemas.microsoft.com/office/drawing/2014/main" id="{5B962FF0-B2BF-4C46-9189-8BB0AAE97EFE}"/>
+                <a16:creationId xmlns:a16="http://schemas.microsoft.com/office/drawing/2014/main" id="{AE4440E2-A3BA-415F-9520-B0A1F339BFCA}"/>
               </a:ext>
             </a:extLst>
           </p:cNvPr>
@@ -14188,38 +13536,208 @@
         </p:nvGrpSpPr>
         <p:grpSpPr>
           <a:xfrm>
-            <a:off x="9320278" y="1407406"/>
-            <a:ext cx="2220889" cy="1302071"/>
-            <a:chOff x="3108495" y="2441690"/>
-            <a:chExt cx="4247670" cy="2490340"/>
+            <a:off x="9345158" y="1412378"/>
+            <a:ext cx="2123097" cy="1302071"/>
+            <a:chOff x="2197364" y="3858340"/>
+            <a:chExt cx="3318083" cy="2076803"/>
           </a:xfrm>
         </p:grpSpPr>
         <p:sp>
           <p:nvSpPr>
-            <p:cNvPr id="162" name="正方形/長方形 161">
+            <p:cNvPr id="177" name="テキスト ボックス 176">
               <a:extLst>
                 <a:ext uri="{FF2B5EF4-FFF2-40B4-BE49-F238E27FC236}">
-                  <a16:creationId xmlns:a16="http://schemas.microsoft.com/office/drawing/2014/main" id="{5E6B6A07-635F-4937-BC4B-D9BF47920BE7}"/>
+                  <a16:creationId xmlns:a16="http://schemas.microsoft.com/office/drawing/2014/main" id="{BB43517C-A48B-4B7E-9FE4-B884053EEDA0}"/>
                 </a:ext>
               </a:extLst>
             </p:cNvPr>
-            <p:cNvSpPr/>
+            <p:cNvSpPr txBox="1"/>
             <p:nvPr/>
           </p:nvSpPr>
           <p:spPr>
             <a:xfrm>
-              <a:off x="3183839" y="2515797"/>
-              <a:ext cx="3894847" cy="2211984"/>
+              <a:off x="2276872" y="4052900"/>
+              <a:ext cx="184731" cy="200055"/>
             </a:xfrm>
             <a:prstGeom prst="rect">
               <a:avLst/>
             </a:prstGeom>
+            <a:noFill/>
+          </p:spPr>
+          <p:txBody>
+            <a:bodyPr wrap="none" rtlCol="0">
+              <a:spAutoFit/>
+            </a:bodyPr>
+            <a:lstStyle/>
+            <a:p>
+              <a:endParaRPr kumimoji="1" lang="ja-JP" altLang="en-US" sz="700" dirty="0">
+                <a:latin typeface="メイリオ" panose="020B0604030504040204" pitchFamily="50" charset="-128"/>
+                <a:ea typeface="メイリオ" panose="020B0604030504040204" pitchFamily="50" charset="-128"/>
+              </a:endParaRPr>
+            </a:p>
+          </p:txBody>
+        </p:sp>
+        <p:sp>
+          <p:nvSpPr>
+            <p:cNvPr id="178" name="フリーフォーム: 図形 177">
+              <a:extLst>
+                <a:ext uri="{FF2B5EF4-FFF2-40B4-BE49-F238E27FC236}">
+                  <a16:creationId xmlns:a16="http://schemas.microsoft.com/office/drawing/2014/main" id="{0E69CDCA-B388-40D1-88FF-B1C4F8D71588}"/>
+                </a:ext>
+              </a:extLst>
+            </p:cNvPr>
+            <p:cNvSpPr>
+              <a:spLocks noChangeAspect="1"/>
+            </p:cNvSpPr>
+            <p:nvPr/>
+          </p:nvSpPr>
+          <p:spPr>
+            <a:xfrm>
+              <a:off x="2197364" y="3858340"/>
+              <a:ext cx="3318083" cy="2076803"/>
+            </a:xfrm>
+            <a:custGeom>
+              <a:avLst/>
+              <a:gdLst>
+                <a:gd name="connsiteX0" fmla="*/ 109938 w 3985260"/>
+                <a:gd name="connsiteY0" fmla="*/ 102302 h 2415540"/>
+                <a:gd name="connsiteX1" fmla="*/ 109938 w 3985260"/>
+                <a:gd name="connsiteY1" fmla="*/ 2217420 h 2415540"/>
+                <a:gd name="connsiteX2" fmla="*/ 3891273 w 3985260"/>
+                <a:gd name="connsiteY2" fmla="*/ 2217420 h 2415540"/>
+                <a:gd name="connsiteX3" fmla="*/ 3891273 w 3985260"/>
+                <a:gd name="connsiteY3" fmla="*/ 102302 h 2415540"/>
+                <a:gd name="connsiteX4" fmla="*/ 124449 w 3985260"/>
+                <a:gd name="connsiteY4" fmla="*/ 0 h 2415540"/>
+                <a:gd name="connsiteX5" fmla="*/ 3860811 w 3985260"/>
+                <a:gd name="connsiteY5" fmla="*/ 0 h 2415540"/>
+                <a:gd name="connsiteX6" fmla="*/ 3985260 w 3985260"/>
+                <a:gd name="connsiteY6" fmla="*/ 124449 h 2415540"/>
+                <a:gd name="connsiteX7" fmla="*/ 3985260 w 3985260"/>
+                <a:gd name="connsiteY7" fmla="*/ 2291091 h 2415540"/>
+                <a:gd name="connsiteX8" fmla="*/ 3860811 w 3985260"/>
+                <a:gd name="connsiteY8" fmla="*/ 2415540 h 2415540"/>
+                <a:gd name="connsiteX9" fmla="*/ 124449 w 3985260"/>
+                <a:gd name="connsiteY9" fmla="*/ 2415540 h 2415540"/>
+                <a:gd name="connsiteX10" fmla="*/ 0 w 3985260"/>
+                <a:gd name="connsiteY10" fmla="*/ 2291091 h 2415540"/>
+                <a:gd name="connsiteX11" fmla="*/ 0 w 3985260"/>
+                <a:gd name="connsiteY11" fmla="*/ 124449 h 2415540"/>
+                <a:gd name="connsiteX12" fmla="*/ 124449 w 3985260"/>
+                <a:gd name="connsiteY12" fmla="*/ 0 h 2415540"/>
+              </a:gdLst>
+              <a:ahLst/>
+              <a:cxnLst>
+                <a:cxn ang="0">
+                  <a:pos x="connsiteX0" y="connsiteY0"/>
+                </a:cxn>
+                <a:cxn ang="0">
+                  <a:pos x="connsiteX1" y="connsiteY1"/>
+                </a:cxn>
+                <a:cxn ang="0">
+                  <a:pos x="connsiteX2" y="connsiteY2"/>
+                </a:cxn>
+                <a:cxn ang="0">
+                  <a:pos x="connsiteX3" y="connsiteY3"/>
+                </a:cxn>
+                <a:cxn ang="0">
+                  <a:pos x="connsiteX4" y="connsiteY4"/>
+                </a:cxn>
+                <a:cxn ang="0">
+                  <a:pos x="connsiteX5" y="connsiteY5"/>
+                </a:cxn>
+                <a:cxn ang="0">
+                  <a:pos x="connsiteX6" y="connsiteY6"/>
+                </a:cxn>
+                <a:cxn ang="0">
+                  <a:pos x="connsiteX7" y="connsiteY7"/>
+                </a:cxn>
+                <a:cxn ang="0">
+                  <a:pos x="connsiteX8" y="connsiteY8"/>
+                </a:cxn>
+                <a:cxn ang="0">
+                  <a:pos x="connsiteX9" y="connsiteY9"/>
+                </a:cxn>
+                <a:cxn ang="0">
+                  <a:pos x="connsiteX10" y="connsiteY10"/>
+                </a:cxn>
+                <a:cxn ang="0">
+                  <a:pos x="connsiteX11" y="connsiteY11"/>
+                </a:cxn>
+                <a:cxn ang="0">
+                  <a:pos x="connsiteX12" y="connsiteY12"/>
+                </a:cxn>
+              </a:cxnLst>
+              <a:rect l="l" t="t" r="r" b="b"/>
+              <a:pathLst>
+                <a:path w="3985260" h="2415540">
+                  <a:moveTo>
+                    <a:pt x="109938" y="102302"/>
+                  </a:moveTo>
+                  <a:lnTo>
+                    <a:pt x="109938" y="2217420"/>
+                  </a:lnTo>
+                  <a:lnTo>
+                    <a:pt x="3891273" y="2217420"/>
+                  </a:lnTo>
+                  <a:lnTo>
+                    <a:pt x="3891273" y="102302"/>
+                  </a:lnTo>
+                  <a:close/>
+                  <a:moveTo>
+                    <a:pt x="124449" y="0"/>
+                  </a:moveTo>
+                  <a:lnTo>
+                    <a:pt x="3860811" y="0"/>
+                  </a:lnTo>
+                  <a:cubicBezTo>
+                    <a:pt x="3929542" y="0"/>
+                    <a:pt x="3985260" y="55718"/>
+                    <a:pt x="3985260" y="124449"/>
+                  </a:cubicBezTo>
+                  <a:lnTo>
+                    <a:pt x="3985260" y="2291091"/>
+                  </a:lnTo>
+                  <a:cubicBezTo>
+                    <a:pt x="3985260" y="2359822"/>
+                    <a:pt x="3929542" y="2415540"/>
+                    <a:pt x="3860811" y="2415540"/>
+                  </a:cubicBezTo>
+                  <a:lnTo>
+                    <a:pt x="124449" y="2415540"/>
+                  </a:lnTo>
+                  <a:cubicBezTo>
+                    <a:pt x="55718" y="2415540"/>
+                    <a:pt x="0" y="2359822"/>
+                    <a:pt x="0" y="2291091"/>
+                  </a:cubicBezTo>
+                  <a:lnTo>
+                    <a:pt x="0" y="124449"/>
+                  </a:lnTo>
+                  <a:cubicBezTo>
+                    <a:pt x="0" y="55718"/>
+                    <a:pt x="55718" y="0"/>
+                    <a:pt x="124449" y="0"/>
+                  </a:cubicBezTo>
+                  <a:close/>
+                </a:path>
+              </a:pathLst>
+            </a:custGeom>
             <a:solidFill>
-              <a:schemeClr val="accent5">
-                <a:lumMod val="40000"/>
-                <a:lumOff val="60000"/>
+              <a:schemeClr val="tx1">
+                <a:lumMod val="50000"/>
+                <a:lumOff val="50000"/>
               </a:schemeClr>
             </a:solidFill>
+            <a:ln>
+              <a:solidFill>
+                <a:schemeClr val="tx1">
+                  <a:lumMod val="75000"/>
+                  <a:lumOff val="25000"/>
+                </a:schemeClr>
+              </a:solidFill>
+            </a:ln>
+            <a:effectLst/>
           </p:spPr>
           <p:style>
             <a:lnRef idx="2">
@@ -14238,7 +13756,9 @@
             </a:fontRef>
           </p:style>
           <p:txBody>
-            <a:bodyPr rtlCol="0" anchor="ctr"/>
+            <a:bodyPr wrap="square" rtlCol="0" anchor="ctr">
+              <a:noAutofit/>
+            </a:bodyPr>
             <a:lstStyle/>
             <a:p>
               <a:pPr algn="ctr"/>
@@ -14246,12 +13766,87 @@
             </a:p>
           </p:txBody>
         </p:sp>
+      </p:grpSp>
+      <p:sp>
+        <p:nvSpPr>
+          <p:cNvPr id="165" name="正方形/長方形 164">
+            <a:extLst>
+              <a:ext uri="{FF2B5EF4-FFF2-40B4-BE49-F238E27FC236}">
+                <a16:creationId xmlns:a16="http://schemas.microsoft.com/office/drawing/2014/main" id="{B1127D40-D9A9-445D-BA0D-2C83DD9C7EAD}"/>
+              </a:ext>
+            </a:extLst>
+          </p:cNvPr>
+          <p:cNvSpPr/>
+          <p:nvPr/>
+        </p:nvSpPr>
+        <p:spPr>
+          <a:xfrm>
+            <a:off x="9795707" y="2465445"/>
+            <a:ext cx="1613781" cy="142212"/>
+          </a:xfrm>
+          <a:prstGeom prst="rect">
+            <a:avLst/>
+          </a:prstGeom>
+          <a:solidFill>
+            <a:schemeClr val="bg1">
+              <a:lumMod val="75000"/>
+            </a:schemeClr>
+          </a:solidFill>
+          <a:ln>
+            <a:noFill/>
+          </a:ln>
+        </p:spPr>
+        <p:style>
+          <a:lnRef idx="2">
+            <a:schemeClr val="accent1">
+              <a:shade val="50000"/>
+            </a:schemeClr>
+          </a:lnRef>
+          <a:fillRef idx="1">
+            <a:schemeClr val="accent1"/>
+          </a:fillRef>
+          <a:effectRef idx="0">
+            <a:schemeClr val="accent1"/>
+          </a:effectRef>
+          <a:fontRef idx="minor">
+            <a:schemeClr val="lt1"/>
+          </a:fontRef>
+        </p:style>
+        <p:txBody>
+          <a:bodyPr rtlCol="0" anchor="ctr"/>
+          <a:lstStyle/>
+          <a:p>
+            <a:pPr algn="ctr"/>
+            <a:endParaRPr kumimoji="1" lang="ja-JP" altLang="en-US" dirty="0"/>
+          </a:p>
+        </p:txBody>
+      </p:sp>
+      <p:grpSp>
+        <p:nvGrpSpPr>
+          <p:cNvPr id="166" name="グループ化 165">
+            <a:extLst>
+              <a:ext uri="{FF2B5EF4-FFF2-40B4-BE49-F238E27FC236}">
+                <a16:creationId xmlns:a16="http://schemas.microsoft.com/office/drawing/2014/main" id="{9EDAD0C0-73E5-4D41-88B1-C8DE30C26EF4}"/>
+              </a:ext>
+            </a:extLst>
+          </p:cNvPr>
+          <p:cNvGrpSpPr/>
+          <p:nvPr/>
+        </p:nvGrpSpPr>
+        <p:grpSpPr>
+          <a:xfrm>
+            <a:off x="9492865" y="1532576"/>
+            <a:ext cx="402655" cy="214849"/>
+            <a:chOff x="4843720" y="4299518"/>
+            <a:chExt cx="770117" cy="410920"/>
+          </a:xfrm>
+        </p:grpSpPr>
         <p:pic>
           <p:nvPicPr>
-            <p:cNvPr id="163" name="図 162">
+            <p:cNvPr id="170" name="図 169">
               <a:extLst>
                 <a:ext uri="{FF2B5EF4-FFF2-40B4-BE49-F238E27FC236}">
-                  <a16:creationId xmlns:a16="http://schemas.microsoft.com/office/drawing/2014/main" id="{EC7AECE3-1FF5-44F7-8786-DEE4B3988421}"/>
+                  <a16:creationId xmlns:a16="http://schemas.microsoft.com/office/drawing/2014/main" id="{61D7D02E-0686-429B-B2DD-359BD9EFBEF4}"/>
                 </a:ext>
               </a:extLst>
             </p:cNvPr>
@@ -14261,15 +13856,83 @@
             <p:nvPr/>
           </p:nvPicPr>
           <p:blipFill>
-            <a:blip r:embed="rId10"/>
+            <a:blip r:embed="rId7">
+              <a:duotone>
+                <a:prstClr val="black"/>
+                <a:schemeClr val="tx2">
+                  <a:tint val="45000"/>
+                  <a:satMod val="400000"/>
+                </a:schemeClr>
+              </a:duotone>
+            </a:blip>
             <a:stretch>
               <a:fillRect/>
             </a:stretch>
           </p:blipFill>
           <p:spPr>
             <a:xfrm>
-              <a:off x="6476459" y="2714709"/>
-              <a:ext cx="579963" cy="1759891"/>
+              <a:off x="5297539" y="4461802"/>
+              <a:ext cx="229250" cy="248636"/>
+            </a:xfrm>
+            <a:prstGeom prst="rect">
+              <a:avLst/>
+            </a:prstGeom>
+          </p:spPr>
+        </p:pic>
+        <p:pic>
+          <p:nvPicPr>
+            <p:cNvPr id="171" name="図 170">
+              <a:extLst>
+                <a:ext uri="{FF2B5EF4-FFF2-40B4-BE49-F238E27FC236}">
+                  <a16:creationId xmlns:a16="http://schemas.microsoft.com/office/drawing/2014/main" id="{69545846-D0AB-4747-803A-A1298236E1DF}"/>
+                </a:ext>
+              </a:extLst>
+            </p:cNvPr>
+            <p:cNvPicPr>
+              <a:picLocks noChangeAspect="1"/>
+            </p:cNvPicPr>
+            <p:nvPr/>
+          </p:nvPicPr>
+          <p:blipFill>
+            <a:blip r:embed="rId7"/>
+            <a:stretch>
+              <a:fillRect/>
+            </a:stretch>
+          </p:blipFill>
+          <p:spPr>
+            <a:xfrm>
+              <a:off x="5098551" y="4456557"/>
+              <a:ext cx="229250" cy="248636"/>
+            </a:xfrm>
+            <a:prstGeom prst="rect">
+              <a:avLst/>
+            </a:prstGeom>
+          </p:spPr>
+        </p:pic>
+        <p:pic>
+          <p:nvPicPr>
+            <p:cNvPr id="172" name="図 171">
+              <a:extLst>
+                <a:ext uri="{FF2B5EF4-FFF2-40B4-BE49-F238E27FC236}">
+                  <a16:creationId xmlns:a16="http://schemas.microsoft.com/office/drawing/2014/main" id="{6CE34F21-8C0F-4699-A606-1006BDF36B2C}"/>
+                </a:ext>
+              </a:extLst>
+            </p:cNvPr>
+            <p:cNvPicPr>
+              <a:picLocks noChangeAspect="1"/>
+            </p:cNvPicPr>
+            <p:nvPr/>
+          </p:nvPicPr>
+          <p:blipFill>
+            <a:blip r:embed="rId7"/>
+            <a:stretch>
+              <a:fillRect/>
+            </a:stretch>
+          </p:blipFill>
+          <p:spPr>
+            <a:xfrm>
+              <a:off x="4899564" y="4448621"/>
+              <a:ext cx="229250" cy="248636"/>
             </a:xfrm>
             <a:prstGeom prst="rect">
               <a:avLst/>
@@ -14278,222 +13941,52 @@
         </p:pic>
         <p:grpSp>
           <p:nvGrpSpPr>
-            <p:cNvPr id="164" name="グループ化 163">
+            <p:cNvPr id="173" name="グループ化 172">
               <a:extLst>
                 <a:ext uri="{FF2B5EF4-FFF2-40B4-BE49-F238E27FC236}">
-                  <a16:creationId xmlns:a16="http://schemas.microsoft.com/office/drawing/2014/main" id="{AE4440E2-A3BA-415F-9520-B0A1F339BFCA}"/>
+                  <a16:creationId xmlns:a16="http://schemas.microsoft.com/office/drawing/2014/main" id="{B71FE17D-8EB0-46CE-A0ED-02B2E5E2A2EC}"/>
                 </a:ext>
               </a:extLst>
             </p:cNvPr>
-            <p:cNvGrpSpPr>
-              <a:grpSpLocks noChangeAspect="1"/>
-            </p:cNvGrpSpPr>
+            <p:cNvGrpSpPr/>
             <p:nvPr/>
           </p:nvGrpSpPr>
           <p:grpSpPr>
             <a:xfrm>
-              <a:off x="3108495" y="2441690"/>
-              <a:ext cx="4060633" cy="2490340"/>
-              <a:chOff x="2197364" y="3858340"/>
-              <a:chExt cx="3318083" cy="2076803"/>
+              <a:off x="4843720" y="4299518"/>
+              <a:ext cx="770117" cy="112966"/>
+              <a:chOff x="1545915" y="4828699"/>
+              <a:chExt cx="456081" cy="66901"/>
             </a:xfrm>
           </p:grpSpPr>
           <p:sp>
             <p:nvSpPr>
-              <p:cNvPr id="177" name="テキスト ボックス 176">
+              <p:cNvPr id="174" name="正方形/長方形 173">
                 <a:extLst>
                   <a:ext uri="{FF2B5EF4-FFF2-40B4-BE49-F238E27FC236}">
-                    <a16:creationId xmlns:a16="http://schemas.microsoft.com/office/drawing/2014/main" id="{BB43517C-A48B-4B7E-9FE4-B884053EEDA0}"/>
+                    <a16:creationId xmlns:a16="http://schemas.microsoft.com/office/drawing/2014/main" id="{3B41E0C2-5114-43D2-9ABB-7236C2F45585}"/>
                   </a:ext>
                 </a:extLst>
               </p:cNvPr>
-              <p:cNvSpPr txBox="1"/>
+              <p:cNvSpPr/>
               <p:nvPr/>
             </p:nvSpPr>
             <p:spPr>
               <a:xfrm>
-                <a:off x="2276872" y="4052900"/>
-                <a:ext cx="184731" cy="200055"/>
+                <a:off x="1700099" y="4828907"/>
+                <a:ext cx="298979" cy="63281"/>
               </a:xfrm>
               <a:prstGeom prst="rect">
                 <a:avLst/>
               </a:prstGeom>
-              <a:noFill/>
-            </p:spPr>
-            <p:txBody>
-              <a:bodyPr wrap="none" rtlCol="0">
-                <a:spAutoFit/>
-              </a:bodyPr>
-              <a:lstStyle/>
-              <a:p>
-                <a:endParaRPr kumimoji="1" lang="ja-JP" altLang="en-US" sz="700" dirty="0">
-                  <a:latin typeface="メイリオ" panose="020B0604030504040204" pitchFamily="50" charset="-128"/>
-                  <a:ea typeface="メイリオ" panose="020B0604030504040204" pitchFamily="50" charset="-128"/>
-                </a:endParaRPr>
-              </a:p>
-            </p:txBody>
-          </p:sp>
-          <p:sp>
-            <p:nvSpPr>
-              <p:cNvPr id="178" name="フリーフォーム: 図形 177">
-                <a:extLst>
-                  <a:ext uri="{FF2B5EF4-FFF2-40B4-BE49-F238E27FC236}">
-                    <a16:creationId xmlns:a16="http://schemas.microsoft.com/office/drawing/2014/main" id="{0E69CDCA-B388-40D1-88FF-B1C4F8D71588}"/>
-                  </a:ext>
-                </a:extLst>
-              </p:cNvPr>
-              <p:cNvSpPr>
-                <a:spLocks noChangeAspect="1"/>
-              </p:cNvSpPr>
-              <p:nvPr/>
-            </p:nvSpPr>
-            <p:spPr>
-              <a:xfrm>
-                <a:off x="2197364" y="3858340"/>
-                <a:ext cx="3318083" cy="2076803"/>
-              </a:xfrm>
-              <a:custGeom>
-                <a:avLst/>
-                <a:gdLst>
-                  <a:gd name="connsiteX0" fmla="*/ 109938 w 3985260"/>
-                  <a:gd name="connsiteY0" fmla="*/ 102302 h 2415540"/>
-                  <a:gd name="connsiteX1" fmla="*/ 109938 w 3985260"/>
-                  <a:gd name="connsiteY1" fmla="*/ 2217420 h 2415540"/>
-                  <a:gd name="connsiteX2" fmla="*/ 3891273 w 3985260"/>
-                  <a:gd name="connsiteY2" fmla="*/ 2217420 h 2415540"/>
-                  <a:gd name="connsiteX3" fmla="*/ 3891273 w 3985260"/>
-                  <a:gd name="connsiteY3" fmla="*/ 102302 h 2415540"/>
-                  <a:gd name="connsiteX4" fmla="*/ 124449 w 3985260"/>
-                  <a:gd name="connsiteY4" fmla="*/ 0 h 2415540"/>
-                  <a:gd name="connsiteX5" fmla="*/ 3860811 w 3985260"/>
-                  <a:gd name="connsiteY5" fmla="*/ 0 h 2415540"/>
-                  <a:gd name="connsiteX6" fmla="*/ 3985260 w 3985260"/>
-                  <a:gd name="connsiteY6" fmla="*/ 124449 h 2415540"/>
-                  <a:gd name="connsiteX7" fmla="*/ 3985260 w 3985260"/>
-                  <a:gd name="connsiteY7" fmla="*/ 2291091 h 2415540"/>
-                  <a:gd name="connsiteX8" fmla="*/ 3860811 w 3985260"/>
-                  <a:gd name="connsiteY8" fmla="*/ 2415540 h 2415540"/>
-                  <a:gd name="connsiteX9" fmla="*/ 124449 w 3985260"/>
-                  <a:gd name="connsiteY9" fmla="*/ 2415540 h 2415540"/>
-                  <a:gd name="connsiteX10" fmla="*/ 0 w 3985260"/>
-                  <a:gd name="connsiteY10" fmla="*/ 2291091 h 2415540"/>
-                  <a:gd name="connsiteX11" fmla="*/ 0 w 3985260"/>
-                  <a:gd name="connsiteY11" fmla="*/ 124449 h 2415540"/>
-                  <a:gd name="connsiteX12" fmla="*/ 124449 w 3985260"/>
-                  <a:gd name="connsiteY12" fmla="*/ 0 h 2415540"/>
-                </a:gdLst>
-                <a:ahLst/>
-                <a:cxnLst>
-                  <a:cxn ang="0">
-                    <a:pos x="connsiteX0" y="connsiteY0"/>
-                  </a:cxn>
-                  <a:cxn ang="0">
-                    <a:pos x="connsiteX1" y="connsiteY1"/>
-                  </a:cxn>
-                  <a:cxn ang="0">
-                    <a:pos x="connsiteX2" y="connsiteY2"/>
-                  </a:cxn>
-                  <a:cxn ang="0">
-                    <a:pos x="connsiteX3" y="connsiteY3"/>
-                  </a:cxn>
-                  <a:cxn ang="0">
-                    <a:pos x="connsiteX4" y="connsiteY4"/>
-                  </a:cxn>
-                  <a:cxn ang="0">
-                    <a:pos x="connsiteX5" y="connsiteY5"/>
-                  </a:cxn>
-                  <a:cxn ang="0">
-                    <a:pos x="connsiteX6" y="connsiteY6"/>
-                  </a:cxn>
-                  <a:cxn ang="0">
-                    <a:pos x="connsiteX7" y="connsiteY7"/>
-                  </a:cxn>
-                  <a:cxn ang="0">
-                    <a:pos x="connsiteX8" y="connsiteY8"/>
-                  </a:cxn>
-                  <a:cxn ang="0">
-                    <a:pos x="connsiteX9" y="connsiteY9"/>
-                  </a:cxn>
-                  <a:cxn ang="0">
-                    <a:pos x="connsiteX10" y="connsiteY10"/>
-                  </a:cxn>
-                  <a:cxn ang="0">
-                    <a:pos x="connsiteX11" y="connsiteY11"/>
-                  </a:cxn>
-                  <a:cxn ang="0">
-                    <a:pos x="connsiteX12" y="connsiteY12"/>
-                  </a:cxn>
-                </a:cxnLst>
-                <a:rect l="l" t="t" r="r" b="b"/>
-                <a:pathLst>
-                  <a:path w="3985260" h="2415540">
-                    <a:moveTo>
-                      <a:pt x="109938" y="102302"/>
-                    </a:moveTo>
-                    <a:lnTo>
-                      <a:pt x="109938" y="2217420"/>
-                    </a:lnTo>
-                    <a:lnTo>
-                      <a:pt x="3891273" y="2217420"/>
-                    </a:lnTo>
-                    <a:lnTo>
-                      <a:pt x="3891273" y="102302"/>
-                    </a:lnTo>
-                    <a:close/>
-                    <a:moveTo>
-                      <a:pt x="124449" y="0"/>
-                    </a:moveTo>
-                    <a:lnTo>
-                      <a:pt x="3860811" y="0"/>
-                    </a:lnTo>
-                    <a:cubicBezTo>
-                      <a:pt x="3929542" y="0"/>
-                      <a:pt x="3985260" y="55718"/>
-                      <a:pt x="3985260" y="124449"/>
-                    </a:cubicBezTo>
-                    <a:lnTo>
-                      <a:pt x="3985260" y="2291091"/>
-                    </a:lnTo>
-                    <a:cubicBezTo>
-                      <a:pt x="3985260" y="2359822"/>
-                      <a:pt x="3929542" y="2415540"/>
-                      <a:pt x="3860811" y="2415540"/>
-                    </a:cubicBezTo>
-                    <a:lnTo>
-                      <a:pt x="124449" y="2415540"/>
-                    </a:lnTo>
-                    <a:cubicBezTo>
-                      <a:pt x="55718" y="2415540"/>
-                      <a:pt x="0" y="2359822"/>
-                      <a:pt x="0" y="2291091"/>
-                    </a:cubicBezTo>
-                    <a:lnTo>
-                      <a:pt x="0" y="124449"/>
-                    </a:lnTo>
-                    <a:cubicBezTo>
-                      <a:pt x="0" y="55718"/>
-                      <a:pt x="55718" y="0"/>
-                      <a:pt x="124449" y="0"/>
-                    </a:cubicBezTo>
-                    <a:close/>
-                  </a:path>
-                </a:pathLst>
-              </a:custGeom>
               <a:solidFill>
-                <a:schemeClr val="tx1">
-                  <a:lumMod val="50000"/>
-                  <a:lumOff val="50000"/>
+                <a:schemeClr val="bg1">
+                  <a:lumMod val="95000"/>
                 </a:schemeClr>
               </a:solidFill>
-              <a:ln>
-                <a:solidFill>
-                  <a:schemeClr val="tx1">
-                    <a:lumMod val="75000"/>
-                    <a:lumOff val="25000"/>
-                  </a:schemeClr>
-                </a:solidFill>
+              <a:ln w="6350">
+                <a:noFill/>
               </a:ln>
-              <a:effectLst/>
             </p:spPr>
             <p:style>
               <a:lnRef idx="2">
@@ -14512,571 +14005,321 @@
               </a:fontRef>
             </p:style>
             <p:txBody>
-              <a:bodyPr wrap="square" rtlCol="0" anchor="ctr">
+              <a:bodyPr rot="0" spcFirstLastPara="0" vertOverflow="overflow" horzOverflow="overflow" vert="horz" wrap="square" lIns="91440" tIns="45720" rIns="91440" bIns="45720" numCol="1" spcCol="0" rtlCol="0" fromWordArt="0" anchor="ctr" anchorCtr="0" forceAA="0" compatLnSpc="1">
+                <a:prstTxWarp prst="textNoShape">
+                  <a:avLst/>
+                </a:prstTxWarp>
                 <a:noAutofit/>
               </a:bodyPr>
               <a:lstStyle/>
               <a:p>
                 <a:pPr algn="ctr"/>
-                <a:endParaRPr kumimoji="1" lang="ja-JP" altLang="en-US" dirty="0"/>
+                <a:endParaRPr kumimoji="1" lang="ja-JP" altLang="en-US"/>
+              </a:p>
+            </p:txBody>
+          </p:sp>
+          <p:sp>
+            <p:nvSpPr>
+              <p:cNvPr id="175" name="正方形/長方形 174">
+                <a:extLst>
+                  <a:ext uri="{FF2B5EF4-FFF2-40B4-BE49-F238E27FC236}">
+                    <a16:creationId xmlns:a16="http://schemas.microsoft.com/office/drawing/2014/main" id="{9843A4AB-7FF1-4838-95D9-99C3B5D01E52}"/>
+                  </a:ext>
+                </a:extLst>
+              </p:cNvPr>
+              <p:cNvSpPr/>
+              <p:nvPr/>
+            </p:nvSpPr>
+            <p:spPr>
+              <a:xfrm>
+                <a:off x="1550610" y="4830580"/>
+                <a:ext cx="298979" cy="63281"/>
+              </a:xfrm>
+              <a:prstGeom prst="rect">
+                <a:avLst/>
+              </a:prstGeom>
+              <a:solidFill>
+                <a:schemeClr val="accent2">
+                  <a:lumMod val="75000"/>
+                </a:schemeClr>
+              </a:solidFill>
+              <a:ln w="6350">
+                <a:noFill/>
+              </a:ln>
+            </p:spPr>
+            <p:style>
+              <a:lnRef idx="2">
+                <a:schemeClr val="accent1">
+                  <a:shade val="50000"/>
+                </a:schemeClr>
+              </a:lnRef>
+              <a:fillRef idx="1">
+                <a:schemeClr val="accent1"/>
+              </a:fillRef>
+              <a:effectRef idx="0">
+                <a:schemeClr val="accent1"/>
+              </a:effectRef>
+              <a:fontRef idx="minor">
+                <a:schemeClr val="lt1"/>
+              </a:fontRef>
+            </p:style>
+            <p:txBody>
+              <a:bodyPr rot="0" spcFirstLastPara="0" vertOverflow="overflow" horzOverflow="overflow" vert="horz" wrap="square" lIns="91440" tIns="45720" rIns="91440" bIns="45720" numCol="1" spcCol="0" rtlCol="0" fromWordArt="0" anchor="ctr" anchorCtr="0" forceAA="0" compatLnSpc="1">
+                <a:prstTxWarp prst="textNoShape">
+                  <a:avLst/>
+                </a:prstTxWarp>
+                <a:noAutofit/>
+              </a:bodyPr>
+              <a:lstStyle/>
+              <a:p>
+                <a:pPr algn="ctr"/>
+                <a:endParaRPr kumimoji="1" lang="ja-JP" altLang="en-US"/>
+              </a:p>
+            </p:txBody>
+          </p:sp>
+          <p:sp>
+            <p:nvSpPr>
+              <p:cNvPr id="176" name="正方形/長方形 175">
+                <a:extLst>
+                  <a:ext uri="{FF2B5EF4-FFF2-40B4-BE49-F238E27FC236}">
+                    <a16:creationId xmlns:a16="http://schemas.microsoft.com/office/drawing/2014/main" id="{4D98A3A2-800A-4AA9-A346-9D4943688FD7}"/>
+                  </a:ext>
+                </a:extLst>
+              </p:cNvPr>
+              <p:cNvSpPr/>
+              <p:nvPr/>
+            </p:nvSpPr>
+            <p:spPr>
+              <a:xfrm>
+                <a:off x="1545915" y="4828699"/>
+                <a:ext cx="456081" cy="66901"/>
+              </a:xfrm>
+              <a:prstGeom prst="rect">
+                <a:avLst/>
+              </a:prstGeom>
+              <a:noFill/>
+              <a:ln w="9525">
+                <a:solidFill>
+                  <a:schemeClr val="tx1"/>
+                </a:solidFill>
+              </a:ln>
+            </p:spPr>
+            <p:style>
+              <a:lnRef idx="2">
+                <a:schemeClr val="accent1">
+                  <a:shade val="50000"/>
+                </a:schemeClr>
+              </a:lnRef>
+              <a:fillRef idx="1">
+                <a:schemeClr val="accent1"/>
+              </a:fillRef>
+              <a:effectRef idx="0">
+                <a:schemeClr val="accent1"/>
+              </a:effectRef>
+              <a:fontRef idx="minor">
+                <a:schemeClr val="lt1"/>
+              </a:fontRef>
+            </p:style>
+            <p:txBody>
+              <a:bodyPr rot="0" spcFirstLastPara="0" vertOverflow="overflow" horzOverflow="overflow" vert="horz" wrap="square" lIns="91440" tIns="45720" rIns="91440" bIns="45720" numCol="1" spcCol="0" rtlCol="0" fromWordArt="0" anchor="ctr" anchorCtr="0" forceAA="0" compatLnSpc="1">
+                <a:prstTxWarp prst="textNoShape">
+                  <a:avLst/>
+                </a:prstTxWarp>
+                <a:noAutofit/>
+              </a:bodyPr>
+              <a:lstStyle/>
+              <a:p>
+                <a:pPr algn="ctr"/>
+                <a:endParaRPr kumimoji="1" lang="ja-JP" altLang="en-US"/>
               </a:p>
             </p:txBody>
           </p:sp>
         </p:grpSp>
-        <p:sp>
-          <p:nvSpPr>
-            <p:cNvPr id="165" name="正方形/長方形 164">
-              <a:extLst>
-                <a:ext uri="{FF2B5EF4-FFF2-40B4-BE49-F238E27FC236}">
-                  <a16:creationId xmlns:a16="http://schemas.microsoft.com/office/drawing/2014/main" id="{B1127D40-D9A9-445D-BA0D-2C83DD9C7EAD}"/>
-                </a:ext>
-              </a:extLst>
-            </p:cNvPr>
-            <p:cNvSpPr/>
-            <p:nvPr/>
-          </p:nvSpPr>
-          <p:spPr>
-            <a:xfrm>
-              <a:off x="3970214" y="4455786"/>
-              <a:ext cx="3086515" cy="271995"/>
-            </a:xfrm>
-            <a:prstGeom prst="rect">
-              <a:avLst/>
-            </a:prstGeom>
-            <a:solidFill>
-              <a:schemeClr val="bg1">
-                <a:lumMod val="75000"/>
-              </a:schemeClr>
-            </a:solidFill>
-            <a:ln>
-              <a:noFill/>
-            </a:ln>
-          </p:spPr>
-          <p:style>
-            <a:lnRef idx="2">
-              <a:schemeClr val="accent1">
-                <a:shade val="50000"/>
-              </a:schemeClr>
-            </a:lnRef>
-            <a:fillRef idx="1">
-              <a:schemeClr val="accent1"/>
-            </a:fillRef>
-            <a:effectRef idx="0">
-              <a:schemeClr val="accent1"/>
-            </a:effectRef>
-            <a:fontRef idx="minor">
-              <a:schemeClr val="lt1"/>
-            </a:fontRef>
-          </p:style>
-          <p:txBody>
-            <a:bodyPr rtlCol="0" anchor="ctr"/>
-            <a:lstStyle/>
-            <a:p>
-              <a:pPr algn="ctr"/>
-              <a:endParaRPr kumimoji="1" lang="ja-JP" altLang="en-US" dirty="0"/>
-            </a:p>
-          </p:txBody>
-        </p:sp>
-        <p:grpSp>
-          <p:nvGrpSpPr>
-            <p:cNvPr id="166" name="グループ化 165">
-              <a:extLst>
-                <a:ext uri="{FF2B5EF4-FFF2-40B4-BE49-F238E27FC236}">
-                  <a16:creationId xmlns:a16="http://schemas.microsoft.com/office/drawing/2014/main" id="{9EDAD0C0-73E5-4D41-88B1-C8DE30C26EF4}"/>
-                </a:ext>
-              </a:extLst>
-            </p:cNvPr>
-            <p:cNvGrpSpPr/>
-            <p:nvPr/>
-          </p:nvGrpSpPr>
-          <p:grpSpPr>
-            <a:xfrm>
-              <a:off x="4849166" y="4174429"/>
-              <a:ext cx="770117" cy="410920"/>
-              <a:chOff x="4843720" y="4299518"/>
-              <a:chExt cx="770117" cy="410920"/>
-            </a:xfrm>
-          </p:grpSpPr>
-          <p:pic>
-            <p:nvPicPr>
-              <p:cNvPr id="170" name="図 169">
-                <a:extLst>
-                  <a:ext uri="{FF2B5EF4-FFF2-40B4-BE49-F238E27FC236}">
-                    <a16:creationId xmlns:a16="http://schemas.microsoft.com/office/drawing/2014/main" id="{61D7D02E-0686-429B-B2DD-359BD9EFBEF4}"/>
-                  </a:ext>
-                </a:extLst>
-              </p:cNvPr>
-              <p:cNvPicPr>
-                <a:picLocks noChangeAspect="1"/>
-              </p:cNvPicPr>
-              <p:nvPr/>
-            </p:nvPicPr>
-            <p:blipFill>
-              <a:blip r:embed="rId8">
-                <a:duotone>
-                  <a:prstClr val="black"/>
-                  <a:schemeClr val="tx2">
-                    <a:tint val="45000"/>
-                    <a:satMod val="400000"/>
-                  </a:schemeClr>
-                </a:duotone>
-              </a:blip>
-              <a:stretch>
-                <a:fillRect/>
-              </a:stretch>
-            </p:blipFill>
-            <p:spPr>
-              <a:xfrm>
-                <a:off x="5297539" y="4461802"/>
-                <a:ext cx="229250" cy="248636"/>
-              </a:xfrm>
-              <a:prstGeom prst="rect">
-                <a:avLst/>
-              </a:prstGeom>
-            </p:spPr>
-          </p:pic>
-          <p:pic>
-            <p:nvPicPr>
-              <p:cNvPr id="171" name="図 170">
-                <a:extLst>
-                  <a:ext uri="{FF2B5EF4-FFF2-40B4-BE49-F238E27FC236}">
-                    <a16:creationId xmlns:a16="http://schemas.microsoft.com/office/drawing/2014/main" id="{69545846-D0AB-4747-803A-A1298236E1DF}"/>
-                  </a:ext>
-                </a:extLst>
-              </p:cNvPr>
-              <p:cNvPicPr>
-                <a:picLocks noChangeAspect="1"/>
-              </p:cNvPicPr>
-              <p:nvPr/>
-            </p:nvPicPr>
-            <p:blipFill>
-              <a:blip r:embed="rId8"/>
-              <a:stretch>
-                <a:fillRect/>
-              </a:stretch>
-            </p:blipFill>
-            <p:spPr>
-              <a:xfrm>
-                <a:off x="5098551" y="4456557"/>
-                <a:ext cx="229250" cy="248636"/>
-              </a:xfrm>
-              <a:prstGeom prst="rect">
-                <a:avLst/>
-              </a:prstGeom>
-            </p:spPr>
-          </p:pic>
-          <p:pic>
-            <p:nvPicPr>
-              <p:cNvPr id="172" name="図 171">
-                <a:extLst>
-                  <a:ext uri="{FF2B5EF4-FFF2-40B4-BE49-F238E27FC236}">
-                    <a16:creationId xmlns:a16="http://schemas.microsoft.com/office/drawing/2014/main" id="{6CE34F21-8C0F-4699-A606-1006BDF36B2C}"/>
-                  </a:ext>
-                </a:extLst>
-              </p:cNvPr>
-              <p:cNvPicPr>
-                <a:picLocks noChangeAspect="1"/>
-              </p:cNvPicPr>
-              <p:nvPr/>
-            </p:nvPicPr>
-            <p:blipFill>
-              <a:blip r:embed="rId8"/>
-              <a:stretch>
-                <a:fillRect/>
-              </a:stretch>
-            </p:blipFill>
-            <p:spPr>
-              <a:xfrm>
-                <a:off x="4899564" y="4448621"/>
-                <a:ext cx="229250" cy="248636"/>
-              </a:xfrm>
-              <a:prstGeom prst="rect">
-                <a:avLst/>
-              </a:prstGeom>
-            </p:spPr>
-          </p:pic>
-          <p:grpSp>
-            <p:nvGrpSpPr>
-              <p:cNvPr id="173" name="グループ化 172">
-                <a:extLst>
-                  <a:ext uri="{FF2B5EF4-FFF2-40B4-BE49-F238E27FC236}">
-                    <a16:creationId xmlns:a16="http://schemas.microsoft.com/office/drawing/2014/main" id="{B71FE17D-8EB0-46CE-A0ED-02B2E5E2A2EC}"/>
-                  </a:ext>
-                </a:extLst>
-              </p:cNvPr>
-              <p:cNvGrpSpPr/>
-              <p:nvPr/>
-            </p:nvGrpSpPr>
-            <p:grpSpPr>
-              <a:xfrm>
-                <a:off x="4843720" y="4299518"/>
-                <a:ext cx="770117" cy="112966"/>
-                <a:chOff x="1545915" y="4828699"/>
-                <a:chExt cx="456081" cy="66901"/>
-              </a:xfrm>
-            </p:grpSpPr>
-            <p:sp>
-              <p:nvSpPr>
-                <p:cNvPr id="174" name="正方形/長方形 173">
-                  <a:extLst>
-                    <a:ext uri="{FF2B5EF4-FFF2-40B4-BE49-F238E27FC236}">
-                      <a16:creationId xmlns:a16="http://schemas.microsoft.com/office/drawing/2014/main" id="{3B41E0C2-5114-43D2-9ABB-7236C2F45585}"/>
-                    </a:ext>
-                  </a:extLst>
-                </p:cNvPr>
-                <p:cNvSpPr/>
-                <p:nvPr/>
-              </p:nvSpPr>
-              <p:spPr>
-                <a:xfrm>
-                  <a:off x="1700099" y="4828907"/>
-                  <a:ext cx="298979" cy="63281"/>
-                </a:xfrm>
-                <a:prstGeom prst="rect">
-                  <a:avLst/>
-                </a:prstGeom>
-                <a:solidFill>
-                  <a:schemeClr val="bg1">
-                    <a:lumMod val="95000"/>
-                  </a:schemeClr>
-                </a:solidFill>
-                <a:ln w="6350">
-                  <a:noFill/>
-                </a:ln>
-              </p:spPr>
-              <p:style>
-                <a:lnRef idx="2">
-                  <a:schemeClr val="accent1">
-                    <a:shade val="50000"/>
-                  </a:schemeClr>
-                </a:lnRef>
-                <a:fillRef idx="1">
-                  <a:schemeClr val="accent1"/>
-                </a:fillRef>
-                <a:effectRef idx="0">
-                  <a:schemeClr val="accent1"/>
-                </a:effectRef>
-                <a:fontRef idx="minor">
-                  <a:schemeClr val="lt1"/>
-                </a:fontRef>
-              </p:style>
-              <p:txBody>
-                <a:bodyPr rot="0" spcFirstLastPara="0" vertOverflow="overflow" horzOverflow="overflow" vert="horz" wrap="square" lIns="91440" tIns="45720" rIns="91440" bIns="45720" numCol="1" spcCol="0" rtlCol="0" fromWordArt="0" anchor="ctr" anchorCtr="0" forceAA="0" compatLnSpc="1">
-                  <a:prstTxWarp prst="textNoShape">
-                    <a:avLst/>
-                  </a:prstTxWarp>
-                  <a:noAutofit/>
-                </a:bodyPr>
-                <a:lstStyle/>
-                <a:p>
-                  <a:pPr algn="ctr"/>
-                  <a:endParaRPr kumimoji="1" lang="ja-JP" altLang="en-US"/>
-                </a:p>
-              </p:txBody>
-            </p:sp>
-            <p:sp>
-              <p:nvSpPr>
-                <p:cNvPr id="175" name="正方形/長方形 174">
-                  <a:extLst>
-                    <a:ext uri="{FF2B5EF4-FFF2-40B4-BE49-F238E27FC236}">
-                      <a16:creationId xmlns:a16="http://schemas.microsoft.com/office/drawing/2014/main" id="{9843A4AB-7FF1-4838-95D9-99C3B5D01E52}"/>
-                    </a:ext>
-                  </a:extLst>
-                </p:cNvPr>
-                <p:cNvSpPr/>
-                <p:nvPr/>
-              </p:nvSpPr>
-              <p:spPr>
-                <a:xfrm>
-                  <a:off x="1550610" y="4830580"/>
-                  <a:ext cx="298979" cy="63281"/>
-                </a:xfrm>
-                <a:prstGeom prst="rect">
-                  <a:avLst/>
-                </a:prstGeom>
-                <a:solidFill>
-                  <a:schemeClr val="accent2">
-                    <a:lumMod val="75000"/>
-                  </a:schemeClr>
-                </a:solidFill>
-                <a:ln w="6350">
-                  <a:noFill/>
-                </a:ln>
-              </p:spPr>
-              <p:style>
-                <a:lnRef idx="2">
-                  <a:schemeClr val="accent1">
-                    <a:shade val="50000"/>
-                  </a:schemeClr>
-                </a:lnRef>
-                <a:fillRef idx="1">
-                  <a:schemeClr val="accent1"/>
-                </a:fillRef>
-                <a:effectRef idx="0">
-                  <a:schemeClr val="accent1"/>
-                </a:effectRef>
-                <a:fontRef idx="minor">
-                  <a:schemeClr val="lt1"/>
-                </a:fontRef>
-              </p:style>
-              <p:txBody>
-                <a:bodyPr rot="0" spcFirstLastPara="0" vertOverflow="overflow" horzOverflow="overflow" vert="horz" wrap="square" lIns="91440" tIns="45720" rIns="91440" bIns="45720" numCol="1" spcCol="0" rtlCol="0" fromWordArt="0" anchor="ctr" anchorCtr="0" forceAA="0" compatLnSpc="1">
-                  <a:prstTxWarp prst="textNoShape">
-                    <a:avLst/>
-                  </a:prstTxWarp>
-                  <a:noAutofit/>
-                </a:bodyPr>
-                <a:lstStyle/>
-                <a:p>
-                  <a:pPr algn="ctr"/>
-                  <a:endParaRPr kumimoji="1" lang="ja-JP" altLang="en-US"/>
-                </a:p>
-              </p:txBody>
-            </p:sp>
-            <p:sp>
-              <p:nvSpPr>
-                <p:cNvPr id="176" name="正方形/長方形 175">
-                  <a:extLst>
-                    <a:ext uri="{FF2B5EF4-FFF2-40B4-BE49-F238E27FC236}">
-                      <a16:creationId xmlns:a16="http://schemas.microsoft.com/office/drawing/2014/main" id="{4D98A3A2-800A-4AA9-A346-9D4943688FD7}"/>
-                    </a:ext>
-                  </a:extLst>
-                </p:cNvPr>
-                <p:cNvSpPr/>
-                <p:nvPr/>
-              </p:nvSpPr>
-              <p:spPr>
-                <a:xfrm>
-                  <a:off x="1545915" y="4828699"/>
-                  <a:ext cx="456081" cy="66901"/>
-                </a:xfrm>
-                <a:prstGeom prst="rect">
-                  <a:avLst/>
-                </a:prstGeom>
-                <a:noFill/>
-                <a:ln w="9525">
-                  <a:solidFill>
-                    <a:schemeClr val="tx1"/>
-                  </a:solidFill>
-                </a:ln>
-              </p:spPr>
-              <p:style>
-                <a:lnRef idx="2">
-                  <a:schemeClr val="accent1">
-                    <a:shade val="50000"/>
-                  </a:schemeClr>
-                </a:lnRef>
-                <a:fillRef idx="1">
-                  <a:schemeClr val="accent1"/>
-                </a:fillRef>
-                <a:effectRef idx="0">
-                  <a:schemeClr val="accent1"/>
-                </a:effectRef>
-                <a:fontRef idx="minor">
-                  <a:schemeClr val="lt1"/>
-                </a:fontRef>
-              </p:style>
-              <p:txBody>
-                <a:bodyPr rot="0" spcFirstLastPara="0" vertOverflow="overflow" horzOverflow="overflow" vert="horz" wrap="square" lIns="91440" tIns="45720" rIns="91440" bIns="45720" numCol="1" spcCol="0" rtlCol="0" fromWordArt="0" anchor="ctr" anchorCtr="0" forceAA="0" compatLnSpc="1">
-                  <a:prstTxWarp prst="textNoShape">
-                    <a:avLst/>
-                  </a:prstTxWarp>
-                  <a:noAutofit/>
-                </a:bodyPr>
-                <a:lstStyle/>
-                <a:p>
-                  <a:pPr algn="ctr"/>
-                  <a:endParaRPr kumimoji="1" lang="ja-JP" altLang="en-US"/>
-                </a:p>
-              </p:txBody>
-            </p:sp>
-          </p:grpSp>
-        </p:grpSp>
-        <p:sp>
-          <p:nvSpPr>
-            <p:cNvPr id="167" name="正方形/長方形 166">
-              <a:extLst>
-                <a:ext uri="{FF2B5EF4-FFF2-40B4-BE49-F238E27FC236}">
-                  <a16:creationId xmlns:a16="http://schemas.microsoft.com/office/drawing/2014/main" id="{5157C890-944F-456B-A2E6-05EFA9F80022}"/>
-                </a:ext>
-              </a:extLst>
-            </p:cNvPr>
-            <p:cNvSpPr/>
-            <p:nvPr/>
-          </p:nvSpPr>
-          <p:spPr>
-            <a:xfrm>
-              <a:off x="5361936" y="2705348"/>
-              <a:ext cx="1607736" cy="287881"/>
-            </a:xfrm>
-            <a:prstGeom prst="rect">
-              <a:avLst/>
-            </a:prstGeom>
-            <a:solidFill>
-              <a:schemeClr val="bg1"/>
-            </a:solidFill>
-            <a:ln w="3175">
-              <a:solidFill>
-                <a:schemeClr val="tx1"/>
-              </a:solidFill>
-            </a:ln>
-          </p:spPr>
-          <p:style>
-            <a:lnRef idx="2">
-              <a:schemeClr val="accent1">
-                <a:shade val="50000"/>
-              </a:schemeClr>
-            </a:lnRef>
-            <a:fillRef idx="1">
-              <a:schemeClr val="accent1"/>
-            </a:fillRef>
-            <a:effectRef idx="0">
-              <a:schemeClr val="accent1"/>
-            </a:effectRef>
-            <a:fontRef idx="minor">
-              <a:schemeClr val="lt1"/>
-            </a:fontRef>
-          </p:style>
-          <p:txBody>
-            <a:bodyPr rtlCol="0" anchor="ctr"/>
-            <a:lstStyle/>
-            <a:p>
-              <a:r>
-                <a:rPr kumimoji="1" lang="ja-JP" altLang="en-US" sz="700" b="1" dirty="0">
-                  <a:solidFill>
-                    <a:schemeClr val="tx1"/>
-                  </a:solidFill>
-                </a:rPr>
-                <a:t>始業まで</a:t>
-              </a:r>
-              <a:r>
-                <a:rPr kumimoji="1" lang="en-US" altLang="ja-JP" sz="700" b="1" dirty="0">
-                  <a:solidFill>
-                    <a:schemeClr val="tx1"/>
-                  </a:solidFill>
-                </a:rPr>
-                <a:t>:</a:t>
-              </a:r>
-              <a:r>
-                <a:rPr kumimoji="1" lang="en-US" altLang="ja-JP" sz="700" b="1" dirty="0">
-                  <a:solidFill>
-                    <a:srgbClr val="FF0000"/>
-                  </a:solidFill>
-                  <a:latin typeface="Agency FB" panose="020B0503020202020204" pitchFamily="34" charset="0"/>
-                </a:rPr>
-                <a:t>0007</a:t>
-              </a:r>
-              <a:r>
-                <a:rPr kumimoji="1" lang="ja-JP" altLang="en-US" sz="700" b="1" dirty="0">
-                  <a:solidFill>
-                    <a:schemeClr val="tx1"/>
-                  </a:solidFill>
-                </a:rPr>
-                <a:t>秒</a:t>
-              </a:r>
-            </a:p>
-          </p:txBody>
-        </p:sp>
-        <p:pic>
-          <p:nvPicPr>
-            <p:cNvPr id="168" name="Picture 4" descr="ガッツポーズ">
-              <a:extLst>
-                <a:ext uri="{FF2B5EF4-FFF2-40B4-BE49-F238E27FC236}">
-                  <a16:creationId xmlns:a16="http://schemas.microsoft.com/office/drawing/2014/main" id="{D1619F78-1C3D-4CDB-ACF3-1364E229FA1A}"/>
-                </a:ext>
-              </a:extLst>
-            </p:cNvPr>
-            <p:cNvPicPr>
-              <a:picLocks noChangeAspect="1" noChangeArrowheads="1"/>
-            </p:cNvPicPr>
-            <p:nvPr/>
-          </p:nvPicPr>
-          <p:blipFill>
-            <a:blip r:embed="rId11">
-              <a:extLst>
-                <a:ext uri="{28A0092B-C50C-407E-A947-70E740481C1C}">
-                  <a14:useLocalDpi xmlns:a14="http://schemas.microsoft.com/office/drawing/2010/main" val="0"/>
-                </a:ext>
-              </a:extLst>
-            </a:blip>
-            <a:srcRect/>
-            <a:stretch>
-              <a:fillRect/>
-            </a:stretch>
-          </p:blipFill>
-          <p:spPr bwMode="auto">
-            <a:xfrm>
-              <a:off x="5611491" y="3586637"/>
-              <a:ext cx="985449" cy="985449"/>
-            </a:xfrm>
-            <a:prstGeom prst="rect">
-              <a:avLst/>
-            </a:prstGeom>
-            <a:noFill/>
+      </p:grpSp>
+      <p:sp>
+        <p:nvSpPr>
+          <p:cNvPr id="167" name="正方形/長方形 166">
             <a:extLst>
-              <a:ext uri="{909E8E84-426E-40DD-AFC4-6F175D3DCCD1}">
-                <a14:hiddenFill xmlns:a14="http://schemas.microsoft.com/office/drawing/2010/main">
-                  <a:solidFill>
-                    <a:srgbClr val="FFFFFF"/>
-                  </a:solidFill>
-                </a14:hiddenFill>
+              <a:ext uri="{FF2B5EF4-FFF2-40B4-BE49-F238E27FC236}">
+                <a16:creationId xmlns:a16="http://schemas.microsoft.com/office/drawing/2014/main" id="{5157C890-944F-456B-A2E6-05EFA9F80022}"/>
               </a:ext>
             </a:extLst>
-          </p:spPr>
-        </p:pic>
-        <p:sp>
-          <p:nvSpPr>
-            <p:cNvPr id="169" name="テキスト ボックス 168">
-              <a:extLst>
-                <a:ext uri="{FF2B5EF4-FFF2-40B4-BE49-F238E27FC236}">
-                  <a16:creationId xmlns:a16="http://schemas.microsoft.com/office/drawing/2014/main" id="{D069F45C-FFC2-4185-91E8-14C3BE48D2C0}"/>
-                </a:ext>
-              </a:extLst>
-            </p:cNvPr>
-            <p:cNvSpPr txBox="1"/>
-            <p:nvPr/>
-          </p:nvSpPr>
-          <p:spPr>
-            <a:xfrm>
-              <a:off x="4269649" y="3186864"/>
-              <a:ext cx="3086516" cy="647518"/>
-            </a:xfrm>
-            <a:prstGeom prst="rect">
-              <a:avLst/>
-            </a:prstGeom>
-            <a:noFill/>
-          </p:spPr>
-          <p:txBody>
-            <a:bodyPr wrap="square" rtlCol="0">
-              <a:spAutoFit/>
-            </a:bodyPr>
-            <a:lstStyle/>
-            <a:p>
-              <a:r>
-                <a:rPr lang="ja-JP" altLang="en-US" sz="1600" b="1" dirty="0">
-                  <a:solidFill>
-                    <a:srgbClr val="FF3300"/>
-                  </a:solidFill>
-                </a:rPr>
-                <a:t>ゴール</a:t>
-              </a:r>
-              <a:r>
-                <a:rPr lang="en-US" altLang="ja-JP" sz="1600" b="1" dirty="0">
-                  <a:solidFill>
-                    <a:srgbClr val="FF3300"/>
-                  </a:solidFill>
-                </a:rPr>
-                <a:t>!</a:t>
-              </a:r>
-              <a:endParaRPr kumimoji="1" lang="ja-JP" altLang="en-US" sz="1600" b="1" dirty="0">
+          </p:cNvPr>
+          <p:cNvSpPr/>
+          <p:nvPr/>
+        </p:nvSpPr>
+        <p:spPr>
+          <a:xfrm>
+            <a:off x="10523367" y="1550231"/>
+            <a:ext cx="840603" cy="150518"/>
+          </a:xfrm>
+          <a:prstGeom prst="rect">
+            <a:avLst/>
+          </a:prstGeom>
+          <a:solidFill>
+            <a:schemeClr val="bg1"/>
+          </a:solidFill>
+          <a:ln w="3175">
+            <a:solidFill>
+              <a:schemeClr val="tx1"/>
+            </a:solidFill>
+          </a:ln>
+        </p:spPr>
+        <p:style>
+          <a:lnRef idx="2">
+            <a:schemeClr val="accent1">
+              <a:shade val="50000"/>
+            </a:schemeClr>
+          </a:lnRef>
+          <a:fillRef idx="1">
+            <a:schemeClr val="accent1"/>
+          </a:fillRef>
+          <a:effectRef idx="0">
+            <a:schemeClr val="accent1"/>
+          </a:effectRef>
+          <a:fontRef idx="minor">
+            <a:schemeClr val="lt1"/>
+          </a:fontRef>
+        </p:style>
+        <p:txBody>
+          <a:bodyPr rtlCol="0" anchor="ctr"/>
+          <a:lstStyle/>
+          <a:p>
+            <a:r>
+              <a:rPr kumimoji="1" lang="ja-JP" altLang="en-US" sz="700" b="1" dirty="0">
+                <a:solidFill>
+                  <a:schemeClr val="tx1"/>
+                </a:solidFill>
+              </a:rPr>
+              <a:t>始業まで</a:t>
+            </a:r>
+            <a:r>
+              <a:rPr kumimoji="1" lang="en-US" altLang="ja-JP" sz="700" b="1" dirty="0">
+                <a:solidFill>
+                  <a:schemeClr val="tx1"/>
+                </a:solidFill>
+              </a:rPr>
+              <a:t>:</a:t>
+            </a:r>
+            <a:r>
+              <a:rPr kumimoji="1" lang="en-US" altLang="ja-JP" sz="700" b="1" dirty="0">
+                <a:solidFill>
+                  <a:srgbClr val="FF0000"/>
+                </a:solidFill>
+                <a:latin typeface="Agency FB" panose="020B0503020202020204" pitchFamily="34" charset="0"/>
+              </a:rPr>
+              <a:t>0007</a:t>
+            </a:r>
+            <a:r>
+              <a:rPr kumimoji="1" lang="ja-JP" altLang="en-US" sz="700" b="1" dirty="0">
+                <a:solidFill>
+                  <a:schemeClr val="tx1"/>
+                </a:solidFill>
+              </a:rPr>
+              <a:t>秒</a:t>
+            </a:r>
+          </a:p>
+        </p:txBody>
+      </p:sp>
+      <p:pic>
+        <p:nvPicPr>
+          <p:cNvPr id="168" name="Picture 4" descr="ガッツポーズ">
+            <a:extLst>
+              <a:ext uri="{FF2B5EF4-FFF2-40B4-BE49-F238E27FC236}">
+                <a16:creationId xmlns:a16="http://schemas.microsoft.com/office/drawing/2014/main" id="{D1619F78-1C3D-4CDB-ACF3-1364E229FA1A}"/>
+              </a:ext>
+            </a:extLst>
+          </p:cNvPr>
+          <p:cNvPicPr>
+            <a:picLocks noChangeAspect="1" noChangeArrowheads="1"/>
+          </p:cNvPicPr>
+          <p:nvPr/>
+        </p:nvPicPr>
+        <p:blipFill>
+          <a:blip r:embed="rId10">
+            <a:extLst>
+              <a:ext uri="{28A0092B-C50C-407E-A947-70E740481C1C}">
+                <a14:useLocalDpi xmlns:a14="http://schemas.microsoft.com/office/drawing/2010/main" val="0"/>
+              </a:ext>
+            </a:extLst>
+          </a:blip>
+          <a:srcRect/>
+          <a:stretch>
+            <a:fillRect/>
+          </a:stretch>
+        </p:blipFill>
+        <p:spPr bwMode="auto">
+          <a:xfrm>
+            <a:off x="10653846" y="2011012"/>
+            <a:ext cx="515241" cy="515241"/>
+          </a:xfrm>
+          <a:prstGeom prst="rect">
+            <a:avLst/>
+          </a:prstGeom>
+          <a:noFill/>
+          <a:extLst>
+            <a:ext uri="{909E8E84-426E-40DD-AFC4-6F175D3DCCD1}">
+              <a14:hiddenFill xmlns:a14="http://schemas.microsoft.com/office/drawing/2010/main">
+                <a:solidFill>
+                  <a:srgbClr val="FFFFFF"/>
+                </a:solidFill>
+              </a14:hiddenFill>
+            </a:ext>
+          </a:extLst>
+        </p:spPr>
+      </p:pic>
+      <p:sp>
+        <p:nvSpPr>
+          <p:cNvPr id="169" name="テキスト ボックス 168">
+            <a:extLst>
+              <a:ext uri="{FF2B5EF4-FFF2-40B4-BE49-F238E27FC236}">
+                <a16:creationId xmlns:a16="http://schemas.microsoft.com/office/drawing/2014/main" id="{D069F45C-FFC2-4185-91E8-14C3BE48D2C0}"/>
+              </a:ext>
+            </a:extLst>
+          </p:cNvPr>
+          <p:cNvSpPr txBox="1"/>
+          <p:nvPr/>
+        </p:nvSpPr>
+        <p:spPr>
+          <a:xfrm>
+            <a:off x="9952266" y="1801991"/>
+            <a:ext cx="1613781" cy="338554"/>
+          </a:xfrm>
+          <a:prstGeom prst="rect">
+            <a:avLst/>
+          </a:prstGeom>
+          <a:noFill/>
+        </p:spPr>
+        <p:txBody>
+          <a:bodyPr wrap="square" rtlCol="0">
+            <a:spAutoFit/>
+          </a:bodyPr>
+          <a:lstStyle/>
+          <a:p>
+            <a:r>
+              <a:rPr lang="ja-JP" altLang="en-US" sz="1600" b="1" dirty="0">
                 <a:solidFill>
                   <a:srgbClr val="FF3300"/>
                 </a:solidFill>
-              </a:endParaRPr>
-            </a:p>
-          </p:txBody>
-        </p:sp>
-      </p:grpSp>
+              </a:rPr>
+              <a:t>ゴール</a:t>
+            </a:r>
+            <a:r>
+              <a:rPr lang="en-US" altLang="ja-JP" sz="1600" b="1" dirty="0">
+                <a:solidFill>
+                  <a:srgbClr val="FF3300"/>
+                </a:solidFill>
+              </a:rPr>
+              <a:t>!</a:t>
+            </a:r>
+            <a:endParaRPr kumimoji="1" lang="ja-JP" altLang="en-US" sz="1600" b="1" dirty="0">
+              <a:solidFill>
+                <a:srgbClr val="FF3300"/>
+              </a:solidFill>
+            </a:endParaRPr>
+          </a:p>
+        </p:txBody>
+      </p:sp>
       <p:sp>
         <p:nvSpPr>
           <p:cNvPr id="17" name="テキスト ボックス 16">
@@ -15193,28 +14436,72 @@
                   <a:schemeClr val="bg1"/>
                 </a:solidFill>
               </a:rPr>
-              <a:t>・全</a:t>
+              <a:t>・</a:t>
+            </a:r>
+            <a:r>
+              <a:rPr lang="ja-JP" altLang="en-US" sz="2800" b="1" dirty="0">
+                <a:solidFill>
+                  <a:schemeClr val="accent2">
+                    <a:lumMod val="75000"/>
+                  </a:schemeClr>
+                </a:solidFill>
+                <a:effectLst>
+                  <a:glow rad="101600">
+                    <a:schemeClr val="bg1">
+                      <a:alpha val="60000"/>
+                    </a:schemeClr>
+                  </a:glow>
+                </a:effectLst>
+              </a:rPr>
+              <a:t>全</a:t>
             </a:r>
             <a:r>
               <a:rPr lang="en-US" altLang="ja-JP" sz="2800" b="1" dirty="0">
                 <a:solidFill>
-                  <a:schemeClr val="bg1"/>
+                  <a:schemeClr val="accent2">
+                    <a:lumMod val="75000"/>
+                  </a:schemeClr>
                 </a:solidFill>
+                <a:effectLst>
+                  <a:glow rad="101600">
+                    <a:schemeClr val="bg1">
+                      <a:alpha val="60000"/>
+                    </a:schemeClr>
+                  </a:glow>
+                </a:effectLst>
               </a:rPr>
               <a:t>5</a:t>
             </a:r>
             <a:r>
               <a:rPr lang="ja-JP" altLang="en-US" sz="2800" b="1" dirty="0">
                 <a:solidFill>
-                  <a:schemeClr val="bg1"/>
+                  <a:schemeClr val="accent2">
+                    <a:lumMod val="75000"/>
+                  </a:schemeClr>
                 </a:solidFill>
+                <a:effectLst>
+                  <a:glow rad="101600">
+                    <a:schemeClr val="bg1">
+                      <a:alpha val="60000"/>
+                    </a:schemeClr>
+                  </a:glow>
+                </a:effectLst>
               </a:rPr>
               <a:t>ステージ収録</a:t>
             </a:r>
             <a:endParaRPr lang="en-US" altLang="ja-JP" sz="2800" b="1" dirty="0">
               <a:solidFill>
-                <a:schemeClr val="bg1"/>
+                <a:schemeClr val="accent2">
+                  <a:lumMod val="75000"/>
+                </a:schemeClr>
               </a:solidFill>
+              <a:effectLst>
+                <a:glow rad="101600">
+                  <a:schemeClr val="bg1">
+                    <a:alpha val="60000"/>
+                  </a:schemeClr>
+                </a:glow>
+              </a:effectLst>
             </a:endParaRPr>
           </a:p>
           <a:p>
@@ -15234,23 +14521,50 @@
             <a:r>
               <a:rPr lang="en-US" altLang="ja-JP" sz="2800" b="1" dirty="0">
                 <a:solidFill>
-                  <a:schemeClr val="bg1"/>
+                  <a:schemeClr val="accent2">
+                    <a:lumMod val="75000"/>
+                  </a:schemeClr>
                 </a:solidFill>
+                <a:effectLst>
+                  <a:glow rad="101600">
+                    <a:schemeClr val="bg1">
+                      <a:alpha val="60000"/>
+                    </a:schemeClr>
+                  </a:glow>
+                </a:effectLst>
               </a:rPr>
               <a:t>1</a:t>
             </a:r>
             <a:r>
               <a:rPr lang="ja-JP" altLang="en-US" sz="2800" b="1" dirty="0">
                 <a:solidFill>
-                  <a:schemeClr val="bg1"/>
+                  <a:schemeClr val="accent2">
+                    <a:lumMod val="75000"/>
+                  </a:schemeClr>
                 </a:solidFill>
+                <a:effectLst>
+                  <a:glow rad="101600">
+                    <a:schemeClr val="bg1">
+                      <a:alpha val="60000"/>
+                    </a:schemeClr>
+                  </a:glow>
+                </a:effectLst>
               </a:rPr>
               <a:t>つのステージに複数のルートが存在！</a:t>
             </a:r>
             <a:endParaRPr lang="en-US" altLang="ja-JP" sz="2800" b="1" dirty="0">
               <a:solidFill>
-                <a:schemeClr val="bg1"/>
+                <a:schemeClr val="accent2">
+                  <a:lumMod val="75000"/>
+                </a:schemeClr>
               </a:solidFill>
+              <a:effectLst>
+                <a:glow rad="101600">
+                  <a:schemeClr val="bg1">
+                    <a:alpha val="60000"/>
+                  </a:schemeClr>
+                </a:glow>
+              </a:effectLst>
             </a:endParaRPr>
           </a:p>
           <a:p>
@@ -15266,6 +14580,57 @@
                 </a:solidFill>
               </a:rPr>
               <a:t>・</a:t>
+            </a:r>
+            <a:r>
+              <a:rPr kumimoji="1" lang="ja-JP" altLang="en-US" sz="2800" b="1" dirty="0">
+                <a:solidFill>
+                  <a:schemeClr val="accent2">
+                    <a:lumMod val="75000"/>
+                  </a:schemeClr>
+                </a:solidFill>
+                <a:effectLst>
+                  <a:glow rad="101600">
+                    <a:schemeClr val="bg1">
+                      <a:alpha val="60000"/>
+                    </a:schemeClr>
+                  </a:glow>
+                </a:effectLst>
+              </a:rPr>
+              <a:t>ルートによっては隠しステージが</a:t>
+            </a:r>
+            <a:r>
+              <a:rPr kumimoji="1" lang="en-US" altLang="ja-JP" sz="2800" b="1" dirty="0">
+                <a:solidFill>
+                  <a:schemeClr val="accent2">
+                    <a:lumMod val="75000"/>
+                  </a:schemeClr>
+                </a:solidFill>
+                <a:effectLst>
+                  <a:glow rad="101600">
+                    <a:schemeClr val="bg1">
+                      <a:alpha val="60000"/>
+                    </a:schemeClr>
+                  </a:glow>
+                </a:effectLst>
+              </a:rPr>
+              <a:t>…</a:t>
+            </a:r>
+            <a:r>
+              <a:rPr kumimoji="1" lang="ja-JP" altLang="en-US" sz="2800" b="1" dirty="0">
+                <a:solidFill>
+                  <a:schemeClr val="accent2">
+                    <a:lumMod val="75000"/>
+                  </a:schemeClr>
+                </a:solidFill>
+                <a:effectLst>
+                  <a:glow rad="101600">
+                    <a:schemeClr val="bg1">
+                      <a:alpha val="60000"/>
+                    </a:schemeClr>
+                  </a:glow>
+                </a:effectLst>
+              </a:rPr>
+              <a:t>？</a:t>
             </a:r>
           </a:p>
         </p:txBody>
@@ -15926,7 +15291,7 @@
             <p:nvPr/>
           </p:nvPicPr>
           <p:blipFill>
-            <a:blip r:embed="rId12">
+            <a:blip r:embed="rId11">
               <a:extLst>
                 <a:ext uri="{28A0092B-C50C-407E-A947-70E740481C1C}">
                   <a14:useLocalDpi xmlns:a14="http://schemas.microsoft.com/office/drawing/2010/main" val="0"/>
@@ -15973,7 +15338,7 @@
             <p:nvPr/>
           </p:nvPicPr>
           <p:blipFill>
-            <a:blip r:embed="rId13">
+            <a:blip r:embed="rId12">
               <a:extLst>
                 <a:ext uri="{28A0092B-C50C-407E-A947-70E740481C1C}">
                   <a14:useLocalDpi xmlns:a14="http://schemas.microsoft.com/office/drawing/2010/main" val="0"/>
@@ -16020,7 +15385,7 @@
             <p:nvPr/>
           </p:nvPicPr>
           <p:blipFill>
-            <a:blip r:embed="rId14">
+            <a:blip r:embed="rId13">
               <a:extLst>
                 <a:ext uri="{28A0092B-C50C-407E-A947-70E740481C1C}">
                   <a14:useLocalDpi xmlns:a14="http://schemas.microsoft.com/office/drawing/2010/main" val="0"/>
@@ -16227,6 +15592,1600 @@
           </a:p>
         </p:txBody>
       </p:sp>
+      <p:sp>
+        <p:nvSpPr>
+          <p:cNvPr id="90" name="テキスト ボックス 89">
+            <a:extLst>
+              <a:ext uri="{FF2B5EF4-FFF2-40B4-BE49-F238E27FC236}">
+                <a16:creationId xmlns:a16="http://schemas.microsoft.com/office/drawing/2014/main" id="{640F9124-B2C7-4DA5-B8D5-D7661DFE0E0F}"/>
+              </a:ext>
+            </a:extLst>
+          </p:cNvPr>
+          <p:cNvSpPr txBox="1"/>
+          <p:nvPr/>
+        </p:nvSpPr>
+        <p:spPr>
+          <a:xfrm>
+            <a:off x="6692852" y="955344"/>
+            <a:ext cx="1492606" cy="369332"/>
+          </a:xfrm>
+          <a:prstGeom prst="rect">
+            <a:avLst/>
+          </a:prstGeom>
+          <a:noFill/>
+        </p:spPr>
+        <p:txBody>
+          <a:bodyPr wrap="square" rtlCol="0">
+            <a:spAutoFit/>
+          </a:bodyPr>
+          <a:lstStyle/>
+          <a:p>
+            <a:r>
+              <a:rPr lang="ja-JP" altLang="en-US" b="1" dirty="0">
+                <a:solidFill>
+                  <a:schemeClr val="accent1">
+                    <a:lumMod val="75000"/>
+                  </a:schemeClr>
+                </a:solidFill>
+                <a:latin typeface="Meiryo UI" panose="020B0604030504040204" pitchFamily="50" charset="-128"/>
+                <a:ea typeface="Meiryo UI" panose="020B0604030504040204" pitchFamily="50" charset="-128"/>
+              </a:rPr>
+              <a:t>ぶっ飛べ！！</a:t>
+            </a:r>
+            <a:endParaRPr kumimoji="1" lang="ja-JP" altLang="en-US" b="1" dirty="0">
+              <a:solidFill>
+                <a:schemeClr val="accent1">
+                  <a:lumMod val="75000"/>
+                </a:schemeClr>
+              </a:solidFill>
+              <a:latin typeface="Meiryo UI" panose="020B0604030504040204" pitchFamily="50" charset="-128"/>
+              <a:ea typeface="Meiryo UI" panose="020B0604030504040204" pitchFamily="50" charset="-128"/>
+            </a:endParaRPr>
+          </a:p>
+        </p:txBody>
+      </p:sp>
+      <p:grpSp>
+        <p:nvGrpSpPr>
+          <p:cNvPr id="92" name="グループ化 91">
+            <a:extLst>
+              <a:ext uri="{FF2B5EF4-FFF2-40B4-BE49-F238E27FC236}">
+                <a16:creationId xmlns:a16="http://schemas.microsoft.com/office/drawing/2014/main" id="{799E0AD7-4E25-46B6-BC2B-37DBD9FFF7A4}"/>
+              </a:ext>
+            </a:extLst>
+          </p:cNvPr>
+          <p:cNvGrpSpPr>
+            <a:grpSpLocks noChangeAspect="1"/>
+          </p:cNvGrpSpPr>
+          <p:nvPr/>
+        </p:nvGrpSpPr>
+        <p:grpSpPr>
+          <a:xfrm>
+            <a:off x="6328301" y="1351790"/>
+            <a:ext cx="2077031" cy="1273818"/>
+            <a:chOff x="6811784" y="3777350"/>
+            <a:chExt cx="3961373" cy="2429464"/>
+          </a:xfrm>
+          <a:effectLst/>
+        </p:grpSpPr>
+        <p:pic>
+          <p:nvPicPr>
+            <p:cNvPr id="93" name="図 92">
+              <a:extLst>
+                <a:ext uri="{FF2B5EF4-FFF2-40B4-BE49-F238E27FC236}">
+                  <a16:creationId xmlns:a16="http://schemas.microsoft.com/office/drawing/2014/main" id="{1A367DD5-83DE-4CBD-A0B9-952473D922DC}"/>
+                </a:ext>
+              </a:extLst>
+            </p:cNvPr>
+            <p:cNvPicPr>
+              <a:picLocks noChangeAspect="1"/>
+            </p:cNvPicPr>
+            <p:nvPr/>
+          </p:nvPicPr>
+          <p:blipFill>
+            <a:blip r:embed="rId9"/>
+            <a:stretch>
+              <a:fillRect/>
+            </a:stretch>
+          </p:blipFill>
+          <p:spPr>
+            <a:xfrm>
+              <a:off x="10208305" y="4582094"/>
+              <a:ext cx="482773" cy="1464969"/>
+            </a:xfrm>
+            <a:prstGeom prst="rect">
+              <a:avLst/>
+            </a:prstGeom>
+          </p:spPr>
+        </p:pic>
+        <p:sp>
+          <p:nvSpPr>
+            <p:cNvPr id="94" name="正方形/長方形 93">
+              <a:extLst>
+                <a:ext uri="{FF2B5EF4-FFF2-40B4-BE49-F238E27FC236}">
+                  <a16:creationId xmlns:a16="http://schemas.microsoft.com/office/drawing/2014/main" id="{1C79E9DE-59A9-4397-AD92-0DD18A87DE12}"/>
+                </a:ext>
+              </a:extLst>
+            </p:cNvPr>
+            <p:cNvSpPr/>
+            <p:nvPr/>
+          </p:nvSpPr>
+          <p:spPr>
+            <a:xfrm>
+              <a:off x="6922149" y="3872507"/>
+              <a:ext cx="3783158" cy="2257127"/>
+            </a:xfrm>
+            <a:prstGeom prst="rect">
+              <a:avLst/>
+            </a:prstGeom>
+            <a:solidFill>
+              <a:schemeClr val="accent5">
+                <a:lumMod val="40000"/>
+                <a:lumOff val="60000"/>
+              </a:schemeClr>
+            </a:solidFill>
+            <a:ln w="6350"/>
+          </p:spPr>
+          <p:style>
+            <a:lnRef idx="2">
+              <a:schemeClr val="accent1">
+                <a:shade val="50000"/>
+              </a:schemeClr>
+            </a:lnRef>
+            <a:fillRef idx="1">
+              <a:schemeClr val="accent1"/>
+            </a:fillRef>
+            <a:effectRef idx="0">
+              <a:schemeClr val="accent1"/>
+            </a:effectRef>
+            <a:fontRef idx="minor">
+              <a:schemeClr val="lt1"/>
+            </a:fontRef>
+          </p:style>
+          <p:txBody>
+            <a:bodyPr rtlCol="0" anchor="ctr"/>
+            <a:lstStyle/>
+            <a:p>
+              <a:pPr algn="ctr"/>
+              <a:endParaRPr kumimoji="1" lang="ja-JP" altLang="en-US" dirty="0"/>
+            </a:p>
+          </p:txBody>
+        </p:sp>
+        <p:sp>
+          <p:nvSpPr>
+            <p:cNvPr id="95" name="正方形/長方形 94">
+              <a:extLst>
+                <a:ext uri="{FF2B5EF4-FFF2-40B4-BE49-F238E27FC236}">
+                  <a16:creationId xmlns:a16="http://schemas.microsoft.com/office/drawing/2014/main" id="{D908B41D-7104-44FE-BE94-8256D1FDE2D1}"/>
+                </a:ext>
+              </a:extLst>
+            </p:cNvPr>
+            <p:cNvSpPr/>
+            <p:nvPr/>
+          </p:nvSpPr>
+          <p:spPr>
+            <a:xfrm>
+              <a:off x="6937147" y="3902106"/>
+              <a:ext cx="1814472" cy="551971"/>
+            </a:xfrm>
+            <a:prstGeom prst="rect">
+              <a:avLst/>
+            </a:prstGeom>
+            <a:solidFill>
+              <a:schemeClr val="bg1">
+                <a:lumMod val="75000"/>
+              </a:schemeClr>
+            </a:solidFill>
+            <a:ln w="28575">
+              <a:solidFill>
+                <a:schemeClr val="bg1">
+                  <a:lumMod val="75000"/>
+                </a:schemeClr>
+              </a:solidFill>
+            </a:ln>
+          </p:spPr>
+          <p:style>
+            <a:lnRef idx="2">
+              <a:schemeClr val="accent1">
+                <a:shade val="50000"/>
+              </a:schemeClr>
+            </a:lnRef>
+            <a:fillRef idx="1">
+              <a:schemeClr val="accent1"/>
+            </a:fillRef>
+            <a:effectRef idx="0">
+              <a:schemeClr val="accent1"/>
+            </a:effectRef>
+            <a:fontRef idx="minor">
+              <a:schemeClr val="lt1"/>
+            </a:fontRef>
+          </p:style>
+          <p:txBody>
+            <a:bodyPr rot="0" spcFirstLastPara="0" vertOverflow="overflow" horzOverflow="overflow" vert="horz" wrap="square" lIns="91440" tIns="45720" rIns="91440" bIns="45720" numCol="1" spcCol="0" rtlCol="0" fromWordArt="0" anchor="ctr" anchorCtr="0" forceAA="0" compatLnSpc="1">
+              <a:prstTxWarp prst="textNoShape">
+                <a:avLst/>
+              </a:prstTxWarp>
+              <a:noAutofit/>
+            </a:bodyPr>
+            <a:lstStyle/>
+            <a:p>
+              <a:pPr algn="ctr"/>
+              <a:endParaRPr kumimoji="1" lang="ja-JP" altLang="en-US"/>
+            </a:p>
+          </p:txBody>
+        </p:sp>
+        <p:pic>
+          <p:nvPicPr>
+            <p:cNvPr id="96" name="図 95">
+              <a:extLst>
+                <a:ext uri="{FF2B5EF4-FFF2-40B4-BE49-F238E27FC236}">
+                  <a16:creationId xmlns:a16="http://schemas.microsoft.com/office/drawing/2014/main" id="{26A3FE4C-E25B-4C40-841C-AB5B69D27BFD}"/>
+                </a:ext>
+              </a:extLst>
+            </p:cNvPr>
+            <p:cNvPicPr>
+              <a:picLocks noChangeAspect="1"/>
+            </p:cNvPicPr>
+            <p:nvPr/>
+          </p:nvPicPr>
+          <p:blipFill>
+            <a:blip r:embed="rId8">
+              <a:duotone>
+                <a:schemeClr val="accent4">
+                  <a:shade val="45000"/>
+                  <a:satMod val="135000"/>
+                </a:schemeClr>
+                <a:prstClr val="white"/>
+              </a:duotone>
+            </a:blip>
+            <a:stretch>
+              <a:fillRect/>
+            </a:stretch>
+          </p:blipFill>
+          <p:spPr>
+            <a:xfrm>
+              <a:off x="7532626" y="5090217"/>
+              <a:ext cx="192300" cy="234607"/>
+            </a:xfrm>
+            <a:prstGeom prst="rect">
+              <a:avLst/>
+            </a:prstGeom>
+          </p:spPr>
+        </p:pic>
+        <p:sp>
+          <p:nvSpPr>
+            <p:cNvPr id="97" name="正方形/長方形 96">
+              <a:extLst>
+                <a:ext uri="{FF2B5EF4-FFF2-40B4-BE49-F238E27FC236}">
+                  <a16:creationId xmlns:a16="http://schemas.microsoft.com/office/drawing/2014/main" id="{611B72E3-5142-4539-8EFC-96717E948B5F}"/>
+                </a:ext>
+              </a:extLst>
+            </p:cNvPr>
+            <p:cNvSpPr/>
+            <p:nvPr/>
+          </p:nvSpPr>
+          <p:spPr>
+            <a:xfrm rot="2710577">
+              <a:off x="7588788" y="4528683"/>
+              <a:ext cx="79977" cy="79977"/>
+            </a:xfrm>
+            <a:prstGeom prst="rect">
+              <a:avLst/>
+            </a:prstGeom>
+            <a:noFill/>
+            <a:ln w="28575">
+              <a:solidFill>
+                <a:schemeClr val="bg1">
+                  <a:lumMod val="65000"/>
+                </a:schemeClr>
+              </a:solidFill>
+            </a:ln>
+          </p:spPr>
+          <p:style>
+            <a:lnRef idx="2">
+              <a:schemeClr val="accent1">
+                <a:shade val="50000"/>
+              </a:schemeClr>
+            </a:lnRef>
+            <a:fillRef idx="1">
+              <a:schemeClr val="accent1"/>
+            </a:fillRef>
+            <a:effectRef idx="0">
+              <a:schemeClr val="accent1"/>
+            </a:effectRef>
+            <a:fontRef idx="minor">
+              <a:schemeClr val="lt1"/>
+            </a:fontRef>
+          </p:style>
+          <p:txBody>
+            <a:bodyPr rot="0" spcFirstLastPara="0" vertOverflow="overflow" horzOverflow="overflow" vert="horz" wrap="square" lIns="91440" tIns="45720" rIns="91440" bIns="45720" numCol="1" spcCol="0" rtlCol="0" fromWordArt="0" anchor="ctr" anchorCtr="0" forceAA="0" compatLnSpc="1">
+              <a:prstTxWarp prst="textNoShape">
+                <a:avLst/>
+              </a:prstTxWarp>
+              <a:noAutofit/>
+            </a:bodyPr>
+            <a:lstStyle/>
+            <a:p>
+              <a:pPr algn="ctr"/>
+              <a:endParaRPr kumimoji="1" lang="ja-JP" altLang="en-US"/>
+            </a:p>
+          </p:txBody>
+        </p:sp>
+        <p:sp>
+          <p:nvSpPr>
+            <p:cNvPr id="98" name="正方形/長方形 97">
+              <a:extLst>
+                <a:ext uri="{FF2B5EF4-FFF2-40B4-BE49-F238E27FC236}">
+                  <a16:creationId xmlns:a16="http://schemas.microsoft.com/office/drawing/2014/main" id="{E9C104F2-BF32-4D9F-9996-A277AAAA9BFE}"/>
+                </a:ext>
+              </a:extLst>
+            </p:cNvPr>
+            <p:cNvSpPr/>
+            <p:nvPr/>
+          </p:nvSpPr>
+          <p:spPr>
+            <a:xfrm rot="2710577">
+              <a:off x="7588789" y="4641786"/>
+              <a:ext cx="79977" cy="79977"/>
+            </a:xfrm>
+            <a:prstGeom prst="rect">
+              <a:avLst/>
+            </a:prstGeom>
+            <a:noFill/>
+            <a:ln w="28575">
+              <a:solidFill>
+                <a:schemeClr val="bg1">
+                  <a:lumMod val="65000"/>
+                </a:schemeClr>
+              </a:solidFill>
+            </a:ln>
+          </p:spPr>
+          <p:style>
+            <a:lnRef idx="2">
+              <a:schemeClr val="accent1">
+                <a:shade val="50000"/>
+              </a:schemeClr>
+            </a:lnRef>
+            <a:fillRef idx="1">
+              <a:schemeClr val="accent1"/>
+            </a:fillRef>
+            <a:effectRef idx="0">
+              <a:schemeClr val="accent1"/>
+            </a:effectRef>
+            <a:fontRef idx="minor">
+              <a:schemeClr val="lt1"/>
+            </a:fontRef>
+          </p:style>
+          <p:txBody>
+            <a:bodyPr rot="0" spcFirstLastPara="0" vertOverflow="overflow" horzOverflow="overflow" vert="horz" wrap="square" lIns="91440" tIns="45720" rIns="91440" bIns="45720" numCol="1" spcCol="0" rtlCol="0" fromWordArt="0" anchor="ctr" anchorCtr="0" forceAA="0" compatLnSpc="1">
+              <a:prstTxWarp prst="textNoShape">
+                <a:avLst/>
+              </a:prstTxWarp>
+              <a:noAutofit/>
+            </a:bodyPr>
+            <a:lstStyle/>
+            <a:p>
+              <a:pPr algn="ctr"/>
+              <a:endParaRPr kumimoji="1" lang="ja-JP" altLang="en-US" dirty="0"/>
+            </a:p>
+          </p:txBody>
+        </p:sp>
+        <p:sp>
+          <p:nvSpPr>
+            <p:cNvPr id="99" name="正方形/長方形 98">
+              <a:extLst>
+                <a:ext uri="{FF2B5EF4-FFF2-40B4-BE49-F238E27FC236}">
+                  <a16:creationId xmlns:a16="http://schemas.microsoft.com/office/drawing/2014/main" id="{01D3635D-0DF6-4738-A804-FDA745633D15}"/>
+                </a:ext>
+              </a:extLst>
+            </p:cNvPr>
+            <p:cNvSpPr/>
+            <p:nvPr/>
+          </p:nvSpPr>
+          <p:spPr>
+            <a:xfrm rot="2710577">
+              <a:off x="7592253" y="4754890"/>
+              <a:ext cx="79977" cy="79977"/>
+            </a:xfrm>
+            <a:prstGeom prst="rect">
+              <a:avLst/>
+            </a:prstGeom>
+            <a:noFill/>
+            <a:ln w="28575">
+              <a:solidFill>
+                <a:schemeClr val="bg1">
+                  <a:lumMod val="65000"/>
+                </a:schemeClr>
+              </a:solidFill>
+            </a:ln>
+          </p:spPr>
+          <p:style>
+            <a:lnRef idx="2">
+              <a:schemeClr val="accent1">
+                <a:shade val="50000"/>
+              </a:schemeClr>
+            </a:lnRef>
+            <a:fillRef idx="1">
+              <a:schemeClr val="accent1"/>
+            </a:fillRef>
+            <a:effectRef idx="0">
+              <a:schemeClr val="accent1"/>
+            </a:effectRef>
+            <a:fontRef idx="minor">
+              <a:schemeClr val="lt1"/>
+            </a:fontRef>
+          </p:style>
+          <p:txBody>
+            <a:bodyPr rot="0" spcFirstLastPara="0" vertOverflow="overflow" horzOverflow="overflow" vert="horz" wrap="square" lIns="91440" tIns="45720" rIns="91440" bIns="45720" numCol="1" spcCol="0" rtlCol="0" fromWordArt="0" anchor="ctr" anchorCtr="0" forceAA="0" compatLnSpc="1">
+              <a:prstTxWarp prst="textNoShape">
+                <a:avLst/>
+              </a:prstTxWarp>
+              <a:noAutofit/>
+            </a:bodyPr>
+            <a:lstStyle/>
+            <a:p>
+              <a:pPr algn="ctr"/>
+              <a:endParaRPr kumimoji="1" lang="ja-JP" altLang="en-US"/>
+            </a:p>
+          </p:txBody>
+        </p:sp>
+        <p:sp>
+          <p:nvSpPr>
+            <p:cNvPr id="100" name="正方形/長方形 99">
+              <a:extLst>
+                <a:ext uri="{FF2B5EF4-FFF2-40B4-BE49-F238E27FC236}">
+                  <a16:creationId xmlns:a16="http://schemas.microsoft.com/office/drawing/2014/main" id="{C03C88D2-9173-4894-B205-FC3EE06B9EAA}"/>
+                </a:ext>
+              </a:extLst>
+            </p:cNvPr>
+            <p:cNvSpPr/>
+            <p:nvPr/>
+          </p:nvSpPr>
+          <p:spPr>
+            <a:xfrm rot="2710577">
+              <a:off x="7588788" y="4867991"/>
+              <a:ext cx="79977" cy="79977"/>
+            </a:xfrm>
+            <a:prstGeom prst="rect">
+              <a:avLst/>
+            </a:prstGeom>
+            <a:noFill/>
+            <a:ln w="28575">
+              <a:solidFill>
+                <a:schemeClr val="bg1">
+                  <a:lumMod val="65000"/>
+                </a:schemeClr>
+              </a:solidFill>
+            </a:ln>
+          </p:spPr>
+          <p:style>
+            <a:lnRef idx="2">
+              <a:schemeClr val="accent1">
+                <a:shade val="50000"/>
+              </a:schemeClr>
+            </a:lnRef>
+            <a:fillRef idx="1">
+              <a:schemeClr val="accent1"/>
+            </a:fillRef>
+            <a:effectRef idx="0">
+              <a:schemeClr val="accent1"/>
+            </a:effectRef>
+            <a:fontRef idx="minor">
+              <a:schemeClr val="lt1"/>
+            </a:fontRef>
+          </p:style>
+          <p:txBody>
+            <a:bodyPr rot="0" spcFirstLastPara="0" vertOverflow="overflow" horzOverflow="overflow" vert="horz" wrap="square" lIns="91440" tIns="45720" rIns="91440" bIns="45720" numCol="1" spcCol="0" rtlCol="0" fromWordArt="0" anchor="ctr" anchorCtr="0" forceAA="0" compatLnSpc="1">
+              <a:prstTxWarp prst="textNoShape">
+                <a:avLst/>
+              </a:prstTxWarp>
+              <a:noAutofit/>
+            </a:bodyPr>
+            <a:lstStyle/>
+            <a:p>
+              <a:pPr algn="ctr"/>
+              <a:endParaRPr kumimoji="1" lang="ja-JP" altLang="en-US"/>
+            </a:p>
+          </p:txBody>
+        </p:sp>
+        <p:sp>
+          <p:nvSpPr>
+            <p:cNvPr id="101" name="正方形/長方形 100">
+              <a:extLst>
+                <a:ext uri="{FF2B5EF4-FFF2-40B4-BE49-F238E27FC236}">
+                  <a16:creationId xmlns:a16="http://schemas.microsoft.com/office/drawing/2014/main" id="{8F07576D-40DE-4A24-BFE3-F1EF3A876025}"/>
+                </a:ext>
+              </a:extLst>
+            </p:cNvPr>
+            <p:cNvSpPr/>
+            <p:nvPr/>
+          </p:nvSpPr>
+          <p:spPr>
+            <a:xfrm rot="2710577">
+              <a:off x="7592251" y="4993942"/>
+              <a:ext cx="79977" cy="79977"/>
+            </a:xfrm>
+            <a:prstGeom prst="rect">
+              <a:avLst/>
+            </a:prstGeom>
+            <a:noFill/>
+            <a:ln w="28575">
+              <a:solidFill>
+                <a:schemeClr val="bg1">
+                  <a:lumMod val="65000"/>
+                </a:schemeClr>
+              </a:solidFill>
+            </a:ln>
+          </p:spPr>
+          <p:style>
+            <a:lnRef idx="2">
+              <a:schemeClr val="accent1">
+                <a:shade val="50000"/>
+              </a:schemeClr>
+            </a:lnRef>
+            <a:fillRef idx="1">
+              <a:schemeClr val="accent1"/>
+            </a:fillRef>
+            <a:effectRef idx="0">
+              <a:schemeClr val="accent1"/>
+            </a:effectRef>
+            <a:fontRef idx="minor">
+              <a:schemeClr val="lt1"/>
+            </a:fontRef>
+          </p:style>
+          <p:txBody>
+            <a:bodyPr rot="0" spcFirstLastPara="0" vertOverflow="overflow" horzOverflow="overflow" vert="horz" wrap="square" lIns="91440" tIns="45720" rIns="91440" bIns="45720" numCol="1" spcCol="0" rtlCol="0" fromWordArt="0" anchor="ctr" anchorCtr="0" forceAA="0" compatLnSpc="1">
+              <a:prstTxWarp prst="textNoShape">
+                <a:avLst/>
+              </a:prstTxWarp>
+              <a:noAutofit/>
+            </a:bodyPr>
+            <a:lstStyle/>
+            <a:p>
+              <a:pPr algn="ctr"/>
+              <a:endParaRPr kumimoji="1" lang="ja-JP" altLang="en-US"/>
+            </a:p>
+          </p:txBody>
+        </p:sp>
+        <p:sp>
+          <p:nvSpPr>
+            <p:cNvPr id="102" name="テキスト ボックス 101">
+              <a:extLst>
+                <a:ext uri="{FF2B5EF4-FFF2-40B4-BE49-F238E27FC236}">
+                  <a16:creationId xmlns:a16="http://schemas.microsoft.com/office/drawing/2014/main" id="{5F9ACD20-85BC-4010-B85A-3A4C68A95C64}"/>
+                </a:ext>
+              </a:extLst>
+            </p:cNvPr>
+            <p:cNvSpPr txBox="1"/>
+            <p:nvPr/>
+          </p:nvSpPr>
+          <p:spPr>
+            <a:xfrm>
+              <a:off x="6907658" y="4004947"/>
+              <a:ext cx="220546" cy="234028"/>
+            </a:xfrm>
+            <a:prstGeom prst="rect">
+              <a:avLst/>
+            </a:prstGeom>
+            <a:noFill/>
+          </p:spPr>
+          <p:txBody>
+            <a:bodyPr wrap="none" rtlCol="0">
+              <a:spAutoFit/>
+            </a:bodyPr>
+            <a:lstStyle/>
+            <a:p>
+              <a:endParaRPr kumimoji="1" lang="ja-JP" altLang="en-US" sz="700" dirty="0">
+                <a:latin typeface="メイリオ" panose="020B0604030504040204" pitchFamily="50" charset="-128"/>
+                <a:ea typeface="メイリオ" panose="020B0604030504040204" pitchFamily="50" charset="-128"/>
+              </a:endParaRPr>
+            </a:p>
+          </p:txBody>
+        </p:sp>
+        <p:sp>
+          <p:nvSpPr>
+            <p:cNvPr id="103" name="フリーフォーム: 図形 102">
+              <a:extLst>
+                <a:ext uri="{FF2B5EF4-FFF2-40B4-BE49-F238E27FC236}">
+                  <a16:creationId xmlns:a16="http://schemas.microsoft.com/office/drawing/2014/main" id="{640862E5-2DE0-4725-BCAD-96E771163728}"/>
+                </a:ext>
+              </a:extLst>
+            </p:cNvPr>
+            <p:cNvSpPr>
+              <a:spLocks noChangeAspect="1"/>
+            </p:cNvSpPr>
+            <p:nvPr/>
+          </p:nvSpPr>
+          <p:spPr>
+            <a:xfrm>
+              <a:off x="6811784" y="3777350"/>
+              <a:ext cx="3961373" cy="2429464"/>
+            </a:xfrm>
+            <a:custGeom>
+              <a:avLst/>
+              <a:gdLst>
+                <a:gd name="connsiteX0" fmla="*/ 109938 w 3985260"/>
+                <a:gd name="connsiteY0" fmla="*/ 102302 h 2415540"/>
+                <a:gd name="connsiteX1" fmla="*/ 109938 w 3985260"/>
+                <a:gd name="connsiteY1" fmla="*/ 2217420 h 2415540"/>
+                <a:gd name="connsiteX2" fmla="*/ 3891273 w 3985260"/>
+                <a:gd name="connsiteY2" fmla="*/ 2217420 h 2415540"/>
+                <a:gd name="connsiteX3" fmla="*/ 3891273 w 3985260"/>
+                <a:gd name="connsiteY3" fmla="*/ 102302 h 2415540"/>
+                <a:gd name="connsiteX4" fmla="*/ 124449 w 3985260"/>
+                <a:gd name="connsiteY4" fmla="*/ 0 h 2415540"/>
+                <a:gd name="connsiteX5" fmla="*/ 3860811 w 3985260"/>
+                <a:gd name="connsiteY5" fmla="*/ 0 h 2415540"/>
+                <a:gd name="connsiteX6" fmla="*/ 3985260 w 3985260"/>
+                <a:gd name="connsiteY6" fmla="*/ 124449 h 2415540"/>
+                <a:gd name="connsiteX7" fmla="*/ 3985260 w 3985260"/>
+                <a:gd name="connsiteY7" fmla="*/ 2291091 h 2415540"/>
+                <a:gd name="connsiteX8" fmla="*/ 3860811 w 3985260"/>
+                <a:gd name="connsiteY8" fmla="*/ 2415540 h 2415540"/>
+                <a:gd name="connsiteX9" fmla="*/ 124449 w 3985260"/>
+                <a:gd name="connsiteY9" fmla="*/ 2415540 h 2415540"/>
+                <a:gd name="connsiteX10" fmla="*/ 0 w 3985260"/>
+                <a:gd name="connsiteY10" fmla="*/ 2291091 h 2415540"/>
+                <a:gd name="connsiteX11" fmla="*/ 0 w 3985260"/>
+                <a:gd name="connsiteY11" fmla="*/ 124449 h 2415540"/>
+                <a:gd name="connsiteX12" fmla="*/ 124449 w 3985260"/>
+                <a:gd name="connsiteY12" fmla="*/ 0 h 2415540"/>
+              </a:gdLst>
+              <a:ahLst/>
+              <a:cxnLst>
+                <a:cxn ang="0">
+                  <a:pos x="connsiteX0" y="connsiteY0"/>
+                </a:cxn>
+                <a:cxn ang="0">
+                  <a:pos x="connsiteX1" y="connsiteY1"/>
+                </a:cxn>
+                <a:cxn ang="0">
+                  <a:pos x="connsiteX2" y="connsiteY2"/>
+                </a:cxn>
+                <a:cxn ang="0">
+                  <a:pos x="connsiteX3" y="connsiteY3"/>
+                </a:cxn>
+                <a:cxn ang="0">
+                  <a:pos x="connsiteX4" y="connsiteY4"/>
+                </a:cxn>
+                <a:cxn ang="0">
+                  <a:pos x="connsiteX5" y="connsiteY5"/>
+                </a:cxn>
+                <a:cxn ang="0">
+                  <a:pos x="connsiteX6" y="connsiteY6"/>
+                </a:cxn>
+                <a:cxn ang="0">
+                  <a:pos x="connsiteX7" y="connsiteY7"/>
+                </a:cxn>
+                <a:cxn ang="0">
+                  <a:pos x="connsiteX8" y="connsiteY8"/>
+                </a:cxn>
+                <a:cxn ang="0">
+                  <a:pos x="connsiteX9" y="connsiteY9"/>
+                </a:cxn>
+                <a:cxn ang="0">
+                  <a:pos x="connsiteX10" y="connsiteY10"/>
+                </a:cxn>
+                <a:cxn ang="0">
+                  <a:pos x="connsiteX11" y="connsiteY11"/>
+                </a:cxn>
+                <a:cxn ang="0">
+                  <a:pos x="connsiteX12" y="connsiteY12"/>
+                </a:cxn>
+              </a:cxnLst>
+              <a:rect l="l" t="t" r="r" b="b"/>
+              <a:pathLst>
+                <a:path w="3985260" h="2415540">
+                  <a:moveTo>
+                    <a:pt x="109938" y="102302"/>
+                  </a:moveTo>
+                  <a:lnTo>
+                    <a:pt x="109938" y="2217420"/>
+                  </a:lnTo>
+                  <a:lnTo>
+                    <a:pt x="3891273" y="2217420"/>
+                  </a:lnTo>
+                  <a:lnTo>
+                    <a:pt x="3891273" y="102302"/>
+                  </a:lnTo>
+                  <a:close/>
+                  <a:moveTo>
+                    <a:pt x="124449" y="0"/>
+                  </a:moveTo>
+                  <a:lnTo>
+                    <a:pt x="3860811" y="0"/>
+                  </a:lnTo>
+                  <a:cubicBezTo>
+                    <a:pt x="3929542" y="0"/>
+                    <a:pt x="3985260" y="55718"/>
+                    <a:pt x="3985260" y="124449"/>
+                  </a:cubicBezTo>
+                  <a:lnTo>
+                    <a:pt x="3985260" y="2291091"/>
+                  </a:lnTo>
+                  <a:cubicBezTo>
+                    <a:pt x="3985260" y="2359822"/>
+                    <a:pt x="3929542" y="2415540"/>
+                    <a:pt x="3860811" y="2415540"/>
+                  </a:cubicBezTo>
+                  <a:lnTo>
+                    <a:pt x="124449" y="2415540"/>
+                  </a:lnTo>
+                  <a:cubicBezTo>
+                    <a:pt x="55718" y="2415540"/>
+                    <a:pt x="0" y="2359822"/>
+                    <a:pt x="0" y="2291091"/>
+                  </a:cubicBezTo>
+                  <a:lnTo>
+                    <a:pt x="0" y="124449"/>
+                  </a:lnTo>
+                  <a:cubicBezTo>
+                    <a:pt x="0" y="55718"/>
+                    <a:pt x="55718" y="0"/>
+                    <a:pt x="124449" y="0"/>
+                  </a:cubicBezTo>
+                  <a:close/>
+                </a:path>
+              </a:pathLst>
+            </a:custGeom>
+            <a:solidFill>
+              <a:schemeClr val="tx1">
+                <a:lumMod val="50000"/>
+                <a:lumOff val="50000"/>
+              </a:schemeClr>
+            </a:solidFill>
+            <a:ln>
+              <a:solidFill>
+                <a:schemeClr val="tx1">
+                  <a:lumMod val="75000"/>
+                  <a:lumOff val="25000"/>
+                </a:schemeClr>
+              </a:solidFill>
+            </a:ln>
+            <a:effectLst/>
+          </p:spPr>
+          <p:style>
+            <a:lnRef idx="2">
+              <a:schemeClr val="accent1">
+                <a:shade val="50000"/>
+              </a:schemeClr>
+            </a:lnRef>
+            <a:fillRef idx="1">
+              <a:schemeClr val="accent1"/>
+            </a:fillRef>
+            <a:effectRef idx="0">
+              <a:schemeClr val="accent1"/>
+            </a:effectRef>
+            <a:fontRef idx="minor">
+              <a:schemeClr val="lt1"/>
+            </a:fontRef>
+          </p:style>
+          <p:txBody>
+            <a:bodyPr wrap="square" rtlCol="0" anchor="ctr">
+              <a:noAutofit/>
+            </a:bodyPr>
+            <a:lstStyle/>
+            <a:p>
+              <a:pPr algn="ctr"/>
+              <a:endParaRPr kumimoji="1" lang="ja-JP" altLang="en-US" dirty="0"/>
+            </a:p>
+          </p:txBody>
+        </p:sp>
+        <p:pic>
+          <p:nvPicPr>
+            <p:cNvPr id="104" name="Picture 6" descr="ジャンプする女子高生">
+              <a:extLst>
+                <a:ext uri="{FF2B5EF4-FFF2-40B4-BE49-F238E27FC236}">
+                  <a16:creationId xmlns:a16="http://schemas.microsoft.com/office/drawing/2014/main" id="{138E24A0-11CF-439C-A729-1BA99C94B282}"/>
+                </a:ext>
+              </a:extLst>
+            </p:cNvPr>
+            <p:cNvPicPr>
+              <a:picLocks noChangeAspect="1" noChangeArrowheads="1"/>
+            </p:cNvPicPr>
+            <p:nvPr/>
+          </p:nvPicPr>
+          <p:blipFill>
+            <a:blip r:embed="rId14">
+              <a:extLst>
+                <a:ext uri="{28A0092B-C50C-407E-A947-70E740481C1C}">
+                  <a14:useLocalDpi xmlns:a14="http://schemas.microsoft.com/office/drawing/2010/main" val="0"/>
+                </a:ext>
+              </a:extLst>
+            </a:blip>
+            <a:srcRect/>
+            <a:stretch>
+              <a:fillRect/>
+            </a:stretch>
+          </p:blipFill>
+          <p:spPr bwMode="auto">
+            <a:xfrm>
+              <a:off x="8841169" y="4182423"/>
+              <a:ext cx="1150892" cy="1150893"/>
+            </a:xfrm>
+            <a:prstGeom prst="rect">
+              <a:avLst/>
+            </a:prstGeom>
+            <a:noFill/>
+            <a:extLst>
+              <a:ext uri="{909E8E84-426E-40DD-AFC4-6F175D3DCCD1}">
+                <a14:hiddenFill xmlns:a14="http://schemas.microsoft.com/office/drawing/2010/main">
+                  <a:solidFill>
+                    <a:srgbClr val="FFFFFF"/>
+                  </a:solidFill>
+                </a14:hiddenFill>
+              </a:ext>
+            </a:extLst>
+          </p:spPr>
+        </p:pic>
+        <p:sp>
+          <p:nvSpPr>
+            <p:cNvPr id="105" name="フリーフォーム: 図形 104">
+              <a:extLst>
+                <a:ext uri="{FF2B5EF4-FFF2-40B4-BE49-F238E27FC236}">
+                  <a16:creationId xmlns:a16="http://schemas.microsoft.com/office/drawing/2014/main" id="{A7D15EA2-6C17-46DA-8970-D2329C1B5B8D}"/>
+                </a:ext>
+              </a:extLst>
+            </p:cNvPr>
+            <p:cNvSpPr/>
+            <p:nvPr/>
+          </p:nvSpPr>
+          <p:spPr>
+            <a:xfrm>
+              <a:off x="7623265" y="5055382"/>
+              <a:ext cx="814085" cy="268775"/>
+            </a:xfrm>
+            <a:custGeom>
+              <a:avLst/>
+              <a:gdLst>
+                <a:gd name="connsiteX0" fmla="*/ 0 w 472477"/>
+                <a:gd name="connsiteY0" fmla="*/ 155991 h 155991"/>
+                <a:gd name="connsiteX1" fmla="*/ 180420 w 472477"/>
+                <a:gd name="connsiteY1" fmla="*/ 127288 h 155991"/>
+                <a:gd name="connsiteX2" fmla="*/ 442849 w 472477"/>
+                <a:gd name="connsiteY2" fmla="*/ 12476 h 155991"/>
+                <a:gd name="connsiteX3" fmla="*/ 455150 w 472477"/>
+                <a:gd name="connsiteY3" fmla="*/ 8375 h 155991"/>
+              </a:gdLst>
+              <a:ahLst/>
+              <a:cxnLst>
+                <a:cxn ang="0">
+                  <a:pos x="connsiteX0" y="connsiteY0"/>
+                </a:cxn>
+                <a:cxn ang="0">
+                  <a:pos x="connsiteX1" y="connsiteY1"/>
+                </a:cxn>
+                <a:cxn ang="0">
+                  <a:pos x="connsiteX2" y="connsiteY2"/>
+                </a:cxn>
+                <a:cxn ang="0">
+                  <a:pos x="connsiteX3" y="connsiteY3"/>
+                </a:cxn>
+              </a:cxnLst>
+              <a:rect l="l" t="t" r="r" b="b"/>
+              <a:pathLst>
+                <a:path w="472477" h="155991">
+                  <a:moveTo>
+                    <a:pt x="0" y="155991"/>
+                  </a:moveTo>
+                  <a:cubicBezTo>
+                    <a:pt x="53306" y="153599"/>
+                    <a:pt x="106612" y="151207"/>
+                    <a:pt x="180420" y="127288"/>
+                  </a:cubicBezTo>
+                  <a:cubicBezTo>
+                    <a:pt x="254228" y="103369"/>
+                    <a:pt x="397061" y="32295"/>
+                    <a:pt x="442849" y="12476"/>
+                  </a:cubicBezTo>
+                  <a:cubicBezTo>
+                    <a:pt x="488637" y="-7343"/>
+                    <a:pt x="471893" y="516"/>
+                    <a:pt x="455150" y="8375"/>
+                  </a:cubicBezTo>
+                </a:path>
+              </a:pathLst>
+            </a:custGeom>
+            <a:noFill/>
+            <a:ln w="6350">
+              <a:solidFill>
+                <a:schemeClr val="accent2">
+                  <a:lumMod val="75000"/>
+                </a:schemeClr>
+              </a:solidFill>
+            </a:ln>
+          </p:spPr>
+          <p:style>
+            <a:lnRef idx="2">
+              <a:schemeClr val="accent1">
+                <a:shade val="50000"/>
+              </a:schemeClr>
+            </a:lnRef>
+            <a:fillRef idx="1">
+              <a:schemeClr val="accent1"/>
+            </a:fillRef>
+            <a:effectRef idx="0">
+              <a:schemeClr val="accent1"/>
+            </a:effectRef>
+            <a:fontRef idx="minor">
+              <a:schemeClr val="lt1"/>
+            </a:fontRef>
+          </p:style>
+          <p:txBody>
+            <a:bodyPr rtlCol="0" anchor="ctr"/>
+            <a:lstStyle/>
+            <a:p>
+              <a:pPr algn="ctr"/>
+              <a:endParaRPr kumimoji="1" lang="ja-JP" altLang="en-US"/>
+            </a:p>
+          </p:txBody>
+        </p:sp>
+        <p:sp>
+          <p:nvSpPr>
+            <p:cNvPr id="106" name="フリーフォーム: 図形 105">
+              <a:extLst>
+                <a:ext uri="{FF2B5EF4-FFF2-40B4-BE49-F238E27FC236}">
+                  <a16:creationId xmlns:a16="http://schemas.microsoft.com/office/drawing/2014/main" id="{AD485F69-2EBB-4194-A6EF-B348F224487E}"/>
+                </a:ext>
+              </a:extLst>
+            </p:cNvPr>
+            <p:cNvSpPr/>
+            <p:nvPr/>
+          </p:nvSpPr>
+          <p:spPr>
+            <a:xfrm>
+              <a:off x="7650890" y="4965696"/>
+              <a:ext cx="841358" cy="349378"/>
+            </a:xfrm>
+            <a:custGeom>
+              <a:avLst/>
+              <a:gdLst>
+                <a:gd name="connsiteX0" fmla="*/ 0 w 488306"/>
+                <a:gd name="connsiteY0" fmla="*/ 202771 h 202771"/>
+                <a:gd name="connsiteX1" fmla="*/ 150949 w 488306"/>
+                <a:gd name="connsiteY1" fmla="*/ 167937 h 202771"/>
+                <a:gd name="connsiteX2" fmla="*/ 444138 w 488306"/>
+                <a:gd name="connsiteY2" fmla="*/ 22794 h 202771"/>
+                <a:gd name="connsiteX3" fmla="*/ 481875 w 488306"/>
+                <a:gd name="connsiteY3" fmla="*/ 2474 h 202771"/>
+              </a:gdLst>
+              <a:ahLst/>
+              <a:cxnLst>
+                <a:cxn ang="0">
+                  <a:pos x="connsiteX0" y="connsiteY0"/>
+                </a:cxn>
+                <a:cxn ang="0">
+                  <a:pos x="connsiteX1" y="connsiteY1"/>
+                </a:cxn>
+                <a:cxn ang="0">
+                  <a:pos x="connsiteX2" y="connsiteY2"/>
+                </a:cxn>
+                <a:cxn ang="0">
+                  <a:pos x="connsiteX3" y="connsiteY3"/>
+                </a:cxn>
+              </a:cxnLst>
+              <a:rect l="l" t="t" r="r" b="b"/>
+              <a:pathLst>
+                <a:path w="488306" h="202771">
+                  <a:moveTo>
+                    <a:pt x="0" y="202771"/>
+                  </a:moveTo>
+                  <a:cubicBezTo>
+                    <a:pt x="38463" y="200352"/>
+                    <a:pt x="76926" y="197933"/>
+                    <a:pt x="150949" y="167937"/>
+                  </a:cubicBezTo>
+                  <a:cubicBezTo>
+                    <a:pt x="224972" y="137941"/>
+                    <a:pt x="388984" y="50371"/>
+                    <a:pt x="444138" y="22794"/>
+                  </a:cubicBezTo>
+                  <a:cubicBezTo>
+                    <a:pt x="499292" y="-4783"/>
+                    <a:pt x="490583" y="-1155"/>
+                    <a:pt x="481875" y="2474"/>
+                  </a:cubicBezTo>
+                </a:path>
+              </a:pathLst>
+            </a:custGeom>
+            <a:noFill/>
+            <a:ln w="6350">
+              <a:solidFill>
+                <a:schemeClr val="accent2">
+                  <a:lumMod val="75000"/>
+                </a:schemeClr>
+              </a:solidFill>
+            </a:ln>
+          </p:spPr>
+          <p:style>
+            <a:lnRef idx="2">
+              <a:schemeClr val="accent1">
+                <a:shade val="50000"/>
+              </a:schemeClr>
+            </a:lnRef>
+            <a:fillRef idx="1">
+              <a:schemeClr val="accent1"/>
+            </a:fillRef>
+            <a:effectRef idx="0">
+              <a:schemeClr val="accent1"/>
+            </a:effectRef>
+            <a:fontRef idx="minor">
+              <a:schemeClr val="lt1"/>
+            </a:fontRef>
+          </p:style>
+          <p:txBody>
+            <a:bodyPr rtlCol="0" anchor="ctr"/>
+            <a:lstStyle/>
+            <a:p>
+              <a:pPr algn="ctr"/>
+              <a:endParaRPr kumimoji="1" lang="ja-JP" altLang="en-US"/>
+            </a:p>
+          </p:txBody>
+        </p:sp>
+        <p:sp>
+          <p:nvSpPr>
+            <p:cNvPr id="107" name="フリーフォーム: 図形 106">
+              <a:extLst>
+                <a:ext uri="{FF2B5EF4-FFF2-40B4-BE49-F238E27FC236}">
+                  <a16:creationId xmlns:a16="http://schemas.microsoft.com/office/drawing/2014/main" id="{F7E5FB58-EA48-49C3-93AF-08828B2B92D8}"/>
+                </a:ext>
+              </a:extLst>
+            </p:cNvPr>
+            <p:cNvSpPr/>
+            <p:nvPr/>
+          </p:nvSpPr>
+          <p:spPr>
+            <a:xfrm>
+              <a:off x="7644753" y="5120569"/>
+              <a:ext cx="840279" cy="201004"/>
+            </a:xfrm>
+            <a:custGeom>
+              <a:avLst/>
+              <a:gdLst>
+                <a:gd name="connsiteX0" fmla="*/ 0 w 487680"/>
+                <a:gd name="connsiteY0" fmla="*/ 110309 h 116659"/>
+                <a:gd name="connsiteX1" fmla="*/ 194491 w 487680"/>
+                <a:gd name="connsiteY1" fmla="*/ 104503 h 116659"/>
+                <a:gd name="connsiteX2" fmla="*/ 487680 w 487680"/>
+                <a:gd name="connsiteY2" fmla="*/ 0 h 116659"/>
+              </a:gdLst>
+              <a:ahLst/>
+              <a:cxnLst>
+                <a:cxn ang="0">
+                  <a:pos x="connsiteX0" y="connsiteY0"/>
+                </a:cxn>
+                <a:cxn ang="0">
+                  <a:pos x="connsiteX1" y="connsiteY1"/>
+                </a:cxn>
+                <a:cxn ang="0">
+                  <a:pos x="connsiteX2" y="connsiteY2"/>
+                </a:cxn>
+              </a:cxnLst>
+              <a:rect l="l" t="t" r="r" b="b"/>
+              <a:pathLst>
+                <a:path w="487680" h="116659">
+                  <a:moveTo>
+                    <a:pt x="0" y="110309"/>
+                  </a:moveTo>
+                  <a:cubicBezTo>
+                    <a:pt x="56605" y="116598"/>
+                    <a:pt x="113211" y="122888"/>
+                    <a:pt x="194491" y="104503"/>
+                  </a:cubicBezTo>
+                  <a:cubicBezTo>
+                    <a:pt x="275771" y="86118"/>
+                    <a:pt x="381725" y="43059"/>
+                    <a:pt x="487680" y="0"/>
+                  </a:cubicBezTo>
+                </a:path>
+              </a:pathLst>
+            </a:custGeom>
+            <a:noFill/>
+            <a:ln w="6350">
+              <a:solidFill>
+                <a:schemeClr val="accent2">
+                  <a:lumMod val="75000"/>
+                </a:schemeClr>
+              </a:solidFill>
+            </a:ln>
+          </p:spPr>
+          <p:style>
+            <a:lnRef idx="2">
+              <a:schemeClr val="accent1">
+                <a:shade val="50000"/>
+              </a:schemeClr>
+            </a:lnRef>
+            <a:fillRef idx="1">
+              <a:schemeClr val="accent1"/>
+            </a:fillRef>
+            <a:effectRef idx="0">
+              <a:schemeClr val="accent1"/>
+            </a:effectRef>
+            <a:fontRef idx="minor">
+              <a:schemeClr val="lt1"/>
+            </a:fontRef>
+          </p:style>
+          <p:txBody>
+            <a:bodyPr rtlCol="0" anchor="ctr"/>
+            <a:lstStyle/>
+            <a:p>
+              <a:pPr algn="ctr"/>
+              <a:endParaRPr kumimoji="1" lang="ja-JP" altLang="en-US"/>
+            </a:p>
+          </p:txBody>
+        </p:sp>
+        <p:pic>
+          <p:nvPicPr>
+            <p:cNvPr id="109" name="図 108">
+              <a:extLst>
+                <a:ext uri="{FF2B5EF4-FFF2-40B4-BE49-F238E27FC236}">
+                  <a16:creationId xmlns:a16="http://schemas.microsoft.com/office/drawing/2014/main" id="{F0F2ECA7-4C71-4FE1-9D83-4468384FFF06}"/>
+                </a:ext>
+              </a:extLst>
+            </p:cNvPr>
+            <p:cNvPicPr>
+              <a:picLocks noChangeAspect="1"/>
+            </p:cNvPicPr>
+            <p:nvPr/>
+          </p:nvPicPr>
+          <p:blipFill>
+            <a:blip r:embed="rId7">
+              <a:duotone>
+                <a:prstClr val="black"/>
+                <a:schemeClr val="tx2">
+                  <a:tint val="45000"/>
+                  <a:satMod val="400000"/>
+                </a:schemeClr>
+              </a:duotone>
+            </a:blip>
+            <a:stretch>
+              <a:fillRect/>
+            </a:stretch>
+          </p:blipFill>
+          <p:spPr>
+            <a:xfrm>
+              <a:off x="7565988" y="4129327"/>
+              <a:ext cx="233927" cy="253711"/>
+            </a:xfrm>
+            <a:prstGeom prst="rect">
+              <a:avLst/>
+            </a:prstGeom>
+          </p:spPr>
+        </p:pic>
+        <p:pic>
+          <p:nvPicPr>
+            <p:cNvPr id="110" name="図 109">
+              <a:extLst>
+                <a:ext uri="{FF2B5EF4-FFF2-40B4-BE49-F238E27FC236}">
+                  <a16:creationId xmlns:a16="http://schemas.microsoft.com/office/drawing/2014/main" id="{75D159D3-BE31-4C4E-8C22-6E088CF48FB0}"/>
+                </a:ext>
+              </a:extLst>
+            </p:cNvPr>
+            <p:cNvPicPr>
+              <a:picLocks noChangeAspect="1"/>
+            </p:cNvPicPr>
+            <p:nvPr/>
+          </p:nvPicPr>
+          <p:blipFill>
+            <a:blip r:embed="rId7"/>
+            <a:stretch>
+              <a:fillRect/>
+            </a:stretch>
+          </p:blipFill>
+          <p:spPr>
+            <a:xfrm>
+              <a:off x="7362941" y="4123985"/>
+              <a:ext cx="233927" cy="253711"/>
+            </a:xfrm>
+            <a:prstGeom prst="rect">
+              <a:avLst/>
+            </a:prstGeom>
+          </p:spPr>
+        </p:pic>
+        <p:pic>
+          <p:nvPicPr>
+            <p:cNvPr id="111" name="図 110">
+              <a:extLst>
+                <a:ext uri="{FF2B5EF4-FFF2-40B4-BE49-F238E27FC236}">
+                  <a16:creationId xmlns:a16="http://schemas.microsoft.com/office/drawing/2014/main" id="{463AD112-D3F4-425B-A324-A31D2EDD1BD9}"/>
+                </a:ext>
+              </a:extLst>
+            </p:cNvPr>
+            <p:cNvPicPr>
+              <a:picLocks noChangeAspect="1"/>
+            </p:cNvPicPr>
+            <p:nvPr/>
+          </p:nvPicPr>
+          <p:blipFill>
+            <a:blip r:embed="rId7"/>
+            <a:stretch>
+              <a:fillRect/>
+            </a:stretch>
+          </p:blipFill>
+          <p:spPr>
+            <a:xfrm>
+              <a:off x="7159891" y="4115885"/>
+              <a:ext cx="233927" cy="253711"/>
+            </a:xfrm>
+            <a:prstGeom prst="rect">
+              <a:avLst/>
+            </a:prstGeom>
+          </p:spPr>
+        </p:pic>
+        <p:grpSp>
+          <p:nvGrpSpPr>
+            <p:cNvPr id="112" name="グループ化 111">
+              <a:extLst>
+                <a:ext uri="{FF2B5EF4-FFF2-40B4-BE49-F238E27FC236}">
+                  <a16:creationId xmlns:a16="http://schemas.microsoft.com/office/drawing/2014/main" id="{EECA49E3-1889-4600-BE6F-F38AA1916AFC}"/>
+                </a:ext>
+              </a:extLst>
+            </p:cNvPr>
+            <p:cNvGrpSpPr/>
+            <p:nvPr/>
+          </p:nvGrpSpPr>
+          <p:grpSpPr>
+            <a:xfrm>
+              <a:off x="7100334" y="3964137"/>
+              <a:ext cx="785834" cy="117111"/>
+              <a:chOff x="773787" y="3912863"/>
+              <a:chExt cx="456081" cy="67968"/>
+            </a:xfrm>
+          </p:grpSpPr>
+          <p:sp>
+            <p:nvSpPr>
+              <p:cNvPr id="113" name="正方形/長方形 112">
+                <a:extLst>
+                  <a:ext uri="{FF2B5EF4-FFF2-40B4-BE49-F238E27FC236}">
+                    <a16:creationId xmlns:a16="http://schemas.microsoft.com/office/drawing/2014/main" id="{301D7677-8ABE-4C6D-ABB7-990C223CCD74}"/>
+                  </a:ext>
+                </a:extLst>
+              </p:cNvPr>
+              <p:cNvSpPr/>
+              <p:nvPr/>
+            </p:nvSpPr>
+            <p:spPr>
+              <a:xfrm>
+                <a:off x="929463" y="3912863"/>
+                <a:ext cx="298979" cy="63281"/>
+              </a:xfrm>
+              <a:prstGeom prst="rect">
+                <a:avLst/>
+              </a:prstGeom>
+              <a:solidFill>
+                <a:schemeClr val="bg1">
+                  <a:lumMod val="95000"/>
+                </a:schemeClr>
+              </a:solidFill>
+              <a:ln w="6350">
+                <a:noFill/>
+              </a:ln>
+            </p:spPr>
+            <p:style>
+              <a:lnRef idx="2">
+                <a:schemeClr val="accent1">
+                  <a:shade val="50000"/>
+                </a:schemeClr>
+              </a:lnRef>
+              <a:fillRef idx="1">
+                <a:schemeClr val="accent1"/>
+              </a:fillRef>
+              <a:effectRef idx="0">
+                <a:schemeClr val="accent1"/>
+              </a:effectRef>
+              <a:fontRef idx="minor">
+                <a:schemeClr val="lt1"/>
+              </a:fontRef>
+            </p:style>
+            <p:txBody>
+              <a:bodyPr rot="0" spcFirstLastPara="0" vertOverflow="overflow" horzOverflow="overflow" vert="horz" wrap="square" lIns="91440" tIns="45720" rIns="91440" bIns="45720" numCol="1" spcCol="0" rtlCol="0" fromWordArt="0" anchor="ctr" anchorCtr="0" forceAA="0" compatLnSpc="1">
+                <a:prstTxWarp prst="textNoShape">
+                  <a:avLst/>
+                </a:prstTxWarp>
+                <a:noAutofit/>
+              </a:bodyPr>
+              <a:lstStyle/>
+              <a:p>
+                <a:pPr algn="ctr"/>
+                <a:endParaRPr kumimoji="1" lang="ja-JP" altLang="en-US"/>
+              </a:p>
+            </p:txBody>
+          </p:sp>
+          <p:sp>
+            <p:nvSpPr>
+              <p:cNvPr id="114" name="正方形/長方形 113">
+                <a:extLst>
+                  <a:ext uri="{FF2B5EF4-FFF2-40B4-BE49-F238E27FC236}">
+                    <a16:creationId xmlns:a16="http://schemas.microsoft.com/office/drawing/2014/main" id="{D5A50164-3DFC-4BFB-BA05-EAAA2FC95187}"/>
+                  </a:ext>
+                </a:extLst>
+              </p:cNvPr>
+              <p:cNvSpPr/>
+              <p:nvPr/>
+            </p:nvSpPr>
+            <p:spPr>
+              <a:xfrm>
+                <a:off x="779975" y="3914145"/>
+                <a:ext cx="164144" cy="63663"/>
+              </a:xfrm>
+              <a:prstGeom prst="rect">
+                <a:avLst/>
+              </a:prstGeom>
+              <a:solidFill>
+                <a:schemeClr val="accent2">
+                  <a:lumMod val="75000"/>
+                </a:schemeClr>
+              </a:solidFill>
+              <a:ln w="6350">
+                <a:noFill/>
+              </a:ln>
+            </p:spPr>
+            <p:style>
+              <a:lnRef idx="2">
+                <a:schemeClr val="accent1">
+                  <a:shade val="50000"/>
+                </a:schemeClr>
+              </a:lnRef>
+              <a:fillRef idx="1">
+                <a:schemeClr val="accent1"/>
+              </a:fillRef>
+              <a:effectRef idx="0">
+                <a:schemeClr val="accent1"/>
+              </a:effectRef>
+              <a:fontRef idx="minor">
+                <a:schemeClr val="lt1"/>
+              </a:fontRef>
+            </p:style>
+            <p:txBody>
+              <a:bodyPr rot="0" spcFirstLastPara="0" vertOverflow="overflow" horzOverflow="overflow" vert="horz" wrap="square" lIns="91440" tIns="45720" rIns="91440" bIns="45720" numCol="1" spcCol="0" rtlCol="0" fromWordArt="0" anchor="ctr" anchorCtr="0" forceAA="0" compatLnSpc="1">
+                <a:prstTxWarp prst="textNoShape">
+                  <a:avLst/>
+                </a:prstTxWarp>
+                <a:noAutofit/>
+              </a:bodyPr>
+              <a:lstStyle/>
+              <a:p>
+                <a:pPr algn="ctr"/>
+                <a:endParaRPr kumimoji="1" lang="ja-JP" altLang="en-US"/>
+              </a:p>
+            </p:txBody>
+          </p:sp>
+          <p:sp>
+            <p:nvSpPr>
+              <p:cNvPr id="115" name="正方形/長方形 114">
+                <a:extLst>
+                  <a:ext uri="{FF2B5EF4-FFF2-40B4-BE49-F238E27FC236}">
+                    <a16:creationId xmlns:a16="http://schemas.microsoft.com/office/drawing/2014/main" id="{F7AA3D5B-E605-4499-826A-3DE8CBC6D0BB}"/>
+                  </a:ext>
+                </a:extLst>
+              </p:cNvPr>
+              <p:cNvSpPr/>
+              <p:nvPr/>
+            </p:nvSpPr>
+            <p:spPr>
+              <a:xfrm>
+                <a:off x="773787" y="3913930"/>
+                <a:ext cx="456081" cy="66901"/>
+              </a:xfrm>
+              <a:prstGeom prst="rect">
+                <a:avLst/>
+              </a:prstGeom>
+              <a:noFill/>
+              <a:ln w="9525">
+                <a:solidFill>
+                  <a:schemeClr val="tx1"/>
+                </a:solidFill>
+              </a:ln>
+            </p:spPr>
+            <p:style>
+              <a:lnRef idx="2">
+                <a:schemeClr val="accent1">
+                  <a:shade val="50000"/>
+                </a:schemeClr>
+              </a:lnRef>
+              <a:fillRef idx="1">
+                <a:schemeClr val="accent1"/>
+              </a:fillRef>
+              <a:effectRef idx="0">
+                <a:schemeClr val="accent1"/>
+              </a:effectRef>
+              <a:fontRef idx="minor">
+                <a:schemeClr val="lt1"/>
+              </a:fontRef>
+            </p:style>
+            <p:txBody>
+              <a:bodyPr rot="0" spcFirstLastPara="0" vertOverflow="overflow" horzOverflow="overflow" vert="horz" wrap="square" lIns="91440" tIns="45720" rIns="91440" bIns="45720" numCol="1" spcCol="0" rtlCol="0" fromWordArt="0" anchor="ctr" anchorCtr="0" forceAA="0" compatLnSpc="1">
+                <a:prstTxWarp prst="textNoShape">
+                  <a:avLst/>
+                </a:prstTxWarp>
+                <a:noAutofit/>
+              </a:bodyPr>
+              <a:lstStyle/>
+              <a:p>
+                <a:pPr algn="ctr"/>
+                <a:endParaRPr kumimoji="1" lang="ja-JP" altLang="en-US"/>
+              </a:p>
+            </p:txBody>
+          </p:sp>
+        </p:grpSp>
+      </p:grpSp>
+      <p:sp>
+        <p:nvSpPr>
+          <p:cNvPr id="116" name="正方形/長方形 115">
+            <a:extLst>
+              <a:ext uri="{FF2B5EF4-FFF2-40B4-BE49-F238E27FC236}">
+                <a16:creationId xmlns:a16="http://schemas.microsoft.com/office/drawing/2014/main" id="{93B6FE24-5A81-48B8-8C30-833BAF7F9AA4}"/>
+              </a:ext>
+            </a:extLst>
+          </p:cNvPr>
+          <p:cNvSpPr/>
+          <p:nvPr/>
+        </p:nvSpPr>
+        <p:spPr>
+          <a:xfrm>
+            <a:off x="7953634" y="2277394"/>
+            <a:ext cx="381666" cy="224035"/>
+          </a:xfrm>
+          <a:prstGeom prst="rect">
+            <a:avLst/>
+          </a:prstGeom>
+          <a:solidFill>
+            <a:schemeClr val="bg1">
+              <a:lumMod val="75000"/>
+            </a:schemeClr>
+          </a:solidFill>
+          <a:ln w="28575">
+            <a:solidFill>
+              <a:schemeClr val="bg1">
+                <a:lumMod val="75000"/>
+              </a:schemeClr>
+            </a:solidFill>
+          </a:ln>
+        </p:spPr>
+        <p:style>
+          <a:lnRef idx="2">
+            <a:schemeClr val="accent1">
+              <a:shade val="50000"/>
+            </a:schemeClr>
+          </a:lnRef>
+          <a:fillRef idx="1">
+            <a:schemeClr val="accent1"/>
+          </a:fillRef>
+          <a:effectRef idx="0">
+            <a:schemeClr val="accent1"/>
+          </a:effectRef>
+          <a:fontRef idx="minor">
+            <a:schemeClr val="lt1"/>
+          </a:fontRef>
+        </p:style>
+        <p:txBody>
+          <a:bodyPr rot="0" spcFirstLastPara="0" vertOverflow="overflow" horzOverflow="overflow" vert="horz" wrap="square" lIns="91440" tIns="45720" rIns="91440" bIns="45720" numCol="1" spcCol="0" rtlCol="0" fromWordArt="0" anchor="ctr" anchorCtr="0" forceAA="0" compatLnSpc="1">
+            <a:prstTxWarp prst="textNoShape">
+              <a:avLst/>
+            </a:prstTxWarp>
+            <a:noAutofit/>
+          </a:bodyPr>
+          <a:lstStyle/>
+          <a:p>
+            <a:pPr algn="ctr"/>
+            <a:endParaRPr kumimoji="1" lang="ja-JP" altLang="en-US" dirty="0"/>
+          </a:p>
+        </p:txBody>
+      </p:sp>
+      <p:sp>
+        <p:nvSpPr>
+          <p:cNvPr id="117" name="正方形/長方形 116">
+            <a:extLst>
+              <a:ext uri="{FF2B5EF4-FFF2-40B4-BE49-F238E27FC236}">
+                <a16:creationId xmlns:a16="http://schemas.microsoft.com/office/drawing/2014/main" id="{14BF7569-0B9B-4003-8313-39350E26C2FF}"/>
+              </a:ext>
+            </a:extLst>
+          </p:cNvPr>
+          <p:cNvSpPr/>
+          <p:nvPr/>
+        </p:nvSpPr>
+        <p:spPr>
+          <a:xfrm>
+            <a:off x="7572159" y="1455554"/>
+            <a:ext cx="729738" cy="129152"/>
+          </a:xfrm>
+          <a:prstGeom prst="rect">
+            <a:avLst/>
+          </a:prstGeom>
+          <a:solidFill>
+            <a:schemeClr val="bg1"/>
+          </a:solidFill>
+          <a:ln w="3175">
+            <a:solidFill>
+              <a:schemeClr val="tx1"/>
+            </a:solidFill>
+          </a:ln>
+        </p:spPr>
+        <p:style>
+          <a:lnRef idx="2">
+            <a:schemeClr val="accent1">
+              <a:shade val="50000"/>
+            </a:schemeClr>
+          </a:lnRef>
+          <a:fillRef idx="1">
+            <a:schemeClr val="accent1"/>
+          </a:fillRef>
+          <a:effectRef idx="0">
+            <a:schemeClr val="accent1"/>
+          </a:effectRef>
+          <a:fontRef idx="minor">
+            <a:schemeClr val="lt1"/>
+          </a:fontRef>
+        </p:style>
+        <p:txBody>
+          <a:bodyPr rtlCol="0" anchor="ctr"/>
+          <a:lstStyle/>
+          <a:p>
+            <a:r>
+              <a:rPr kumimoji="1" lang="ja-JP" altLang="en-US" sz="600" b="1" dirty="0">
+                <a:solidFill>
+                  <a:schemeClr val="tx1"/>
+                </a:solidFill>
+              </a:rPr>
+              <a:t>始業まで</a:t>
+            </a:r>
+            <a:r>
+              <a:rPr kumimoji="1" lang="en-US" altLang="ja-JP" sz="600" b="1" dirty="0">
+                <a:solidFill>
+                  <a:schemeClr val="tx1"/>
+                </a:solidFill>
+              </a:rPr>
+              <a:t>:</a:t>
+            </a:r>
+            <a:r>
+              <a:rPr kumimoji="1" lang="en-US" altLang="ja-JP" sz="600" b="1" dirty="0">
+                <a:solidFill>
+                  <a:srgbClr val="FF0000"/>
+                </a:solidFill>
+                <a:latin typeface="Agency FB" panose="020B0503020202020204" pitchFamily="34" charset="0"/>
+              </a:rPr>
+              <a:t>0029</a:t>
+            </a:r>
+            <a:r>
+              <a:rPr kumimoji="1" lang="ja-JP" altLang="en-US" sz="600" b="1" dirty="0">
+                <a:solidFill>
+                  <a:schemeClr val="tx1"/>
+                </a:solidFill>
+              </a:rPr>
+              <a:t>秒</a:t>
+            </a:r>
+          </a:p>
+        </p:txBody>
+      </p:sp>
+      <p:pic>
+        <p:nvPicPr>
+          <p:cNvPr id="24" name="図 23">
+            <a:extLst>
+              <a:ext uri="{FF2B5EF4-FFF2-40B4-BE49-F238E27FC236}">
+                <a16:creationId xmlns:a16="http://schemas.microsoft.com/office/drawing/2014/main" id="{29D05F75-CAD5-4D9C-9F63-20E330A3174D}"/>
+              </a:ext>
+            </a:extLst>
+          </p:cNvPr>
+          <p:cNvPicPr>
+            <a:picLocks noChangeAspect="1"/>
+          </p:cNvPicPr>
+          <p:nvPr/>
+        </p:nvPicPr>
+        <p:blipFill>
+          <a:blip r:embed="rId15"/>
+          <a:stretch>
+            <a:fillRect/>
+          </a:stretch>
+        </p:blipFill>
+        <p:spPr>
+          <a:xfrm>
+            <a:off x="3683402" y="1940350"/>
+            <a:ext cx="373951" cy="372674"/>
+          </a:xfrm>
+          <a:prstGeom prst="rect">
+            <a:avLst/>
+          </a:prstGeom>
+        </p:spPr>
+      </p:pic>
     </p:spTree>
     <p:extLst>
       <p:ext uri="{BB962C8B-B14F-4D97-AF65-F5344CB8AC3E}">
